--- a/Multi-level Monte Carlo.pptx
+++ b/Multi-level Monte Carlo.pptx
@@ -5,28 +5,31 @@
     <p:sldMasterId id="2147483708" r:id="rId1"/>
   </p:sldMasterIdLst>
   <p:notesMasterIdLst>
-    <p:notesMasterId r:id="rId21"/>
+    <p:notesMasterId r:id="rId24"/>
   </p:notesMasterIdLst>
   <p:sldIdLst>
     <p:sldId id="256" r:id="rId2"/>
-    <p:sldId id="257" r:id="rId3"/>
-    <p:sldId id="259" r:id="rId4"/>
-    <p:sldId id="261" r:id="rId5"/>
-    <p:sldId id="260" r:id="rId6"/>
-    <p:sldId id="262" r:id="rId7"/>
-    <p:sldId id="264" r:id="rId8"/>
-    <p:sldId id="265" r:id="rId9"/>
-    <p:sldId id="263" r:id="rId10"/>
-    <p:sldId id="266" r:id="rId11"/>
-    <p:sldId id="268" r:id="rId12"/>
-    <p:sldId id="267" r:id="rId13"/>
-    <p:sldId id="269" r:id="rId14"/>
-    <p:sldId id="270" r:id="rId15"/>
-    <p:sldId id="271" r:id="rId16"/>
-    <p:sldId id="272" r:id="rId17"/>
-    <p:sldId id="273" r:id="rId18"/>
-    <p:sldId id="274" r:id="rId19"/>
-    <p:sldId id="275" r:id="rId20"/>
+    <p:sldId id="276" r:id="rId3"/>
+    <p:sldId id="257" r:id="rId4"/>
+    <p:sldId id="259" r:id="rId5"/>
+    <p:sldId id="261" r:id="rId6"/>
+    <p:sldId id="260" r:id="rId7"/>
+    <p:sldId id="262" r:id="rId8"/>
+    <p:sldId id="264" r:id="rId9"/>
+    <p:sldId id="265" r:id="rId10"/>
+    <p:sldId id="263" r:id="rId11"/>
+    <p:sldId id="266" r:id="rId12"/>
+    <p:sldId id="268" r:id="rId13"/>
+    <p:sldId id="267" r:id="rId14"/>
+    <p:sldId id="269" r:id="rId15"/>
+    <p:sldId id="270" r:id="rId16"/>
+    <p:sldId id="271" r:id="rId17"/>
+    <p:sldId id="272" r:id="rId18"/>
+    <p:sldId id="273" r:id="rId19"/>
+    <p:sldId id="278" r:id="rId20"/>
+    <p:sldId id="277" r:id="rId21"/>
+    <p:sldId id="274" r:id="rId22"/>
+    <p:sldId id="275" r:id="rId23"/>
   </p:sldIdLst>
   <p:sldSz cx="12192000" cy="6858000"/>
   <p:notesSz cx="6858000" cy="9144000"/>
@@ -215,7 +218,7 @@
           <a:p>
             <a:fld id="{7C50E55A-97EB-4F80-A849-C41770BD2C14}" type="datetimeFigureOut">
               <a:rPr lang="de-DE" smtClean="0"/>
-              <a:t>02.11.2022</a:t>
+              <a:t>06.11.2022</a:t>
             </a:fld>
             <a:endParaRPr lang="de-DE"/>
           </a:p>
@@ -632,7 +635,7 @@
           <a:p>
             <a:fld id="{42DC160E-E8F3-4A7B-B560-3F7DDCB8DCCB}" type="datetime1">
               <a:rPr lang="de-DE" smtClean="0"/>
-              <a:t>02.11.2022</a:t>
+              <a:t>06.11.2022</a:t>
             </a:fld>
             <a:endParaRPr lang="de-DE"/>
           </a:p>
@@ -835,7 +838,7 @@
           <a:p>
             <a:fld id="{4A6BE53A-91CE-4980-AA36-90EC57DDF9C5}" type="datetime1">
               <a:rPr lang="de-DE" smtClean="0"/>
-              <a:t>02.11.2022</a:t>
+              <a:t>06.11.2022</a:t>
             </a:fld>
             <a:endParaRPr lang="de-DE"/>
           </a:p>
@@ -1048,7 +1051,7 @@
           <a:p>
             <a:fld id="{17CFFA08-DAA5-4F18-B5D1-AB31B1B0E859}" type="datetime1">
               <a:rPr lang="de-DE" smtClean="0"/>
-              <a:t>02.11.2022</a:t>
+              <a:t>06.11.2022</a:t>
             </a:fld>
             <a:endParaRPr lang="de-DE"/>
           </a:p>
@@ -1251,7 +1254,7 @@
           <a:p>
             <a:fld id="{F71301FD-471F-47BA-8255-218BED4D95B7}" type="datetime1">
               <a:rPr lang="de-DE" smtClean="0"/>
-              <a:t>02.11.2022</a:t>
+              <a:t>06.11.2022</a:t>
             </a:fld>
             <a:endParaRPr lang="de-DE"/>
           </a:p>
@@ -1530,7 +1533,7 @@
           <a:p>
             <a:fld id="{C392B4E1-5916-4497-8B8B-D395964DE0B1}" type="datetime1">
               <a:rPr lang="de-DE" smtClean="0"/>
-              <a:t>02.11.2022</a:t>
+              <a:t>06.11.2022</a:t>
             </a:fld>
             <a:endParaRPr lang="de-DE"/>
           </a:p>
@@ -1801,7 +1804,7 @@
           <a:p>
             <a:fld id="{1067EDDB-7321-4FC9-8F82-4E0F031BCDC8}" type="datetime1">
               <a:rPr lang="de-DE" smtClean="0"/>
-              <a:t>02.11.2022</a:t>
+              <a:t>06.11.2022</a:t>
             </a:fld>
             <a:endParaRPr lang="de-DE"/>
           </a:p>
@@ -2219,7 +2222,7 @@
           <a:p>
             <a:fld id="{5F043441-D25A-4199-BAEE-7813CFDA2B80}" type="datetime1">
               <a:rPr lang="de-DE" smtClean="0"/>
-              <a:t>02.11.2022</a:t>
+              <a:t>06.11.2022</a:t>
             </a:fld>
             <a:endParaRPr lang="de-DE"/>
           </a:p>
@@ -2364,7 +2367,7 @@
           <a:p>
             <a:fld id="{12EB2EA3-B2BF-44E2-98FF-4120D71A9154}" type="datetime1">
               <a:rPr lang="de-DE" smtClean="0"/>
-              <a:t>02.11.2022</a:t>
+              <a:t>06.11.2022</a:t>
             </a:fld>
             <a:endParaRPr lang="de-DE"/>
           </a:p>
@@ -2480,7 +2483,7 @@
           <a:p>
             <a:fld id="{DC0C6797-1792-4813-81C9-F4233BFC3146}" type="datetime1">
               <a:rPr lang="de-DE" smtClean="0"/>
-              <a:t>02.11.2022</a:t>
+              <a:t>06.11.2022</a:t>
             </a:fld>
             <a:endParaRPr lang="de-DE"/>
           </a:p>
@@ -2796,7 +2799,7 @@
           <a:p>
             <a:fld id="{657F5487-6AAE-4510-BFE1-E06DD81B194F}" type="datetime1">
               <a:rPr lang="de-DE" smtClean="0"/>
-              <a:t>02.11.2022</a:t>
+              <a:t>06.11.2022</a:t>
             </a:fld>
             <a:endParaRPr lang="de-DE"/>
           </a:p>
@@ -3088,7 +3091,7 @@
           <a:p>
             <a:fld id="{EF7B6145-38F1-44E8-8BB0-2692C88871BC}" type="datetime1">
               <a:rPr lang="de-DE" smtClean="0"/>
-              <a:t>02.11.2022</a:t>
+              <a:t>06.11.2022</a:t>
             </a:fld>
             <a:endParaRPr lang="de-DE"/>
           </a:p>
@@ -3334,7 +3337,7 @@
           <a:p>
             <a:fld id="{75555391-0F19-4A9B-852A-374D38A6EE36}" type="datetime1">
               <a:rPr lang="de-DE" smtClean="0"/>
-              <a:t>02.11.2022</a:t>
+              <a:t>06.11.2022</a:t>
             </a:fld>
             <a:endParaRPr lang="de-DE"/>
           </a:p>
@@ -4411,7 +4414,7 @@
                   </a:schemeClr>
                 </a:solidFill>
               </a:rPr>
-              <a:t>Multi-level Monte Carlo</a:t>
+              <a:t>Two-level Monte Carlo</a:t>
             </a:r>
             <a:endParaRPr lang="de-DE" sz="4000" dirty="0">
               <a:solidFill>
@@ -4552,8 +4555,2031 @@
           </a:fontRef>
         </p:style>
       </p:cxnSp>
-      <mc:AlternateContent xmlns:mc="http://schemas.openxmlformats.org/markup-compatibility/2006">
-        <mc:Choice xmlns:a14="http://schemas.microsoft.com/office/drawing/2010/main" Requires="a14">
+      <mc:AlternateContent xmlns:mc="http://schemas.openxmlformats.org/markup-compatibility/2006" xmlns:a14="http://schemas.microsoft.com/office/drawing/2010/main">
+        <mc:Choice Requires="a14">
+          <p:sp>
+            <p:nvSpPr>
+              <p:cNvPr id="9" name="Content Placeholder 2">
+                <a:extLst>
+                  <a:ext uri="{FF2B5EF4-FFF2-40B4-BE49-F238E27FC236}">
+                    <a16:creationId xmlns:a16="http://schemas.microsoft.com/office/drawing/2014/main" id="{1390DE4D-0854-BE6E-BDD1-5AA7AB426A6B}"/>
+                  </a:ext>
+                </a:extLst>
+              </p:cNvPr>
+              <p:cNvSpPr>
+                <a:spLocks noGrp="1"/>
+              </p:cNvSpPr>
+              <p:nvPr>
+                <p:ph idx="1"/>
+              </p:nvPr>
+            </p:nvSpPr>
+            <p:spPr>
+              <a:xfrm>
+                <a:off x="597159" y="1003693"/>
+                <a:ext cx="10756642" cy="5733010"/>
+              </a:xfrm>
+            </p:spPr>
+            <p:txBody>
+              <a:bodyPr>
+                <a:normAutofit/>
+              </a:bodyPr>
+              <a:lstStyle/>
+              <a:p>
+                <a:pPr>
+                  <a:lnSpc>
+                    <a:spcPct val="120000"/>
+                  </a:lnSpc>
+                </a:pPr>
+                <a:r>
+                  <a:rPr lang="en-US" dirty="0"/>
+                  <a:t>If we want to estimate </a:t>
+                </a:r>
+                <a14:m>
+                  <m:oMath xmlns:m="http://schemas.openxmlformats.org/officeDocument/2006/math">
+                    <m:r>
+                      <a:rPr lang="en-US" sz="2400" b="0" i="1" smtClean="0">
+                        <a:solidFill>
+                          <a:prstClr val="black"/>
+                        </a:solidFill>
+                        <a:latin typeface="Cambria Math" panose="02040503050406030204" pitchFamily="18" charset="0"/>
+                      </a:rPr>
+                      <m:t>𝐸</m:t>
+                    </m:r>
+                    <m:d>
+                      <m:dPr>
+                        <m:begChr m:val="["/>
+                        <m:endChr m:val="]"/>
+                        <m:ctrlPr>
+                          <a:rPr lang="en-US" sz="2400" b="0" i="1" smtClean="0">
+                            <a:solidFill>
+                              <a:prstClr val="black"/>
+                            </a:solidFill>
+                            <a:latin typeface="Cambria Math" panose="02040503050406030204" pitchFamily="18" charset="0"/>
+                          </a:rPr>
+                        </m:ctrlPr>
+                      </m:dPr>
+                      <m:e>
+                        <m:sSub>
+                          <m:sSubPr>
+                            <m:ctrlPr>
+                              <a:rPr lang="en-US" sz="2400" b="0" i="1" smtClean="0">
+                                <a:solidFill>
+                                  <a:prstClr val="black"/>
+                                </a:solidFill>
+                                <a:latin typeface="Cambria Math" panose="02040503050406030204" pitchFamily="18" charset="0"/>
+                              </a:rPr>
+                            </m:ctrlPr>
+                          </m:sSubPr>
+                          <m:e>
+                            <m:acc>
+                              <m:accPr>
+                                <m:chr m:val="̂"/>
+                                <m:ctrlPr>
+                                  <a:rPr lang="en-US" sz="2400" b="0" i="1" smtClean="0">
+                                    <a:solidFill>
+                                      <a:prstClr val="black"/>
+                                    </a:solidFill>
+                                    <a:latin typeface="Cambria Math" panose="02040503050406030204" pitchFamily="18" charset="0"/>
+                                  </a:rPr>
+                                </m:ctrlPr>
+                              </m:accPr>
+                              <m:e>
+                                <m:r>
+                                  <a:rPr lang="en-US" sz="2400" b="0" i="1" smtClean="0">
+                                    <a:solidFill>
+                                      <a:prstClr val="black"/>
+                                    </a:solidFill>
+                                    <a:latin typeface="Cambria Math" panose="02040503050406030204" pitchFamily="18" charset="0"/>
+                                  </a:rPr>
+                                  <m:t>𝑃</m:t>
+                                </m:r>
+                              </m:e>
+                            </m:acc>
+                          </m:e>
+                          <m:sub>
+                            <m:r>
+                              <a:rPr lang="en-US" sz="2400" b="0" i="1" smtClean="0">
+                                <a:solidFill>
+                                  <a:prstClr val="black"/>
+                                </a:solidFill>
+                                <a:latin typeface="Cambria Math" panose="02040503050406030204" pitchFamily="18" charset="0"/>
+                              </a:rPr>
+                              <m:t>1</m:t>
+                            </m:r>
+                          </m:sub>
+                        </m:sSub>
+                      </m:e>
+                    </m:d>
+                  </m:oMath>
+                </a14:m>
+                <a:r>
+                  <a:rPr lang="en-US" sz="2400" dirty="0"/>
+                  <a:t> </a:t>
+                </a:r>
+                <a:r>
+                  <a:rPr lang="en-US" dirty="0"/>
+                  <a:t>but it is much cheaper to simulate </a:t>
+                </a:r>
+                <a14:m>
+                  <m:oMath xmlns:m="http://schemas.openxmlformats.org/officeDocument/2006/math">
+                    <m:sSub>
+                      <m:sSubPr>
+                        <m:ctrlPr>
+                          <a:rPr lang="en-US" sz="2400" i="1">
+                            <a:latin typeface="Cambria Math" panose="02040503050406030204" pitchFamily="18" charset="0"/>
+                          </a:rPr>
+                        </m:ctrlPr>
+                      </m:sSubPr>
+                      <m:e>
+                        <m:acc>
+                          <m:accPr>
+                            <m:chr m:val="̂"/>
+                            <m:ctrlPr>
+                              <a:rPr lang="en-US" sz="2400" i="1">
+                                <a:latin typeface="Cambria Math" panose="02040503050406030204" pitchFamily="18" charset="0"/>
+                              </a:rPr>
+                            </m:ctrlPr>
+                          </m:accPr>
+                          <m:e>
+                            <m:r>
+                              <a:rPr lang="en-US" sz="2400" i="1">
+                                <a:latin typeface="Cambria Math" panose="02040503050406030204" pitchFamily="18" charset="0"/>
+                              </a:rPr>
+                              <m:t>𝑃</m:t>
+                            </m:r>
+                          </m:e>
+                        </m:acc>
+                      </m:e>
+                      <m:sub>
+                        <m:r>
+                          <a:rPr lang="en-US" sz="2400" i="1">
+                            <a:latin typeface="Cambria Math" panose="02040503050406030204" pitchFamily="18" charset="0"/>
+                          </a:rPr>
+                          <m:t>0</m:t>
+                        </m:r>
+                      </m:sub>
+                    </m:sSub>
+                    <m:r>
+                      <a:rPr lang="en-US" sz="2400" i="1">
+                        <a:latin typeface="Cambria Math" panose="02040503050406030204" pitchFamily="18" charset="0"/>
+                      </a:rPr>
+                      <m:t>≈</m:t>
+                    </m:r>
+                    <m:sSub>
+                      <m:sSubPr>
+                        <m:ctrlPr>
+                          <a:rPr lang="en-US" sz="2400" i="1">
+                            <a:latin typeface="Cambria Math" panose="02040503050406030204" pitchFamily="18" charset="0"/>
+                          </a:rPr>
+                        </m:ctrlPr>
+                      </m:sSubPr>
+                      <m:e>
+                        <m:acc>
+                          <m:accPr>
+                            <m:chr m:val="̂"/>
+                            <m:ctrlPr>
+                              <a:rPr lang="en-US" sz="2400" i="1">
+                                <a:latin typeface="Cambria Math" panose="02040503050406030204" pitchFamily="18" charset="0"/>
+                              </a:rPr>
+                            </m:ctrlPr>
+                          </m:accPr>
+                          <m:e>
+                            <m:r>
+                              <a:rPr lang="en-US" sz="2400" i="1">
+                                <a:latin typeface="Cambria Math" panose="02040503050406030204" pitchFamily="18" charset="0"/>
+                              </a:rPr>
+                              <m:t>𝑃</m:t>
+                            </m:r>
+                          </m:e>
+                        </m:acc>
+                      </m:e>
+                      <m:sub>
+                        <m:r>
+                          <a:rPr lang="en-US" sz="2400" i="1">
+                            <a:latin typeface="Cambria Math" panose="02040503050406030204" pitchFamily="18" charset="0"/>
+                          </a:rPr>
+                          <m:t>1</m:t>
+                        </m:r>
+                      </m:sub>
+                    </m:sSub>
+                  </m:oMath>
+                </a14:m>
+                <a:r>
+                  <a:rPr lang="en-US" dirty="0"/>
+                  <a:t>, then since</a:t>
+                </a:r>
+              </a:p>
+              <a:p>
+                <a:pPr marL="0" indent="0">
+                  <a:lnSpc>
+                    <a:spcPct val="120000"/>
+                  </a:lnSpc>
+                  <a:buNone/>
+                </a:pPr>
+                <a14:m>
+                  <m:oMathPara xmlns:m="http://schemas.openxmlformats.org/officeDocument/2006/math">
+                    <m:oMathParaPr>
+                      <m:jc m:val="centerGroup"/>
+                    </m:oMathParaPr>
+                    <m:oMath xmlns:m="http://schemas.openxmlformats.org/officeDocument/2006/math">
+                      <m:r>
+                        <a:rPr kumimoji="0" lang="en-US" sz="2400" b="0" i="1" u="none" strike="noStrike" kern="1200" cap="none" spc="0" normalizeH="0" baseline="0" noProof="0" smtClean="0">
+                          <a:ln>
+                            <a:noFill/>
+                          </a:ln>
+                          <a:solidFill>
+                            <a:prstClr val="black"/>
+                          </a:solidFill>
+                          <a:effectLst/>
+                          <a:uLnTx/>
+                          <a:uFillTx/>
+                          <a:latin typeface="Cambria Math" panose="02040503050406030204" pitchFamily="18" charset="0"/>
+                          <a:ea typeface="+mn-ea"/>
+                          <a:cs typeface="+mn-cs"/>
+                        </a:rPr>
+                        <m:t>𝐸</m:t>
+                      </m:r>
+                      <m:d>
+                        <m:dPr>
+                          <m:begChr m:val="["/>
+                          <m:endChr m:val="]"/>
+                          <m:ctrlPr>
+                            <a:rPr kumimoji="0" lang="en-US" sz="2400" b="0" i="1" u="none" strike="noStrike" kern="1200" cap="none" spc="0" normalizeH="0" baseline="0" noProof="0" smtClean="0">
+                              <a:ln>
+                                <a:noFill/>
+                              </a:ln>
+                              <a:solidFill>
+                                <a:prstClr val="black"/>
+                              </a:solidFill>
+                              <a:effectLst/>
+                              <a:uLnTx/>
+                              <a:uFillTx/>
+                              <a:latin typeface="Cambria Math" panose="02040503050406030204" pitchFamily="18" charset="0"/>
+                              <a:ea typeface="+mn-ea"/>
+                              <a:cs typeface="+mn-cs"/>
+                            </a:rPr>
+                          </m:ctrlPr>
+                        </m:dPr>
+                        <m:e>
+                          <m:sSub>
+                            <m:sSubPr>
+                              <m:ctrlPr>
+                                <a:rPr kumimoji="0" lang="en-US" sz="2400" b="0" i="1" u="none" strike="noStrike" kern="1200" cap="none" spc="0" normalizeH="0" baseline="0" noProof="0" smtClean="0">
+                                  <a:ln>
+                                    <a:noFill/>
+                                  </a:ln>
+                                  <a:solidFill>
+                                    <a:prstClr val="black"/>
+                                  </a:solidFill>
+                                  <a:effectLst/>
+                                  <a:uLnTx/>
+                                  <a:uFillTx/>
+                                  <a:latin typeface="Cambria Math" panose="02040503050406030204" pitchFamily="18" charset="0"/>
+                                  <a:ea typeface="+mn-ea"/>
+                                  <a:cs typeface="+mn-cs"/>
+                                </a:rPr>
+                              </m:ctrlPr>
+                            </m:sSubPr>
+                            <m:e>
+                              <m:acc>
+                                <m:accPr>
+                                  <m:chr m:val="̂"/>
+                                  <m:ctrlPr>
+                                    <a:rPr kumimoji="0" lang="en-US" sz="2400" b="0" i="1" u="none" strike="noStrike" kern="1200" cap="none" spc="0" normalizeH="0" baseline="0" noProof="0" smtClean="0">
+                                      <a:ln>
+                                        <a:noFill/>
+                                      </a:ln>
+                                      <a:solidFill>
+                                        <a:prstClr val="black"/>
+                                      </a:solidFill>
+                                      <a:effectLst/>
+                                      <a:uLnTx/>
+                                      <a:uFillTx/>
+                                      <a:latin typeface="Cambria Math" panose="02040503050406030204" pitchFamily="18" charset="0"/>
+                                      <a:ea typeface="+mn-ea"/>
+                                      <a:cs typeface="+mn-cs"/>
+                                    </a:rPr>
+                                  </m:ctrlPr>
+                                </m:accPr>
+                                <m:e>
+                                  <m:r>
+                                    <a:rPr kumimoji="0" lang="en-US" sz="2400" b="0" i="1" u="none" strike="noStrike" kern="1200" cap="none" spc="0" normalizeH="0" baseline="0" noProof="0" smtClean="0">
+                                      <a:ln>
+                                        <a:noFill/>
+                                      </a:ln>
+                                      <a:solidFill>
+                                        <a:prstClr val="black"/>
+                                      </a:solidFill>
+                                      <a:effectLst/>
+                                      <a:uLnTx/>
+                                      <a:uFillTx/>
+                                      <a:latin typeface="Cambria Math" panose="02040503050406030204" pitchFamily="18" charset="0"/>
+                                      <a:ea typeface="+mn-ea"/>
+                                      <a:cs typeface="+mn-cs"/>
+                                    </a:rPr>
+                                    <m:t>𝑃</m:t>
+                                  </m:r>
+                                </m:e>
+                              </m:acc>
+                            </m:e>
+                            <m:sub>
+                              <m:r>
+                                <a:rPr kumimoji="0" lang="en-US" sz="2400" b="0" i="1" u="none" strike="noStrike" kern="1200" cap="none" spc="0" normalizeH="0" baseline="0" noProof="0" smtClean="0">
+                                  <a:ln>
+                                    <a:noFill/>
+                                  </a:ln>
+                                  <a:solidFill>
+                                    <a:prstClr val="black"/>
+                                  </a:solidFill>
+                                  <a:effectLst/>
+                                  <a:uLnTx/>
+                                  <a:uFillTx/>
+                                  <a:latin typeface="Cambria Math" panose="02040503050406030204" pitchFamily="18" charset="0"/>
+                                  <a:ea typeface="+mn-ea"/>
+                                  <a:cs typeface="+mn-cs"/>
+                                </a:rPr>
+                                <m:t>1</m:t>
+                              </m:r>
+                            </m:sub>
+                          </m:sSub>
+                        </m:e>
+                      </m:d>
+                      <m:r>
+                        <a:rPr lang="en-US" sz="2400" i="1">
+                          <a:solidFill>
+                            <a:prstClr val="black"/>
+                          </a:solidFill>
+                          <a:latin typeface="Cambria Math" panose="02040503050406030204" pitchFamily="18" charset="0"/>
+                        </a:rPr>
+                        <m:t>=</m:t>
+                      </m:r>
+                      <m:r>
+                        <a:rPr lang="en-US" sz="2400" i="1">
+                          <a:solidFill>
+                            <a:prstClr val="black"/>
+                          </a:solidFill>
+                          <a:latin typeface="Cambria Math" panose="02040503050406030204" pitchFamily="18" charset="0"/>
+                        </a:rPr>
+                        <m:t>𝐸</m:t>
+                      </m:r>
+                      <m:d>
+                        <m:dPr>
+                          <m:begChr m:val="["/>
+                          <m:endChr m:val="]"/>
+                          <m:ctrlPr>
+                            <a:rPr lang="en-US" sz="2400" i="1">
+                              <a:solidFill>
+                                <a:prstClr val="black"/>
+                              </a:solidFill>
+                              <a:latin typeface="Cambria Math" panose="02040503050406030204" pitchFamily="18" charset="0"/>
+                            </a:rPr>
+                          </m:ctrlPr>
+                        </m:dPr>
+                        <m:e>
+                          <m:sSub>
+                            <m:sSubPr>
+                              <m:ctrlPr>
+                                <a:rPr lang="en-US" sz="2400" i="1">
+                                  <a:solidFill>
+                                    <a:prstClr val="black"/>
+                                  </a:solidFill>
+                                  <a:latin typeface="Cambria Math" panose="02040503050406030204" pitchFamily="18" charset="0"/>
+                                </a:rPr>
+                              </m:ctrlPr>
+                            </m:sSubPr>
+                            <m:e>
+                              <m:acc>
+                                <m:accPr>
+                                  <m:chr m:val="̂"/>
+                                  <m:ctrlPr>
+                                    <a:rPr lang="en-US" sz="2400" i="1">
+                                      <a:solidFill>
+                                        <a:prstClr val="black"/>
+                                      </a:solidFill>
+                                      <a:latin typeface="Cambria Math" panose="02040503050406030204" pitchFamily="18" charset="0"/>
+                                    </a:rPr>
+                                  </m:ctrlPr>
+                                </m:accPr>
+                                <m:e>
+                                  <m:r>
+                                    <a:rPr lang="en-US" sz="2400" i="1">
+                                      <a:solidFill>
+                                        <a:prstClr val="black"/>
+                                      </a:solidFill>
+                                      <a:latin typeface="Cambria Math" panose="02040503050406030204" pitchFamily="18" charset="0"/>
+                                    </a:rPr>
+                                    <m:t>𝑃</m:t>
+                                  </m:r>
+                                </m:e>
+                              </m:acc>
+                            </m:e>
+                            <m:sub>
+                              <m:r>
+                                <a:rPr lang="en-US" sz="2400" b="0" i="1" smtClean="0">
+                                  <a:solidFill>
+                                    <a:prstClr val="black"/>
+                                  </a:solidFill>
+                                  <a:latin typeface="Cambria Math" panose="02040503050406030204" pitchFamily="18" charset="0"/>
+                                </a:rPr>
+                                <m:t>0</m:t>
+                              </m:r>
+                            </m:sub>
+                          </m:sSub>
+                        </m:e>
+                      </m:d>
+                      <m:r>
+                        <a:rPr lang="en-US" sz="2400" b="0" i="1" smtClean="0">
+                          <a:solidFill>
+                            <a:prstClr val="black"/>
+                          </a:solidFill>
+                          <a:latin typeface="Cambria Math" panose="02040503050406030204" pitchFamily="18" charset="0"/>
+                        </a:rPr>
+                        <m:t>+</m:t>
+                      </m:r>
+                      <m:r>
+                        <a:rPr lang="en-US" sz="2400" i="1">
+                          <a:solidFill>
+                            <a:prstClr val="black"/>
+                          </a:solidFill>
+                          <a:latin typeface="Cambria Math" panose="02040503050406030204" pitchFamily="18" charset="0"/>
+                        </a:rPr>
+                        <m:t>𝐸</m:t>
+                      </m:r>
+                      <m:d>
+                        <m:dPr>
+                          <m:begChr m:val="["/>
+                          <m:endChr m:val="]"/>
+                          <m:ctrlPr>
+                            <a:rPr lang="en-US" sz="2400" i="1">
+                              <a:solidFill>
+                                <a:prstClr val="black"/>
+                              </a:solidFill>
+                              <a:latin typeface="Cambria Math" panose="02040503050406030204" pitchFamily="18" charset="0"/>
+                            </a:rPr>
+                          </m:ctrlPr>
+                        </m:dPr>
+                        <m:e>
+                          <m:sSub>
+                            <m:sSubPr>
+                              <m:ctrlPr>
+                                <a:rPr lang="en-US" sz="2400" i="1">
+                                  <a:solidFill>
+                                    <a:prstClr val="black"/>
+                                  </a:solidFill>
+                                  <a:latin typeface="Cambria Math" panose="02040503050406030204" pitchFamily="18" charset="0"/>
+                                </a:rPr>
+                              </m:ctrlPr>
+                            </m:sSubPr>
+                            <m:e>
+                              <m:acc>
+                                <m:accPr>
+                                  <m:chr m:val="̂"/>
+                                  <m:ctrlPr>
+                                    <a:rPr lang="en-US" sz="2400" i="1">
+                                      <a:solidFill>
+                                        <a:prstClr val="black"/>
+                                      </a:solidFill>
+                                      <a:latin typeface="Cambria Math" panose="02040503050406030204" pitchFamily="18" charset="0"/>
+                                    </a:rPr>
+                                  </m:ctrlPr>
+                                </m:accPr>
+                                <m:e>
+                                  <m:r>
+                                    <a:rPr lang="en-US" sz="2400" i="1">
+                                      <a:solidFill>
+                                        <a:prstClr val="black"/>
+                                      </a:solidFill>
+                                      <a:latin typeface="Cambria Math" panose="02040503050406030204" pitchFamily="18" charset="0"/>
+                                    </a:rPr>
+                                    <m:t>𝑃</m:t>
+                                  </m:r>
+                                </m:e>
+                              </m:acc>
+                            </m:e>
+                            <m:sub>
+                              <m:r>
+                                <a:rPr lang="en-US" sz="2400" i="1">
+                                  <a:solidFill>
+                                    <a:prstClr val="black"/>
+                                  </a:solidFill>
+                                  <a:latin typeface="Cambria Math" panose="02040503050406030204" pitchFamily="18" charset="0"/>
+                                </a:rPr>
+                                <m:t>1</m:t>
+                              </m:r>
+                            </m:sub>
+                          </m:sSub>
+                          <m:r>
+                            <a:rPr lang="en-US" sz="2400" b="0" i="1" smtClean="0">
+                              <a:solidFill>
+                                <a:prstClr val="black"/>
+                              </a:solidFill>
+                              <a:latin typeface="Cambria Math" panose="02040503050406030204" pitchFamily="18" charset="0"/>
+                            </a:rPr>
+                            <m:t>−</m:t>
+                          </m:r>
+                          <m:sSub>
+                            <m:sSubPr>
+                              <m:ctrlPr>
+                                <a:rPr lang="en-US" sz="2400" i="1">
+                                  <a:solidFill>
+                                    <a:prstClr val="black"/>
+                                  </a:solidFill>
+                                  <a:latin typeface="Cambria Math" panose="02040503050406030204" pitchFamily="18" charset="0"/>
+                                </a:rPr>
+                              </m:ctrlPr>
+                            </m:sSubPr>
+                            <m:e>
+                              <m:acc>
+                                <m:accPr>
+                                  <m:chr m:val="̂"/>
+                                  <m:ctrlPr>
+                                    <a:rPr lang="en-US" sz="2400" i="1">
+                                      <a:solidFill>
+                                        <a:prstClr val="black"/>
+                                      </a:solidFill>
+                                      <a:latin typeface="Cambria Math" panose="02040503050406030204" pitchFamily="18" charset="0"/>
+                                    </a:rPr>
+                                  </m:ctrlPr>
+                                </m:accPr>
+                                <m:e>
+                                  <m:r>
+                                    <a:rPr lang="en-US" sz="2400" i="1">
+                                      <a:solidFill>
+                                        <a:prstClr val="black"/>
+                                      </a:solidFill>
+                                      <a:latin typeface="Cambria Math" panose="02040503050406030204" pitchFamily="18" charset="0"/>
+                                    </a:rPr>
+                                    <m:t>𝑃</m:t>
+                                  </m:r>
+                                </m:e>
+                              </m:acc>
+                            </m:e>
+                            <m:sub>
+                              <m:r>
+                                <a:rPr lang="en-US" sz="2400" b="0" i="1" smtClean="0">
+                                  <a:solidFill>
+                                    <a:prstClr val="black"/>
+                                  </a:solidFill>
+                                  <a:latin typeface="Cambria Math" panose="02040503050406030204" pitchFamily="18" charset="0"/>
+                                </a:rPr>
+                                <m:t>0</m:t>
+                              </m:r>
+                            </m:sub>
+                          </m:sSub>
+                        </m:e>
+                      </m:d>
+                    </m:oMath>
+                  </m:oMathPara>
+                </a14:m>
+                <a:endParaRPr lang="en-US" dirty="0"/>
+              </a:p>
+              <a:p>
+                <a:pPr marL="0" indent="0">
+                  <a:lnSpc>
+                    <a:spcPct val="120000"/>
+                  </a:lnSpc>
+                  <a:buNone/>
+                </a:pPr>
+                <a:r>
+                  <a:rPr lang="en-US" dirty="0"/>
+                  <a:t>  we can use the estimator</a:t>
+                </a:r>
+              </a:p>
+              <a:p>
+                <a:pPr marL="0" indent="0">
+                  <a:lnSpc>
+                    <a:spcPct val="120000"/>
+                  </a:lnSpc>
+                  <a:buNone/>
+                </a:pPr>
+                <a14:m>
+                  <m:oMathPara xmlns:m="http://schemas.openxmlformats.org/officeDocument/2006/math">
+                    <m:oMathParaPr>
+                      <m:jc m:val="centerGroup"/>
+                    </m:oMathParaPr>
+                    <m:oMath xmlns:m="http://schemas.openxmlformats.org/officeDocument/2006/math">
+                      <m:f>
+                        <m:fPr>
+                          <m:ctrlPr>
+                            <a:rPr kumimoji="0" lang="en-US" sz="2200" b="0" i="1" u="none" strike="noStrike" kern="1200" cap="none" spc="0" normalizeH="0" baseline="0" noProof="0" smtClean="0">
+                              <a:ln>
+                                <a:noFill/>
+                              </a:ln>
+                              <a:solidFill>
+                                <a:prstClr val="black"/>
+                              </a:solidFill>
+                              <a:effectLst/>
+                              <a:uLnTx/>
+                              <a:uFillTx/>
+                              <a:latin typeface="Cambria Math" panose="02040503050406030204" pitchFamily="18" charset="0"/>
+                              <a:ea typeface="+mn-ea"/>
+                              <a:cs typeface="+mn-cs"/>
+                            </a:rPr>
+                          </m:ctrlPr>
+                        </m:fPr>
+                        <m:num>
+                          <m:r>
+                            <a:rPr kumimoji="0" lang="en-US" sz="2200" b="0" i="1" u="none" strike="noStrike" kern="1200" cap="none" spc="0" normalizeH="0" baseline="0" noProof="0" smtClean="0">
+                              <a:ln>
+                                <a:noFill/>
+                              </a:ln>
+                              <a:solidFill>
+                                <a:prstClr val="black"/>
+                              </a:solidFill>
+                              <a:effectLst/>
+                              <a:uLnTx/>
+                              <a:uFillTx/>
+                              <a:latin typeface="Cambria Math" panose="02040503050406030204" pitchFamily="18" charset="0"/>
+                              <a:ea typeface="+mn-ea"/>
+                              <a:cs typeface="+mn-cs"/>
+                            </a:rPr>
+                            <m:t>1</m:t>
+                          </m:r>
+                        </m:num>
+                        <m:den>
+                          <m:sSub>
+                            <m:sSubPr>
+                              <m:ctrlPr>
+                                <a:rPr kumimoji="0" lang="en-US" sz="2200" b="0" i="1" u="none" strike="noStrike" kern="1200" cap="none" spc="0" normalizeH="0" baseline="0" noProof="0" smtClean="0">
+                                  <a:ln>
+                                    <a:noFill/>
+                                  </a:ln>
+                                  <a:solidFill>
+                                    <a:prstClr val="black"/>
+                                  </a:solidFill>
+                                  <a:effectLst/>
+                                  <a:uLnTx/>
+                                  <a:uFillTx/>
+                                  <a:latin typeface="Cambria Math" panose="02040503050406030204" pitchFamily="18" charset="0"/>
+                                  <a:ea typeface="+mn-ea"/>
+                                  <a:cs typeface="+mn-cs"/>
+                                </a:rPr>
+                              </m:ctrlPr>
+                            </m:sSubPr>
+                            <m:e>
+                              <m:r>
+                                <a:rPr kumimoji="0" lang="en-US" sz="2200" b="0" i="1" u="none" strike="noStrike" kern="1200" cap="none" spc="0" normalizeH="0" baseline="0" noProof="0" smtClean="0">
+                                  <a:ln>
+                                    <a:noFill/>
+                                  </a:ln>
+                                  <a:solidFill>
+                                    <a:prstClr val="black"/>
+                                  </a:solidFill>
+                                  <a:effectLst/>
+                                  <a:uLnTx/>
+                                  <a:uFillTx/>
+                                  <a:latin typeface="Cambria Math" panose="02040503050406030204" pitchFamily="18" charset="0"/>
+                                  <a:ea typeface="+mn-ea"/>
+                                  <a:cs typeface="+mn-cs"/>
+                                </a:rPr>
+                                <m:t>𝑁</m:t>
+                              </m:r>
+                            </m:e>
+                            <m:sub>
+                              <m:r>
+                                <a:rPr kumimoji="0" lang="en-US" sz="2200" b="0" i="1" u="none" strike="noStrike" kern="1200" cap="none" spc="0" normalizeH="0" baseline="0" noProof="0" smtClean="0">
+                                  <a:ln>
+                                    <a:noFill/>
+                                  </a:ln>
+                                  <a:solidFill>
+                                    <a:prstClr val="black"/>
+                                  </a:solidFill>
+                                  <a:effectLst/>
+                                  <a:uLnTx/>
+                                  <a:uFillTx/>
+                                  <a:latin typeface="Cambria Math" panose="02040503050406030204" pitchFamily="18" charset="0"/>
+                                  <a:ea typeface="+mn-ea"/>
+                                  <a:cs typeface="+mn-cs"/>
+                                </a:rPr>
+                                <m:t>0</m:t>
+                              </m:r>
+                            </m:sub>
+                          </m:sSub>
+                        </m:den>
+                      </m:f>
+                      <m:nary>
+                        <m:naryPr>
+                          <m:chr m:val="∑"/>
+                          <m:ctrlPr>
+                            <a:rPr kumimoji="0" lang="en-US" sz="2200" b="0" i="1" u="none" strike="noStrike" kern="1200" cap="none" spc="0" normalizeH="0" baseline="0" noProof="0" smtClean="0">
+                              <a:ln>
+                                <a:noFill/>
+                              </a:ln>
+                              <a:solidFill>
+                                <a:prstClr val="black"/>
+                              </a:solidFill>
+                              <a:effectLst/>
+                              <a:uLnTx/>
+                              <a:uFillTx/>
+                              <a:latin typeface="Cambria Math" panose="02040503050406030204" pitchFamily="18" charset="0"/>
+                              <a:ea typeface="+mn-ea"/>
+                              <a:cs typeface="+mn-cs"/>
+                            </a:rPr>
+                          </m:ctrlPr>
+                        </m:naryPr>
+                        <m:sub>
+                          <m:r>
+                            <m:rPr>
+                              <m:brk m:alnAt="23"/>
+                            </m:rPr>
+                            <a:rPr kumimoji="0" lang="en-US" sz="2200" b="0" i="1" u="none" strike="noStrike" kern="1200" cap="none" spc="0" normalizeH="0" baseline="0" noProof="0" smtClean="0">
+                              <a:ln>
+                                <a:noFill/>
+                              </a:ln>
+                              <a:solidFill>
+                                <a:prstClr val="black"/>
+                              </a:solidFill>
+                              <a:effectLst/>
+                              <a:uLnTx/>
+                              <a:uFillTx/>
+                              <a:latin typeface="Cambria Math" panose="02040503050406030204" pitchFamily="18" charset="0"/>
+                              <a:ea typeface="+mn-ea"/>
+                              <a:cs typeface="+mn-cs"/>
+                            </a:rPr>
+                            <m:t>𝑛</m:t>
+                          </m:r>
+                          <m:r>
+                            <a:rPr kumimoji="0" lang="en-US" sz="2200" b="0" i="1" u="none" strike="noStrike" kern="1200" cap="none" spc="0" normalizeH="0" baseline="0" noProof="0" smtClean="0">
+                              <a:ln>
+                                <a:noFill/>
+                              </a:ln>
+                              <a:solidFill>
+                                <a:prstClr val="black"/>
+                              </a:solidFill>
+                              <a:effectLst/>
+                              <a:uLnTx/>
+                              <a:uFillTx/>
+                              <a:latin typeface="Cambria Math" panose="02040503050406030204" pitchFamily="18" charset="0"/>
+                              <a:ea typeface="+mn-ea"/>
+                              <a:cs typeface="+mn-cs"/>
+                            </a:rPr>
+                            <m:t>=</m:t>
+                          </m:r>
+                          <m:r>
+                            <m:rPr>
+                              <m:brk m:alnAt="23"/>
+                            </m:rPr>
+                            <a:rPr kumimoji="0" lang="en-US" sz="2200" b="0" i="1" u="none" strike="noStrike" kern="1200" cap="none" spc="0" normalizeH="0" baseline="0" noProof="0" smtClean="0">
+                              <a:ln>
+                                <a:noFill/>
+                              </a:ln>
+                              <a:solidFill>
+                                <a:prstClr val="black"/>
+                              </a:solidFill>
+                              <a:effectLst/>
+                              <a:uLnTx/>
+                              <a:uFillTx/>
+                              <a:latin typeface="Cambria Math" panose="02040503050406030204" pitchFamily="18" charset="0"/>
+                              <a:ea typeface="+mn-ea"/>
+                              <a:cs typeface="+mn-cs"/>
+                            </a:rPr>
+                            <m:t>1</m:t>
+                          </m:r>
+                        </m:sub>
+                        <m:sup>
+                          <m:sSub>
+                            <m:sSubPr>
+                              <m:ctrlPr>
+                                <a:rPr lang="en-US" sz="2200" i="1">
+                                  <a:solidFill>
+                                    <a:prstClr val="black"/>
+                                  </a:solidFill>
+                                  <a:latin typeface="Cambria Math" panose="02040503050406030204" pitchFamily="18" charset="0"/>
+                                </a:rPr>
+                              </m:ctrlPr>
+                            </m:sSubPr>
+                            <m:e>
+                              <m:r>
+                                <a:rPr lang="en-US" sz="2200" i="1">
+                                  <a:solidFill>
+                                    <a:prstClr val="black"/>
+                                  </a:solidFill>
+                                  <a:latin typeface="Cambria Math" panose="02040503050406030204" pitchFamily="18" charset="0"/>
+                                </a:rPr>
+                                <m:t>𝑁</m:t>
+                              </m:r>
+                            </m:e>
+                            <m:sub>
+                              <m:r>
+                                <a:rPr lang="en-US" sz="2200" i="1">
+                                  <a:solidFill>
+                                    <a:prstClr val="black"/>
+                                  </a:solidFill>
+                                  <a:latin typeface="Cambria Math" panose="02040503050406030204" pitchFamily="18" charset="0"/>
+                                </a:rPr>
+                                <m:t>0</m:t>
+                              </m:r>
+                            </m:sub>
+                          </m:sSub>
+                        </m:sup>
+                        <m:e>
+                          <m:sSubSup>
+                            <m:sSubSupPr>
+                              <m:ctrlPr>
+                                <a:rPr kumimoji="0" lang="en-US" sz="2200" b="0" i="1" u="none" strike="noStrike" kern="1200" cap="none" spc="0" normalizeH="0" baseline="0" noProof="0" smtClean="0">
+                                  <a:ln>
+                                    <a:noFill/>
+                                  </a:ln>
+                                  <a:solidFill>
+                                    <a:prstClr val="black"/>
+                                  </a:solidFill>
+                                  <a:effectLst/>
+                                  <a:uLnTx/>
+                                  <a:uFillTx/>
+                                  <a:latin typeface="Cambria Math" panose="02040503050406030204" pitchFamily="18" charset="0"/>
+                                  <a:ea typeface="+mn-ea"/>
+                                  <a:cs typeface="+mn-cs"/>
+                                </a:rPr>
+                              </m:ctrlPr>
+                            </m:sSubSupPr>
+                            <m:e>
+                              <m:acc>
+                                <m:accPr>
+                                  <m:chr m:val="̂"/>
+                                  <m:ctrlPr>
+                                    <a:rPr lang="en-US" sz="2400" i="1">
+                                      <a:solidFill>
+                                        <a:prstClr val="black"/>
+                                      </a:solidFill>
+                                      <a:latin typeface="Cambria Math" panose="02040503050406030204" pitchFamily="18" charset="0"/>
+                                    </a:rPr>
+                                  </m:ctrlPr>
+                                </m:accPr>
+                                <m:e>
+                                  <m:r>
+                                    <a:rPr lang="en-US" sz="2400" i="1">
+                                      <a:solidFill>
+                                        <a:prstClr val="black"/>
+                                      </a:solidFill>
+                                      <a:latin typeface="Cambria Math" panose="02040503050406030204" pitchFamily="18" charset="0"/>
+                                    </a:rPr>
+                                    <m:t>𝑃</m:t>
+                                  </m:r>
+                                </m:e>
+                              </m:acc>
+                            </m:e>
+                            <m:sub>
+                              <m:r>
+                                <a:rPr kumimoji="0" lang="en-US" sz="2200" b="0" i="1" u="none" strike="noStrike" kern="1200" cap="none" spc="0" normalizeH="0" baseline="0" noProof="0" smtClean="0">
+                                  <a:ln>
+                                    <a:noFill/>
+                                  </a:ln>
+                                  <a:solidFill>
+                                    <a:prstClr val="black"/>
+                                  </a:solidFill>
+                                  <a:effectLst/>
+                                  <a:uLnTx/>
+                                  <a:uFillTx/>
+                                  <a:latin typeface="Cambria Math" panose="02040503050406030204" pitchFamily="18" charset="0"/>
+                                  <a:ea typeface="+mn-ea"/>
+                                  <a:cs typeface="+mn-cs"/>
+                                </a:rPr>
+                                <m:t>0</m:t>
+                              </m:r>
+                            </m:sub>
+                            <m:sup>
+                              <m:r>
+                                <a:rPr kumimoji="0" lang="en-US" sz="2200" b="0" i="1" u="none" strike="noStrike" kern="1200" cap="none" spc="0" normalizeH="0" baseline="0" noProof="0" smtClean="0">
+                                  <a:ln>
+                                    <a:noFill/>
+                                  </a:ln>
+                                  <a:solidFill>
+                                    <a:prstClr val="black"/>
+                                  </a:solidFill>
+                                  <a:effectLst/>
+                                  <a:uLnTx/>
+                                  <a:uFillTx/>
+                                  <a:latin typeface="Cambria Math" panose="02040503050406030204" pitchFamily="18" charset="0"/>
+                                  <a:ea typeface="+mn-ea"/>
+                                  <a:cs typeface="+mn-cs"/>
+                                </a:rPr>
+                                <m:t>(0,</m:t>
+                              </m:r>
+                              <m:r>
+                                <a:rPr kumimoji="0" lang="en-US" sz="2200" b="0" i="1" u="none" strike="noStrike" kern="1200" cap="none" spc="0" normalizeH="0" baseline="0" noProof="0" smtClean="0">
+                                  <a:ln>
+                                    <a:noFill/>
+                                  </a:ln>
+                                  <a:solidFill>
+                                    <a:prstClr val="black"/>
+                                  </a:solidFill>
+                                  <a:effectLst/>
+                                  <a:uLnTx/>
+                                  <a:uFillTx/>
+                                  <a:latin typeface="Cambria Math" panose="02040503050406030204" pitchFamily="18" charset="0"/>
+                                  <a:ea typeface="+mn-ea"/>
+                                  <a:cs typeface="+mn-cs"/>
+                                </a:rPr>
+                                <m:t>𝑛</m:t>
+                              </m:r>
+                              <m:r>
+                                <a:rPr kumimoji="0" lang="en-US" sz="2200" b="0" i="1" u="none" strike="noStrike" kern="1200" cap="none" spc="0" normalizeH="0" baseline="0" noProof="0" smtClean="0">
+                                  <a:ln>
+                                    <a:noFill/>
+                                  </a:ln>
+                                  <a:solidFill>
+                                    <a:prstClr val="black"/>
+                                  </a:solidFill>
+                                  <a:effectLst/>
+                                  <a:uLnTx/>
+                                  <a:uFillTx/>
+                                  <a:latin typeface="Cambria Math" panose="02040503050406030204" pitchFamily="18" charset="0"/>
+                                  <a:ea typeface="+mn-ea"/>
+                                  <a:cs typeface="+mn-cs"/>
+                                </a:rPr>
+                                <m:t>)</m:t>
+                              </m:r>
+                            </m:sup>
+                          </m:sSubSup>
+                        </m:e>
+                      </m:nary>
+                      <m:r>
+                        <a:rPr kumimoji="0" lang="en-US" sz="2200" b="0" i="1" u="none" strike="noStrike" kern="1200" cap="none" spc="0" normalizeH="0" baseline="0" noProof="0" smtClean="0">
+                          <a:ln>
+                            <a:noFill/>
+                          </a:ln>
+                          <a:solidFill>
+                            <a:prstClr val="black"/>
+                          </a:solidFill>
+                          <a:effectLst/>
+                          <a:uLnTx/>
+                          <a:uFillTx/>
+                          <a:latin typeface="Cambria Math" panose="02040503050406030204" pitchFamily="18" charset="0"/>
+                          <a:ea typeface="+mn-ea"/>
+                          <a:cs typeface="+mn-cs"/>
+                        </a:rPr>
+                        <m:t>+</m:t>
+                      </m:r>
+                      <m:f>
+                        <m:fPr>
+                          <m:ctrlPr>
+                            <a:rPr lang="en-US" sz="2200" i="1">
+                              <a:solidFill>
+                                <a:prstClr val="black"/>
+                              </a:solidFill>
+                              <a:latin typeface="Cambria Math" panose="02040503050406030204" pitchFamily="18" charset="0"/>
+                            </a:rPr>
+                          </m:ctrlPr>
+                        </m:fPr>
+                        <m:num>
+                          <m:r>
+                            <a:rPr lang="en-US" sz="2200" i="1">
+                              <a:solidFill>
+                                <a:prstClr val="black"/>
+                              </a:solidFill>
+                              <a:latin typeface="Cambria Math" panose="02040503050406030204" pitchFamily="18" charset="0"/>
+                            </a:rPr>
+                            <m:t>1</m:t>
+                          </m:r>
+                        </m:num>
+                        <m:den>
+                          <m:sSub>
+                            <m:sSubPr>
+                              <m:ctrlPr>
+                                <a:rPr lang="en-US" sz="2200" i="1">
+                                  <a:solidFill>
+                                    <a:prstClr val="black"/>
+                                  </a:solidFill>
+                                  <a:latin typeface="Cambria Math" panose="02040503050406030204" pitchFamily="18" charset="0"/>
+                                </a:rPr>
+                              </m:ctrlPr>
+                            </m:sSubPr>
+                            <m:e>
+                              <m:r>
+                                <a:rPr lang="en-US" sz="2200" i="1">
+                                  <a:solidFill>
+                                    <a:prstClr val="black"/>
+                                  </a:solidFill>
+                                  <a:latin typeface="Cambria Math" panose="02040503050406030204" pitchFamily="18" charset="0"/>
+                                </a:rPr>
+                                <m:t>𝑁</m:t>
+                              </m:r>
+                            </m:e>
+                            <m:sub>
+                              <m:r>
+                                <a:rPr lang="en-US" sz="2200" b="0" i="1" smtClean="0">
+                                  <a:solidFill>
+                                    <a:prstClr val="black"/>
+                                  </a:solidFill>
+                                  <a:latin typeface="Cambria Math" panose="02040503050406030204" pitchFamily="18" charset="0"/>
+                                </a:rPr>
+                                <m:t>1</m:t>
+                              </m:r>
+                            </m:sub>
+                          </m:sSub>
+                        </m:den>
+                      </m:f>
+                      <m:nary>
+                        <m:naryPr>
+                          <m:chr m:val="∑"/>
+                          <m:ctrlPr>
+                            <a:rPr lang="en-US" sz="2200" i="1">
+                              <a:solidFill>
+                                <a:prstClr val="black"/>
+                              </a:solidFill>
+                              <a:latin typeface="Cambria Math" panose="02040503050406030204" pitchFamily="18" charset="0"/>
+                            </a:rPr>
+                          </m:ctrlPr>
+                        </m:naryPr>
+                        <m:sub>
+                          <m:r>
+                            <m:rPr>
+                              <m:brk m:alnAt="23"/>
+                            </m:rPr>
+                            <a:rPr lang="en-US" sz="2200" i="1">
+                              <a:solidFill>
+                                <a:prstClr val="black"/>
+                              </a:solidFill>
+                              <a:latin typeface="Cambria Math" panose="02040503050406030204" pitchFamily="18" charset="0"/>
+                            </a:rPr>
+                            <m:t>𝑛</m:t>
+                          </m:r>
+                          <m:r>
+                            <a:rPr lang="en-US" sz="2200" i="1">
+                              <a:solidFill>
+                                <a:prstClr val="black"/>
+                              </a:solidFill>
+                              <a:latin typeface="Cambria Math" panose="02040503050406030204" pitchFamily="18" charset="0"/>
+                            </a:rPr>
+                            <m:t>=</m:t>
+                          </m:r>
+                          <m:r>
+                            <m:rPr>
+                              <m:brk m:alnAt="23"/>
+                            </m:rPr>
+                            <a:rPr lang="en-US" sz="2200" i="1">
+                              <a:solidFill>
+                                <a:prstClr val="black"/>
+                              </a:solidFill>
+                              <a:latin typeface="Cambria Math" panose="02040503050406030204" pitchFamily="18" charset="0"/>
+                            </a:rPr>
+                            <m:t>1</m:t>
+                          </m:r>
+                        </m:sub>
+                        <m:sup>
+                          <m:sSub>
+                            <m:sSubPr>
+                              <m:ctrlPr>
+                                <a:rPr lang="en-US" sz="2200" i="1">
+                                  <a:solidFill>
+                                    <a:prstClr val="black"/>
+                                  </a:solidFill>
+                                  <a:latin typeface="Cambria Math" panose="02040503050406030204" pitchFamily="18" charset="0"/>
+                                </a:rPr>
+                              </m:ctrlPr>
+                            </m:sSubPr>
+                            <m:e>
+                              <m:r>
+                                <a:rPr lang="en-US" sz="2200" i="1">
+                                  <a:solidFill>
+                                    <a:prstClr val="black"/>
+                                  </a:solidFill>
+                                  <a:latin typeface="Cambria Math" panose="02040503050406030204" pitchFamily="18" charset="0"/>
+                                </a:rPr>
+                                <m:t>𝑁</m:t>
+                              </m:r>
+                            </m:e>
+                            <m:sub>
+                              <m:r>
+                                <a:rPr lang="en-US" sz="2200" b="0" i="1" smtClean="0">
+                                  <a:solidFill>
+                                    <a:prstClr val="black"/>
+                                  </a:solidFill>
+                                  <a:latin typeface="Cambria Math" panose="02040503050406030204" pitchFamily="18" charset="0"/>
+                                </a:rPr>
+                                <m:t>1</m:t>
+                              </m:r>
+                            </m:sub>
+                          </m:sSub>
+                        </m:sup>
+                        <m:e>
+                          <m:sSubSup>
+                            <m:sSubSupPr>
+                              <m:ctrlPr>
+                                <a:rPr lang="en-US" sz="2200" i="1" smtClean="0">
+                                  <a:solidFill>
+                                    <a:prstClr val="black"/>
+                                  </a:solidFill>
+                                  <a:latin typeface="Cambria Math" panose="02040503050406030204" pitchFamily="18" charset="0"/>
+                                </a:rPr>
+                              </m:ctrlPr>
+                            </m:sSubSupPr>
+                            <m:e>
+                              <m:r>
+                                <a:rPr lang="en-US" sz="2200" b="0" i="1" smtClean="0">
+                                  <a:solidFill>
+                                    <a:prstClr val="black"/>
+                                  </a:solidFill>
+                                  <a:latin typeface="Cambria Math" panose="02040503050406030204" pitchFamily="18" charset="0"/>
+                                </a:rPr>
+                                <m:t>( </m:t>
+                              </m:r>
+                              <m:acc>
+                                <m:accPr>
+                                  <m:chr m:val="̂"/>
+                                  <m:ctrlPr>
+                                    <a:rPr lang="en-US" sz="2400" i="1">
+                                      <a:solidFill>
+                                        <a:prstClr val="black"/>
+                                      </a:solidFill>
+                                      <a:latin typeface="Cambria Math" panose="02040503050406030204" pitchFamily="18" charset="0"/>
+                                    </a:rPr>
+                                  </m:ctrlPr>
+                                </m:accPr>
+                                <m:e>
+                                  <m:r>
+                                    <a:rPr lang="en-US" sz="2400" i="1">
+                                      <a:solidFill>
+                                        <a:prstClr val="black"/>
+                                      </a:solidFill>
+                                      <a:latin typeface="Cambria Math" panose="02040503050406030204" pitchFamily="18" charset="0"/>
+                                    </a:rPr>
+                                    <m:t>𝑃</m:t>
+                                  </m:r>
+                                </m:e>
+                              </m:acc>
+                            </m:e>
+                            <m:sub>
+                              <m:r>
+                                <a:rPr lang="en-US" sz="2400" b="0" i="1" smtClean="0">
+                                  <a:solidFill>
+                                    <a:prstClr val="black"/>
+                                  </a:solidFill>
+                                  <a:latin typeface="Cambria Math" panose="02040503050406030204" pitchFamily="18" charset="0"/>
+                                </a:rPr>
+                                <m:t>1</m:t>
+                              </m:r>
+                            </m:sub>
+                            <m:sup>
+                              <m:r>
+                                <a:rPr lang="en-US" sz="2200" i="1">
+                                  <a:solidFill>
+                                    <a:prstClr val="black"/>
+                                  </a:solidFill>
+                                  <a:latin typeface="Cambria Math" panose="02040503050406030204" pitchFamily="18" charset="0"/>
+                                </a:rPr>
+                                <m:t>(</m:t>
+                              </m:r>
+                              <m:r>
+                                <a:rPr lang="en-US" sz="2200" b="0" i="1" smtClean="0">
+                                  <a:solidFill>
+                                    <a:prstClr val="black"/>
+                                  </a:solidFill>
+                                  <a:latin typeface="Cambria Math" panose="02040503050406030204" pitchFamily="18" charset="0"/>
+                                </a:rPr>
+                                <m:t>1</m:t>
+                              </m:r>
+                              <m:r>
+                                <a:rPr lang="en-US" sz="2200" i="1">
+                                  <a:solidFill>
+                                    <a:prstClr val="black"/>
+                                  </a:solidFill>
+                                  <a:latin typeface="Cambria Math" panose="02040503050406030204" pitchFamily="18" charset="0"/>
+                                </a:rPr>
+                                <m:t>,</m:t>
+                              </m:r>
+                              <m:r>
+                                <a:rPr lang="en-US" sz="2200" i="1">
+                                  <a:solidFill>
+                                    <a:prstClr val="black"/>
+                                  </a:solidFill>
+                                  <a:latin typeface="Cambria Math" panose="02040503050406030204" pitchFamily="18" charset="0"/>
+                                </a:rPr>
+                                <m:t>𝑛</m:t>
+                              </m:r>
+                              <m:r>
+                                <a:rPr lang="en-US" sz="2200" i="1">
+                                  <a:solidFill>
+                                    <a:prstClr val="black"/>
+                                  </a:solidFill>
+                                  <a:latin typeface="Cambria Math" panose="02040503050406030204" pitchFamily="18" charset="0"/>
+                                </a:rPr>
+                                <m:t>)</m:t>
+                              </m:r>
+                            </m:sup>
+                          </m:sSubSup>
+                          <m:r>
+                            <a:rPr lang="en-US" sz="2200" b="0" i="1" smtClean="0">
+                              <a:solidFill>
+                                <a:prstClr val="black"/>
+                              </a:solidFill>
+                              <a:latin typeface="Cambria Math" panose="02040503050406030204" pitchFamily="18" charset="0"/>
+                            </a:rPr>
+                            <m:t> −</m:t>
+                          </m:r>
+                          <m:sSubSup>
+                            <m:sSubSupPr>
+                              <m:ctrlPr>
+                                <a:rPr lang="en-US" sz="2200" i="1">
+                                  <a:solidFill>
+                                    <a:prstClr val="black"/>
+                                  </a:solidFill>
+                                  <a:latin typeface="Cambria Math" panose="02040503050406030204" pitchFamily="18" charset="0"/>
+                                </a:rPr>
+                              </m:ctrlPr>
+                            </m:sSubSupPr>
+                            <m:e>
+                              <m:r>
+                                <a:rPr lang="en-US" sz="2200" i="1">
+                                  <a:solidFill>
+                                    <a:prstClr val="black"/>
+                                  </a:solidFill>
+                                  <a:latin typeface="Cambria Math" panose="02040503050406030204" pitchFamily="18" charset="0"/>
+                                </a:rPr>
+                                <m:t> </m:t>
+                              </m:r>
+                              <m:acc>
+                                <m:accPr>
+                                  <m:chr m:val="̂"/>
+                                  <m:ctrlPr>
+                                    <a:rPr lang="en-US" sz="2400" i="1">
+                                      <a:solidFill>
+                                        <a:prstClr val="black"/>
+                                      </a:solidFill>
+                                      <a:latin typeface="Cambria Math" panose="02040503050406030204" pitchFamily="18" charset="0"/>
+                                    </a:rPr>
+                                  </m:ctrlPr>
+                                </m:accPr>
+                                <m:e>
+                                  <m:r>
+                                    <a:rPr lang="en-US" sz="2400" i="1">
+                                      <a:solidFill>
+                                        <a:prstClr val="black"/>
+                                      </a:solidFill>
+                                      <a:latin typeface="Cambria Math" panose="02040503050406030204" pitchFamily="18" charset="0"/>
+                                    </a:rPr>
+                                    <m:t>𝑃</m:t>
+                                  </m:r>
+                                </m:e>
+                              </m:acc>
+                            </m:e>
+                            <m:sub>
+                              <m:r>
+                                <a:rPr lang="en-US" sz="2200" i="1">
+                                  <a:solidFill>
+                                    <a:prstClr val="black"/>
+                                  </a:solidFill>
+                                  <a:latin typeface="Cambria Math" panose="02040503050406030204" pitchFamily="18" charset="0"/>
+                                </a:rPr>
+                                <m:t>0</m:t>
+                              </m:r>
+                            </m:sub>
+                            <m:sup>
+                              <m:d>
+                                <m:dPr>
+                                  <m:ctrlPr>
+                                    <a:rPr lang="en-US" sz="2200" b="0" i="1">
+                                      <a:solidFill>
+                                        <a:prstClr val="black"/>
+                                      </a:solidFill>
+                                      <a:latin typeface="Cambria Math" panose="02040503050406030204" pitchFamily="18" charset="0"/>
+                                    </a:rPr>
+                                  </m:ctrlPr>
+                                </m:dPr>
+                                <m:e>
+                                  <m:r>
+                                    <a:rPr lang="en-US" sz="2200" b="0" i="1" smtClean="0">
+                                      <a:solidFill>
+                                        <a:prstClr val="black"/>
+                                      </a:solidFill>
+                                      <a:latin typeface="Cambria Math" panose="02040503050406030204" pitchFamily="18" charset="0"/>
+                                    </a:rPr>
+                                    <m:t>1</m:t>
+                                  </m:r>
+                                  <m:r>
+                                    <a:rPr lang="en-US" sz="2200" i="1">
+                                      <a:solidFill>
+                                        <a:prstClr val="black"/>
+                                      </a:solidFill>
+                                      <a:latin typeface="Cambria Math" panose="02040503050406030204" pitchFamily="18" charset="0"/>
+                                    </a:rPr>
+                                    <m:t>,</m:t>
+                                  </m:r>
+                                  <m:r>
+                                    <a:rPr lang="en-US" sz="2200" i="1">
+                                      <a:solidFill>
+                                        <a:prstClr val="black"/>
+                                      </a:solidFill>
+                                      <a:latin typeface="Cambria Math" panose="02040503050406030204" pitchFamily="18" charset="0"/>
+                                    </a:rPr>
+                                    <m:t>𝑛</m:t>
+                                  </m:r>
+                                </m:e>
+                              </m:d>
+                            </m:sup>
+                          </m:sSubSup>
+                          <m:r>
+                            <a:rPr lang="en-US" sz="2200" b="0" i="1" smtClean="0">
+                              <a:solidFill>
+                                <a:prstClr val="black"/>
+                              </a:solidFill>
+                              <a:latin typeface="Cambria Math" panose="02040503050406030204" pitchFamily="18" charset="0"/>
+                            </a:rPr>
+                            <m:t> )</m:t>
+                          </m:r>
+                        </m:e>
+                      </m:nary>
+                    </m:oMath>
+                  </m:oMathPara>
+                </a14:m>
+                <a:endParaRPr lang="de-DE" dirty="0"/>
+              </a:p>
+              <a:p>
+                <a:pPr>
+                  <a:lnSpc>
+                    <a:spcPct val="120000"/>
+                  </a:lnSpc>
+                </a:pPr>
+                <a:r>
+                  <a:rPr lang="de-DE" dirty="0"/>
+                  <a:t>Benefit: </a:t>
+                </a:r>
+                <a:r>
+                  <a:rPr lang="de-DE" dirty="0" err="1"/>
+                  <a:t>If</a:t>
+                </a:r>
+                <a14:m>
+                  <m:oMath xmlns:m="http://schemas.openxmlformats.org/officeDocument/2006/math">
+                    <m:sSub>
+                      <m:sSubPr>
+                        <m:ctrlPr>
+                          <a:rPr lang="en-US" i="1" smtClean="0">
+                            <a:solidFill>
+                              <a:prstClr val="black"/>
+                            </a:solidFill>
+                            <a:latin typeface="Cambria Math" panose="02040503050406030204" pitchFamily="18" charset="0"/>
+                          </a:rPr>
+                        </m:ctrlPr>
+                      </m:sSubPr>
+                      <m:e>
+                        <m:r>
+                          <a:rPr lang="en-US" b="0" i="1" smtClean="0">
+                            <a:solidFill>
+                              <a:prstClr val="black"/>
+                            </a:solidFill>
+                            <a:latin typeface="Cambria Math" panose="02040503050406030204" pitchFamily="18" charset="0"/>
+                          </a:rPr>
+                          <m:t>  </m:t>
+                        </m:r>
+                        <m:acc>
+                          <m:accPr>
+                            <m:chr m:val="̂"/>
+                            <m:ctrlPr>
+                              <a:rPr lang="en-US" i="1">
+                                <a:solidFill>
+                                  <a:prstClr val="black"/>
+                                </a:solidFill>
+                                <a:latin typeface="Cambria Math" panose="02040503050406030204" pitchFamily="18" charset="0"/>
+                              </a:rPr>
+                            </m:ctrlPr>
+                          </m:accPr>
+                          <m:e>
+                            <m:r>
+                              <a:rPr lang="en-US" i="1">
+                                <a:solidFill>
+                                  <a:prstClr val="black"/>
+                                </a:solidFill>
+                                <a:latin typeface="Cambria Math" panose="02040503050406030204" pitchFamily="18" charset="0"/>
+                              </a:rPr>
+                              <m:t>𝑃</m:t>
+                            </m:r>
+                          </m:e>
+                        </m:acc>
+                      </m:e>
+                      <m:sub>
+                        <m:r>
+                          <a:rPr lang="en-US" i="1">
+                            <a:solidFill>
+                              <a:prstClr val="black"/>
+                            </a:solidFill>
+                            <a:latin typeface="Cambria Math" panose="02040503050406030204" pitchFamily="18" charset="0"/>
+                          </a:rPr>
+                          <m:t>1</m:t>
+                        </m:r>
+                      </m:sub>
+                    </m:sSub>
+                    <m:r>
+                      <a:rPr lang="en-US" i="1">
+                        <a:solidFill>
+                          <a:prstClr val="black"/>
+                        </a:solidFill>
+                        <a:latin typeface="Cambria Math" panose="02040503050406030204" pitchFamily="18" charset="0"/>
+                      </a:rPr>
+                      <m:t>−</m:t>
+                    </m:r>
+                    <m:sSub>
+                      <m:sSubPr>
+                        <m:ctrlPr>
+                          <a:rPr lang="en-US" i="1">
+                            <a:solidFill>
+                              <a:prstClr val="black"/>
+                            </a:solidFill>
+                            <a:latin typeface="Cambria Math" panose="02040503050406030204" pitchFamily="18" charset="0"/>
+                          </a:rPr>
+                        </m:ctrlPr>
+                      </m:sSubPr>
+                      <m:e>
+                        <m:acc>
+                          <m:accPr>
+                            <m:chr m:val="̂"/>
+                            <m:ctrlPr>
+                              <a:rPr lang="en-US" i="1">
+                                <a:solidFill>
+                                  <a:prstClr val="black"/>
+                                </a:solidFill>
+                                <a:latin typeface="Cambria Math" panose="02040503050406030204" pitchFamily="18" charset="0"/>
+                              </a:rPr>
+                            </m:ctrlPr>
+                          </m:accPr>
+                          <m:e>
+                            <m:r>
+                              <a:rPr lang="en-US" i="1">
+                                <a:solidFill>
+                                  <a:prstClr val="black"/>
+                                </a:solidFill>
+                                <a:latin typeface="Cambria Math" panose="02040503050406030204" pitchFamily="18" charset="0"/>
+                              </a:rPr>
+                              <m:t>𝑃</m:t>
+                            </m:r>
+                          </m:e>
+                        </m:acc>
+                      </m:e>
+                      <m:sub>
+                        <m:r>
+                          <a:rPr lang="en-US" i="1">
+                            <a:solidFill>
+                              <a:prstClr val="black"/>
+                            </a:solidFill>
+                            <a:latin typeface="Cambria Math" panose="02040503050406030204" pitchFamily="18" charset="0"/>
+                          </a:rPr>
+                          <m:t>0</m:t>
+                        </m:r>
+                      </m:sub>
+                    </m:sSub>
+                  </m:oMath>
+                </a14:m>
+                <a:r>
+                  <a:rPr lang="de-DE" dirty="0"/>
+                  <a:t> </a:t>
+                </a:r>
+                <a:r>
+                  <a:rPr lang="de-DE" dirty="0" err="1"/>
+                  <a:t>is</a:t>
+                </a:r>
+                <a:r>
+                  <a:rPr lang="de-DE" dirty="0"/>
+                  <a:t> </a:t>
+                </a:r>
+                <a:r>
+                  <a:rPr lang="de-DE" dirty="0" err="1"/>
+                  <a:t>small</a:t>
+                </a:r>
+                <a:r>
+                  <a:rPr lang="de-DE" dirty="0"/>
+                  <a:t>, </a:t>
+                </a:r>
+                <a:r>
+                  <a:rPr lang="de-DE" dirty="0" err="1"/>
+                  <a:t>its</a:t>
+                </a:r>
+                <a:r>
+                  <a:rPr lang="de-DE" dirty="0"/>
+                  <a:t> </a:t>
+                </a:r>
+                <a:r>
+                  <a:rPr lang="de-DE" dirty="0" err="1"/>
+                  <a:t>variance</a:t>
+                </a:r>
+                <a:r>
+                  <a:rPr lang="de-DE" dirty="0"/>
+                  <a:t> will </a:t>
+                </a:r>
+                <a:r>
+                  <a:rPr lang="de-DE" dirty="0" err="1"/>
+                  <a:t>be</a:t>
+                </a:r>
+                <a:r>
+                  <a:rPr lang="de-DE" dirty="0"/>
+                  <a:t> </a:t>
+                </a:r>
+                <a:r>
+                  <a:rPr lang="de-DE" dirty="0" err="1"/>
+                  <a:t>small</a:t>
+                </a:r>
+                <a:r>
+                  <a:rPr lang="de-DE" dirty="0"/>
+                  <a:t>, so </a:t>
+                </a:r>
+                <a:r>
+                  <a:rPr lang="de-DE" dirty="0" err="1"/>
+                  <a:t>we</a:t>
+                </a:r>
+                <a:r>
+                  <a:rPr lang="de-DE" dirty="0"/>
+                  <a:t> </a:t>
+                </a:r>
+                <a:r>
+                  <a:rPr lang="de-DE" dirty="0" err="1"/>
+                  <a:t>won‘t</a:t>
+                </a:r>
+                <a:r>
+                  <a:rPr lang="de-DE" dirty="0"/>
+                  <a:t> </a:t>
+                </a:r>
+                <a:r>
+                  <a:rPr lang="de-DE" dirty="0" err="1"/>
+                  <a:t>need</a:t>
+                </a:r>
+                <a:r>
+                  <a:rPr lang="de-DE" dirty="0"/>
+                  <a:t> </a:t>
+                </a:r>
+                <a:r>
+                  <a:rPr lang="de-DE" dirty="0" err="1"/>
+                  <a:t>many</a:t>
+                </a:r>
+                <a:r>
+                  <a:rPr lang="de-DE" dirty="0"/>
+                  <a:t> </a:t>
+                </a:r>
+                <a:r>
+                  <a:rPr lang="de-DE" dirty="0" err="1"/>
+                  <a:t>samples</a:t>
+                </a:r>
+                <a:r>
+                  <a:rPr lang="de-DE" dirty="0"/>
+                  <a:t> </a:t>
+                </a:r>
+                <a:r>
+                  <a:rPr lang="de-DE" dirty="0" err="1"/>
+                  <a:t>to</a:t>
+                </a:r>
+                <a:r>
+                  <a:rPr lang="de-DE" dirty="0"/>
+                  <a:t> </a:t>
+                </a:r>
+                <a:r>
+                  <a:rPr lang="de-DE" dirty="0" err="1"/>
+                  <a:t>accurately</a:t>
+                </a:r>
+                <a:r>
+                  <a:rPr lang="de-DE" dirty="0"/>
+                  <a:t> </a:t>
+                </a:r>
+                <a:r>
+                  <a:rPr lang="de-DE" dirty="0" err="1"/>
+                  <a:t>estimate</a:t>
+                </a:r>
+                <a:r>
+                  <a:rPr lang="de-DE" dirty="0"/>
+                  <a:t> </a:t>
+                </a:r>
+                <a14:m>
+                  <m:oMath xmlns:m="http://schemas.openxmlformats.org/officeDocument/2006/math">
+                    <m:r>
+                      <a:rPr lang="en-US" sz="2400" i="1">
+                        <a:solidFill>
+                          <a:prstClr val="black"/>
+                        </a:solidFill>
+                        <a:latin typeface="Cambria Math" panose="02040503050406030204" pitchFamily="18" charset="0"/>
+                      </a:rPr>
+                      <m:t>𝐸</m:t>
+                    </m:r>
+                    <m:d>
+                      <m:dPr>
+                        <m:begChr m:val="["/>
+                        <m:endChr m:val="]"/>
+                        <m:ctrlPr>
+                          <a:rPr lang="en-US" sz="2400" i="1">
+                            <a:solidFill>
+                              <a:prstClr val="black"/>
+                            </a:solidFill>
+                            <a:latin typeface="Cambria Math" panose="02040503050406030204" pitchFamily="18" charset="0"/>
+                          </a:rPr>
+                        </m:ctrlPr>
+                      </m:dPr>
+                      <m:e>
+                        <m:sSub>
+                          <m:sSubPr>
+                            <m:ctrlPr>
+                              <a:rPr lang="en-US" sz="2400" i="1">
+                                <a:solidFill>
+                                  <a:prstClr val="black"/>
+                                </a:solidFill>
+                                <a:latin typeface="Cambria Math" panose="02040503050406030204" pitchFamily="18" charset="0"/>
+                              </a:rPr>
+                            </m:ctrlPr>
+                          </m:sSubPr>
+                          <m:e>
+                            <m:acc>
+                              <m:accPr>
+                                <m:chr m:val="̂"/>
+                                <m:ctrlPr>
+                                  <a:rPr lang="en-US" sz="2400" i="1">
+                                    <a:solidFill>
+                                      <a:prstClr val="black"/>
+                                    </a:solidFill>
+                                    <a:latin typeface="Cambria Math" panose="02040503050406030204" pitchFamily="18" charset="0"/>
+                                  </a:rPr>
+                                </m:ctrlPr>
+                              </m:accPr>
+                              <m:e>
+                                <m:r>
+                                  <a:rPr lang="en-US" sz="2400" i="1">
+                                    <a:solidFill>
+                                      <a:prstClr val="black"/>
+                                    </a:solidFill>
+                                    <a:latin typeface="Cambria Math" panose="02040503050406030204" pitchFamily="18" charset="0"/>
+                                  </a:rPr>
+                                  <m:t>𝑃</m:t>
+                                </m:r>
+                              </m:e>
+                            </m:acc>
+                          </m:e>
+                          <m:sub>
+                            <m:r>
+                              <a:rPr lang="en-US" sz="2400" i="1">
+                                <a:solidFill>
+                                  <a:prstClr val="black"/>
+                                </a:solidFill>
+                                <a:latin typeface="Cambria Math" panose="02040503050406030204" pitchFamily="18" charset="0"/>
+                              </a:rPr>
+                              <m:t>1</m:t>
+                            </m:r>
+                          </m:sub>
+                        </m:sSub>
+                        <m:r>
+                          <a:rPr lang="en-US" sz="2400" i="1">
+                            <a:solidFill>
+                              <a:prstClr val="black"/>
+                            </a:solidFill>
+                            <a:latin typeface="Cambria Math" panose="02040503050406030204" pitchFamily="18" charset="0"/>
+                          </a:rPr>
+                          <m:t>−</m:t>
+                        </m:r>
+                        <m:sSub>
+                          <m:sSubPr>
+                            <m:ctrlPr>
+                              <a:rPr lang="en-US" sz="2400" i="1">
+                                <a:solidFill>
+                                  <a:prstClr val="black"/>
+                                </a:solidFill>
+                                <a:latin typeface="Cambria Math" panose="02040503050406030204" pitchFamily="18" charset="0"/>
+                              </a:rPr>
+                            </m:ctrlPr>
+                          </m:sSubPr>
+                          <m:e>
+                            <m:acc>
+                              <m:accPr>
+                                <m:chr m:val="̂"/>
+                                <m:ctrlPr>
+                                  <a:rPr lang="en-US" sz="2400" i="1">
+                                    <a:solidFill>
+                                      <a:prstClr val="black"/>
+                                    </a:solidFill>
+                                    <a:latin typeface="Cambria Math" panose="02040503050406030204" pitchFamily="18" charset="0"/>
+                                  </a:rPr>
+                                </m:ctrlPr>
+                              </m:accPr>
+                              <m:e>
+                                <m:r>
+                                  <a:rPr lang="en-US" sz="2400" i="1">
+                                    <a:solidFill>
+                                      <a:prstClr val="black"/>
+                                    </a:solidFill>
+                                    <a:latin typeface="Cambria Math" panose="02040503050406030204" pitchFamily="18" charset="0"/>
+                                  </a:rPr>
+                                  <m:t>𝑃</m:t>
+                                </m:r>
+                              </m:e>
+                            </m:acc>
+                          </m:e>
+                          <m:sub>
+                            <m:r>
+                              <a:rPr lang="en-US" sz="2400" i="1">
+                                <a:solidFill>
+                                  <a:prstClr val="black"/>
+                                </a:solidFill>
+                                <a:latin typeface="Cambria Math" panose="02040503050406030204" pitchFamily="18" charset="0"/>
+                              </a:rPr>
+                              <m:t>0</m:t>
+                            </m:r>
+                          </m:sub>
+                        </m:sSub>
+                      </m:e>
+                    </m:d>
+                  </m:oMath>
+                </a14:m>
+                <a:r>
+                  <a:rPr lang="de-DE" dirty="0"/>
+                  <a:t>, so </a:t>
+                </a:r>
+                <a:r>
+                  <a:rPr lang="de-DE" dirty="0" err="1"/>
+                  <a:t>cost</a:t>
+                </a:r>
+                <a:r>
+                  <a:rPr lang="de-DE" dirty="0"/>
+                  <a:t> </a:t>
+                </a:r>
+                <a:r>
+                  <a:rPr lang="de-DE" dirty="0" err="1"/>
+                  <a:t>would</a:t>
+                </a:r>
+                <a:r>
+                  <a:rPr lang="de-DE" dirty="0"/>
+                  <a:t> </a:t>
+                </a:r>
+                <a:r>
+                  <a:rPr lang="de-DE" dirty="0" err="1"/>
+                  <a:t>be</a:t>
+                </a:r>
+                <a:r>
+                  <a:rPr lang="de-DE" dirty="0"/>
+                  <a:t> </a:t>
+                </a:r>
+                <a:r>
+                  <a:rPr lang="de-DE" dirty="0" err="1"/>
+                  <a:t>reduced</a:t>
+                </a:r>
+                <a:r>
+                  <a:rPr lang="de-DE" dirty="0"/>
+                  <a:t> </a:t>
+                </a:r>
+                <a:r>
+                  <a:rPr lang="de-DE" dirty="0" err="1"/>
+                  <a:t>greatly</a:t>
+                </a:r>
+                <a:r>
+                  <a:rPr lang="de-DE" dirty="0"/>
+                  <a:t>.</a:t>
+                </a:r>
+              </a:p>
+            </p:txBody>
+          </p:sp>
+        </mc:Choice>
+        <mc:Fallback xmlns="">
+          <p:sp>
+            <p:nvSpPr>
+              <p:cNvPr id="9" name="Content Placeholder 2">
+                <a:extLst>
+                  <a:ext uri="{FF2B5EF4-FFF2-40B4-BE49-F238E27FC236}">
+                    <a16:creationId xmlns:a16="http://schemas.microsoft.com/office/drawing/2014/main" id="{1390DE4D-0854-BE6E-BDD1-5AA7AB426A6B}"/>
+                  </a:ext>
+                </a:extLst>
+              </p:cNvPr>
+              <p:cNvSpPr>
+                <a:spLocks noGrp="1" noRot="1" noChangeAspect="1" noMove="1" noResize="1" noEditPoints="1" noAdjustHandles="1" noChangeArrowheads="1" noChangeShapeType="1" noTextEdit="1"/>
+              </p:cNvSpPr>
+              <p:nvPr>
+                <p:ph idx="1"/>
+              </p:nvPr>
+            </p:nvSpPr>
+            <p:spPr>
+              <a:xfrm>
+                <a:off x="597159" y="1003693"/>
+                <a:ext cx="10756642" cy="5733010"/>
+              </a:xfrm>
+              <a:blipFill>
+                <a:blip r:embed="rId2"/>
+                <a:stretch>
+                  <a:fillRect l="-1020" t="-213" r="-57"/>
+                </a:stretch>
+              </a:blipFill>
+            </p:spPr>
+            <p:txBody>
+              <a:bodyPr/>
+              <a:lstStyle/>
+              <a:p>
+                <a:r>
+                  <a:rPr lang="de-DE">
+                    <a:noFill/>
+                  </a:rPr>
+                  <a:t> </a:t>
+                </a:r>
+              </a:p>
+            </p:txBody>
+          </p:sp>
+        </mc:Fallback>
+      </mc:AlternateContent>
+    </p:spTree>
+    <p:extLst>
+      <p:ext uri="{BB962C8B-B14F-4D97-AF65-F5344CB8AC3E}">
+        <p14:creationId xmlns:p14="http://schemas.microsoft.com/office/powerpoint/2010/main" val="3155670444"/>
+      </p:ext>
+    </p:extLst>
+  </p:cSld>
+  <p:clrMapOvr>
+    <a:masterClrMapping/>
+  </p:clrMapOvr>
+</p:sld>
+</file>
+
+<file path=ppt/slides/slide11.xml><?xml version="1.0" encoding="utf-8"?>
+<p:sld xmlns:a="http://schemas.openxmlformats.org/drawingml/2006/main" xmlns:r="http://schemas.openxmlformats.org/officeDocument/2006/relationships" xmlns:p="http://schemas.openxmlformats.org/presentationml/2006/main">
+  <p:cSld>
+    <p:bg>
+      <p:bgPr>
+        <a:solidFill>
+          <a:schemeClr val="bg1"/>
+        </a:solidFill>
+        <a:effectLst/>
+      </p:bgPr>
+    </p:bg>
+    <p:spTree>
+      <p:nvGrpSpPr>
+        <p:cNvPr id="1" name=""/>
+        <p:cNvGrpSpPr/>
+        <p:nvPr/>
+      </p:nvGrpSpPr>
+      <p:grpSpPr>
+        <a:xfrm>
+          <a:off x="0" y="0"/>
+          <a:ext cx="0" cy="0"/>
+          <a:chOff x="0" y="0"/>
+          <a:chExt cx="0" cy="0"/>
+        </a:xfrm>
+      </p:grpSpPr>
+      <p:sp>
+        <p:nvSpPr>
+          <p:cNvPr id="2" name="Title 1">
+            <a:extLst>
+              <a:ext uri="{FF2B5EF4-FFF2-40B4-BE49-F238E27FC236}">
+                <a16:creationId xmlns:a16="http://schemas.microsoft.com/office/drawing/2014/main" id="{ACBA041C-2EB9-B777-28D3-7F1A76CCCEB8}"/>
+              </a:ext>
+            </a:extLst>
+          </p:cNvPr>
+          <p:cNvSpPr>
+            <a:spLocks noGrp="1"/>
+          </p:cNvSpPr>
+          <p:nvPr>
+            <p:ph type="title"/>
+          </p:nvPr>
+        </p:nvSpPr>
+        <p:spPr>
+          <a:xfrm>
+            <a:off x="0" y="-9331"/>
+            <a:ext cx="12192000" cy="1072673"/>
+          </a:xfrm>
+        </p:spPr>
+        <p:txBody>
+          <a:bodyPr>
+            <a:normAutofit/>
+          </a:bodyPr>
+          <a:lstStyle/>
+          <a:p>
+            <a:pPr algn="ctr"/>
+            <a:r>
+              <a:rPr lang="en-US" sz="4000" dirty="0">
+                <a:solidFill>
+                  <a:schemeClr val="accent5">
+                    <a:lumMod val="75000"/>
+                  </a:schemeClr>
+                </a:solidFill>
+              </a:rPr>
+              <a:t>Multi-level Monte Carlo</a:t>
+            </a:r>
+            <a:endParaRPr lang="de-DE" sz="4000" dirty="0">
+              <a:solidFill>
+                <a:schemeClr val="accent5">
+                  <a:lumMod val="75000"/>
+                </a:schemeClr>
+              </a:solidFill>
+            </a:endParaRPr>
+          </a:p>
+        </p:txBody>
+      </p:sp>
+      <p:sp>
+        <p:nvSpPr>
+          <p:cNvPr id="4" name="Footer Placeholder 3">
+            <a:extLst>
+              <a:ext uri="{FF2B5EF4-FFF2-40B4-BE49-F238E27FC236}">
+                <a16:creationId xmlns:a16="http://schemas.microsoft.com/office/drawing/2014/main" id="{91595D0A-ED8F-0880-9FA7-A5B4941FE3B4}"/>
+              </a:ext>
+            </a:extLst>
+          </p:cNvPr>
+          <p:cNvSpPr>
+            <a:spLocks noGrp="1"/>
+          </p:cNvSpPr>
+          <p:nvPr>
+            <p:ph type="ftr" sz="quarter" idx="11"/>
+          </p:nvPr>
+        </p:nvSpPr>
+        <p:spPr/>
+        <p:txBody>
+          <a:bodyPr/>
+          <a:lstStyle/>
+          <a:p>
+            <a:r>
+              <a:rPr lang="de-DE" dirty="0"/>
+              <a:t>Multilevel Monte Carlo Methods</a:t>
+            </a:r>
+          </a:p>
+        </p:txBody>
+      </p:sp>
+      <p:sp>
+        <p:nvSpPr>
+          <p:cNvPr id="5" name="Slide Number Placeholder 4">
+            <a:extLst>
+              <a:ext uri="{FF2B5EF4-FFF2-40B4-BE49-F238E27FC236}">
+                <a16:creationId xmlns:a16="http://schemas.microsoft.com/office/drawing/2014/main" id="{8CBED4E9-7B74-4EE2-953E-75B596F11DEF}"/>
+              </a:ext>
+            </a:extLst>
+          </p:cNvPr>
+          <p:cNvSpPr>
+            <a:spLocks noGrp="1"/>
+          </p:cNvSpPr>
+          <p:nvPr>
+            <p:ph type="sldNum" sz="quarter" idx="12"/>
+          </p:nvPr>
+        </p:nvSpPr>
+        <p:spPr/>
+        <p:txBody>
+          <a:bodyPr/>
+          <a:lstStyle/>
+          <a:p>
+            <a:fld id="{773E478D-9561-4C4E-917C-DA2D35FD197D}" type="slidenum">
+              <a:rPr lang="de-DE" smtClean="0"/>
+              <a:t>11</a:t>
+            </a:fld>
+            <a:endParaRPr lang="de-DE"/>
+          </a:p>
+        </p:txBody>
+      </p:sp>
+      <p:cxnSp>
+        <p:nvCxnSpPr>
+          <p:cNvPr id="10" name="Straight Connector 9">
+            <a:extLst>
+              <a:ext uri="{FF2B5EF4-FFF2-40B4-BE49-F238E27FC236}">
+                <a16:creationId xmlns:a16="http://schemas.microsoft.com/office/drawing/2014/main" id="{AC8FE49A-CB68-387E-C62E-08C6E8447F7D}"/>
+              </a:ext>
+            </a:extLst>
+          </p:cNvPr>
+          <p:cNvCxnSpPr/>
+          <p:nvPr/>
+        </p:nvCxnSpPr>
+        <p:spPr>
+          <a:xfrm>
+            <a:off x="111967" y="6375012"/>
+            <a:ext cx="11980506" cy="0"/>
+          </a:xfrm>
+          <a:prstGeom prst="line">
+            <a:avLst/>
+          </a:prstGeom>
+        </p:spPr>
+        <p:style>
+          <a:lnRef idx="3">
+            <a:schemeClr val="accent3"/>
+          </a:lnRef>
+          <a:fillRef idx="0">
+            <a:schemeClr val="accent3"/>
+          </a:fillRef>
+          <a:effectRef idx="2">
+            <a:schemeClr val="accent3"/>
+          </a:effectRef>
+          <a:fontRef idx="minor">
+            <a:schemeClr val="tx1"/>
+          </a:fontRef>
+        </p:style>
+      </p:cxnSp>
+      <p:cxnSp>
+        <p:nvCxnSpPr>
+          <p:cNvPr id="11" name="Straight Connector 10">
+            <a:extLst>
+              <a:ext uri="{FF2B5EF4-FFF2-40B4-BE49-F238E27FC236}">
+                <a16:creationId xmlns:a16="http://schemas.microsoft.com/office/drawing/2014/main" id="{AF920692-B7E7-2BE6-CF6A-3C184A647828}"/>
+              </a:ext>
+            </a:extLst>
+          </p:cNvPr>
+          <p:cNvCxnSpPr/>
+          <p:nvPr/>
+        </p:nvCxnSpPr>
+        <p:spPr>
+          <a:xfrm>
+            <a:off x="111967" y="901053"/>
+            <a:ext cx="11980506" cy="0"/>
+          </a:xfrm>
+          <a:prstGeom prst="line">
+            <a:avLst/>
+          </a:prstGeom>
+        </p:spPr>
+        <p:style>
+          <a:lnRef idx="3">
+            <a:schemeClr val="dk1"/>
+          </a:lnRef>
+          <a:fillRef idx="0">
+            <a:schemeClr val="dk1"/>
+          </a:fillRef>
+          <a:effectRef idx="2">
+            <a:schemeClr val="dk1"/>
+          </a:effectRef>
+          <a:fontRef idx="minor">
+            <a:schemeClr val="tx1"/>
+          </a:fontRef>
+        </p:style>
+      </p:cxnSp>
+      <mc:AlternateContent xmlns:mc="http://schemas.openxmlformats.org/markup-compatibility/2006" xmlns:a14="http://schemas.microsoft.com/office/drawing/2010/main">
+        <mc:Choice Requires="a14">
           <p:sp>
             <p:nvSpPr>
               <p:cNvPr id="9" name="Content Placeholder 2">
@@ -6124,7 +8150,7 @@
             </p:txBody>
           </p:sp>
         </mc:Choice>
-        <mc:Fallback>
+        <mc:Fallback xmlns="">
           <p:sp>
             <p:nvSpPr>
               <p:cNvPr id="9" name="Content Placeholder 2">
@@ -6181,7 +8207,7 @@
 </p:sld>
 </file>
 
-<file path=ppt/slides/slide11.xml><?xml version="1.0" encoding="utf-8"?>
+<file path=ppt/slides/slide12.xml><?xml version="1.0" encoding="utf-8"?>
 <p:sld xmlns:a="http://schemas.openxmlformats.org/drawingml/2006/main" xmlns:r="http://schemas.openxmlformats.org/officeDocument/2006/relationships" xmlns:p="http://schemas.openxmlformats.org/presentationml/2006/main">
   <p:cSld>
     <p:bg>
@@ -6306,7 +8332,7 @@
           <a:p>
             <a:fld id="{773E478D-9561-4C4E-917C-DA2D35FD197D}" type="slidenum">
               <a:rPr lang="de-DE" smtClean="0"/>
-              <a:t>11</a:t>
+              <a:t>12</a:t>
             </a:fld>
             <a:endParaRPr lang="de-DE"/>
           </a:p>
@@ -6384,8 +8410,8 @@
           </a:fontRef>
         </p:style>
       </p:cxnSp>
-      <mc:AlternateContent xmlns:mc="http://schemas.openxmlformats.org/markup-compatibility/2006">
-        <mc:Choice xmlns:a14="http://schemas.microsoft.com/office/drawing/2010/main" Requires="a14">
+      <mc:AlternateContent xmlns:mc="http://schemas.openxmlformats.org/markup-compatibility/2006" xmlns:a14="http://schemas.microsoft.com/office/drawing/2010/main">
+        <mc:Choice Requires="a14">
           <p:sp>
             <p:nvSpPr>
               <p:cNvPr id="9" name="Content Placeholder 2">
@@ -6435,31 +8461,7 @@
                       <a:rPr lang="en-US" b="0" i="1" smtClean="0">
                         <a:latin typeface="Cambria Math" panose="02040503050406030204" pitchFamily="18" charset="0"/>
                       </a:rPr>
-                      <m:t>=</m:t>
-                    </m:r>
-                    <m:r>
-                      <a:rPr lang="en-US" b="0" i="1" smtClean="0">
-                        <a:latin typeface="Cambria Math" panose="02040503050406030204" pitchFamily="18" charset="0"/>
-                      </a:rPr>
-                      <m:t>0</m:t>
-                    </m:r>
-                    <m:r>
-                      <a:rPr lang="en-US" b="0" i="1" smtClean="0">
-                        <a:latin typeface="Cambria Math" panose="02040503050406030204" pitchFamily="18" charset="0"/>
-                      </a:rPr>
-                      <m:t>, </m:t>
-                    </m:r>
-                    <m:r>
-                      <a:rPr lang="en-US" b="0" i="1" smtClean="0">
-                        <a:latin typeface="Cambria Math" panose="02040503050406030204" pitchFamily="18" charset="0"/>
-                      </a:rPr>
-                      <m:t>1</m:t>
-                    </m:r>
-                    <m:r>
-                      <a:rPr lang="en-US" b="0" i="1" smtClean="0">
-                        <a:latin typeface="Cambria Math" panose="02040503050406030204" pitchFamily="18" charset="0"/>
-                      </a:rPr>
-                      <m:t>,…, </m:t>
+                      <m:t>=0, 1,…, </m:t>
                     </m:r>
                     <m:r>
                       <a:rPr lang="en-US" b="0" i="1" smtClean="0">
@@ -6929,16 +8931,7 @@
                             </a:solidFill>
                             <a:latin typeface="Cambria Math" panose="02040503050406030204" pitchFamily="18" charset="0"/>
                           </a:rPr>
-                          <m:t>−</m:t>
-                        </m:r>
-                        <m:r>
-                          <a:rPr lang="en-US" sz="2400" b="0" i="1" smtClean="0">
-                            <a:solidFill>
-                              <a:prstClr val="black"/>
-                            </a:solidFill>
-                            <a:latin typeface="Cambria Math" panose="02040503050406030204" pitchFamily="18" charset="0"/>
-                          </a:rPr>
-                          <m:t>1</m:t>
+                          <m:t>−1</m:t>
                         </m:r>
                       </m:sub>
                     </m:sSub>
@@ -7090,16 +9083,7 @@
                             </a:solidFill>
                             <a:latin typeface="Cambria Math" panose="02040503050406030204" pitchFamily="18" charset="0"/>
                           </a:rPr>
-                          <m:t>−</m:t>
-                        </m:r>
-                        <m:r>
-                          <a:rPr lang="en-US" sz="2400" i="1">
-                            <a:solidFill>
-                              <a:prstClr val="black"/>
-                            </a:solidFill>
-                            <a:latin typeface="Cambria Math" panose="02040503050406030204" pitchFamily="18" charset="0"/>
-                          </a:rPr>
-                          <m:t>1</m:t>
+                          <m:t>−1</m:t>
                         </m:r>
                       </m:sub>
                     </m:sSub>
@@ -7213,16 +9197,7 @@
                             </a:solidFill>
                             <a:latin typeface="Cambria Math" panose="02040503050406030204" pitchFamily="18" charset="0"/>
                           </a:rPr>
-                          <m:t>−</m:t>
-                        </m:r>
-                        <m:r>
-                          <a:rPr lang="en-US" sz="2400" b="0" i="1" smtClean="0">
-                            <a:solidFill>
-                              <a:prstClr val="black"/>
-                            </a:solidFill>
-                            <a:latin typeface="Cambria Math" panose="02040503050406030204" pitchFamily="18" charset="0"/>
-                          </a:rPr>
-                          <m:t>2</m:t>
+                          <m:t>−2</m:t>
                         </m:r>
                       </m:sub>
                     </m:sSub>
@@ -7316,16 +9291,7 @@
                             </a:solidFill>
                             <a:latin typeface="Cambria Math" panose="02040503050406030204" pitchFamily="18" charset="0"/>
                           </a:rPr>
-                          <m:t>−</m:t>
-                        </m:r>
-                        <m:r>
-                          <a:rPr lang="en-US" sz="2400" b="0" i="1" smtClean="0">
-                            <a:solidFill>
-                              <a:prstClr val="black"/>
-                            </a:solidFill>
-                            <a:latin typeface="Cambria Math" panose="02040503050406030204" pitchFamily="18" charset="0"/>
-                          </a:rPr>
-                          <m:t>1</m:t>
+                          <m:t>−1</m:t>
                         </m:r>
                       </m:sub>
                     </m:sSub>
@@ -7392,16 +9358,7 @@
                             </a:solidFill>
                             <a:latin typeface="Cambria Math" panose="02040503050406030204" pitchFamily="18" charset="0"/>
                           </a:rPr>
-                          <m:t>−</m:t>
-                        </m:r>
-                        <m:r>
-                          <a:rPr lang="en-US" sz="2400" b="0" i="1" smtClean="0">
-                            <a:solidFill>
-                              <a:prstClr val="black"/>
-                            </a:solidFill>
-                            <a:latin typeface="Cambria Math" panose="02040503050406030204" pitchFamily="18" charset="0"/>
-                          </a:rPr>
-                          <m:t>2</m:t>
+                          <m:t>−2</m:t>
                         </m:r>
                       </m:sub>
                     </m:sSub>
@@ -7553,16 +9510,7 @@
                             </a:solidFill>
                             <a:latin typeface="Cambria Math" panose="02040503050406030204" pitchFamily="18" charset="0"/>
                           </a:rPr>
-                          <m:t>−</m:t>
-                        </m:r>
-                        <m:r>
-                          <a:rPr lang="en-US" sz="2400" b="0" i="1" smtClean="0">
-                            <a:solidFill>
-                              <a:prstClr val="black"/>
-                            </a:solidFill>
-                            <a:latin typeface="Cambria Math" panose="02040503050406030204" pitchFamily="18" charset="0"/>
-                          </a:rPr>
-                          <m:t>1</m:t>
+                          <m:t>−1</m:t>
                         </m:r>
                       </m:sub>
                     </m:sSub>
@@ -7736,16 +9684,7 @@
                             </a:solidFill>
                             <a:latin typeface="Cambria Math" panose="02040503050406030204" pitchFamily="18" charset="0"/>
                           </a:rPr>
-                          <m:t>=</m:t>
-                        </m:r>
-                        <m:r>
-                          <a:rPr lang="en-US" sz="2400" b="0" i="1" smtClean="0">
-                            <a:solidFill>
-                              <a:prstClr val="black"/>
-                            </a:solidFill>
-                            <a:latin typeface="Cambria Math" panose="02040503050406030204" pitchFamily="18" charset="0"/>
-                          </a:rPr>
-                          <m:t>1</m:t>
+                          <m:t>=1</m:t>
                         </m:r>
                       </m:sub>
                       <m:sup>
@@ -7890,16 +9829,7 @@
                                 </a:solidFill>
                                 <a:latin typeface="Cambria Math" panose="02040503050406030204" pitchFamily="18" charset="0"/>
                               </a:rPr>
-                              <m:t>−</m:t>
-                            </m:r>
-                            <m:r>
-                              <a:rPr lang="en-US" sz="2400" b="0" i="1" smtClean="0">
-                                <a:solidFill>
-                                  <a:prstClr val="black"/>
-                                </a:solidFill>
-                                <a:latin typeface="Cambria Math" panose="02040503050406030204" pitchFamily="18" charset="0"/>
-                              </a:rPr>
-                              <m:t>1</m:t>
+                              <m:t>−1</m:t>
                             </m:r>
                           </m:sub>
                         </m:sSub>
@@ -7933,7 +9863,7 @@
             </p:txBody>
           </p:sp>
         </mc:Choice>
-        <mc:Fallback>
+        <mc:Fallback xmlns="">
           <p:sp>
             <p:nvSpPr>
               <p:cNvPr id="9" name="Content Placeholder 2">
@@ -8605,598 +10535,6 @@
 </p:sld>
 </file>
 
-<file path=ppt/slides/slide12.xml><?xml version="1.0" encoding="utf-8"?>
-<p:sld xmlns:a="http://schemas.openxmlformats.org/drawingml/2006/main" xmlns:r="http://schemas.openxmlformats.org/officeDocument/2006/relationships" xmlns:p="http://schemas.openxmlformats.org/presentationml/2006/main">
-  <p:cSld>
-    <p:bg>
-      <p:bgPr>
-        <a:solidFill>
-          <a:schemeClr val="bg1"/>
-        </a:solidFill>
-        <a:effectLst/>
-      </p:bgPr>
-    </p:bg>
-    <p:spTree>
-      <p:nvGrpSpPr>
-        <p:cNvPr id="1" name=""/>
-        <p:cNvGrpSpPr/>
-        <p:nvPr/>
-      </p:nvGrpSpPr>
-      <p:grpSpPr>
-        <a:xfrm>
-          <a:off x="0" y="0"/>
-          <a:ext cx="0" cy="0"/>
-          <a:chOff x="0" y="0"/>
-          <a:chExt cx="0" cy="0"/>
-        </a:xfrm>
-      </p:grpSpPr>
-      <p:sp>
-        <p:nvSpPr>
-          <p:cNvPr id="2" name="Title 1">
-            <a:extLst>
-              <a:ext uri="{FF2B5EF4-FFF2-40B4-BE49-F238E27FC236}">
-                <a16:creationId xmlns:a16="http://schemas.microsoft.com/office/drawing/2014/main" id="{ACBA041C-2EB9-B777-28D3-7F1A76CCCEB8}"/>
-              </a:ext>
-            </a:extLst>
-          </p:cNvPr>
-          <p:cNvSpPr>
-            <a:spLocks noGrp="1"/>
-          </p:cNvSpPr>
-          <p:nvPr>
-            <p:ph type="title"/>
-          </p:nvPr>
-        </p:nvSpPr>
-        <p:spPr>
-          <a:xfrm>
-            <a:off x="0" y="-9331"/>
-            <a:ext cx="12192000" cy="1072673"/>
-          </a:xfrm>
-        </p:spPr>
-        <p:txBody>
-          <a:bodyPr>
-            <a:normAutofit/>
-          </a:bodyPr>
-          <a:lstStyle/>
-          <a:p>
-            <a:pPr algn="ctr"/>
-            <a:r>
-              <a:rPr lang="en-US" sz="4000" dirty="0">
-                <a:solidFill>
-                  <a:schemeClr val="accent5">
-                    <a:lumMod val="75000"/>
-                  </a:schemeClr>
-                </a:solidFill>
-              </a:rPr>
-              <a:t>Key Idea: Multilevel Telescoping Sum</a:t>
-            </a:r>
-            <a:endParaRPr lang="de-DE" sz="4000" dirty="0">
-              <a:solidFill>
-                <a:schemeClr val="accent5">
-                  <a:lumMod val="75000"/>
-                </a:schemeClr>
-              </a:solidFill>
-            </a:endParaRPr>
-          </a:p>
-        </p:txBody>
-      </p:sp>
-      <p:sp>
-        <p:nvSpPr>
-          <p:cNvPr id="4" name="Footer Placeholder 3">
-            <a:extLst>
-              <a:ext uri="{FF2B5EF4-FFF2-40B4-BE49-F238E27FC236}">
-                <a16:creationId xmlns:a16="http://schemas.microsoft.com/office/drawing/2014/main" id="{91595D0A-ED8F-0880-9FA7-A5B4941FE3B4}"/>
-              </a:ext>
-            </a:extLst>
-          </p:cNvPr>
-          <p:cNvSpPr>
-            <a:spLocks noGrp="1"/>
-          </p:cNvSpPr>
-          <p:nvPr>
-            <p:ph type="ftr" sz="quarter" idx="11"/>
-          </p:nvPr>
-        </p:nvSpPr>
-        <p:spPr/>
-        <p:txBody>
-          <a:bodyPr/>
-          <a:lstStyle/>
-          <a:p>
-            <a:r>
-              <a:rPr lang="de-DE" dirty="0"/>
-              <a:t>Multilevel Monte Carlo Methods</a:t>
-            </a:r>
-          </a:p>
-        </p:txBody>
-      </p:sp>
-      <p:sp>
-        <p:nvSpPr>
-          <p:cNvPr id="5" name="Slide Number Placeholder 4">
-            <a:extLst>
-              <a:ext uri="{FF2B5EF4-FFF2-40B4-BE49-F238E27FC236}">
-                <a16:creationId xmlns:a16="http://schemas.microsoft.com/office/drawing/2014/main" id="{8CBED4E9-7B74-4EE2-953E-75B596F11DEF}"/>
-              </a:ext>
-            </a:extLst>
-          </p:cNvPr>
-          <p:cNvSpPr>
-            <a:spLocks noGrp="1"/>
-          </p:cNvSpPr>
-          <p:nvPr>
-            <p:ph type="sldNum" sz="quarter" idx="12"/>
-          </p:nvPr>
-        </p:nvSpPr>
-        <p:spPr/>
-        <p:txBody>
-          <a:bodyPr/>
-          <a:lstStyle/>
-          <a:p>
-            <a:fld id="{773E478D-9561-4C4E-917C-DA2D35FD197D}" type="slidenum">
-              <a:rPr lang="de-DE" smtClean="0"/>
-              <a:t>12</a:t>
-            </a:fld>
-            <a:endParaRPr lang="de-DE"/>
-          </a:p>
-        </p:txBody>
-      </p:sp>
-      <p:cxnSp>
-        <p:nvCxnSpPr>
-          <p:cNvPr id="10" name="Straight Connector 9">
-            <a:extLst>
-              <a:ext uri="{FF2B5EF4-FFF2-40B4-BE49-F238E27FC236}">
-                <a16:creationId xmlns:a16="http://schemas.microsoft.com/office/drawing/2014/main" id="{AC8FE49A-CB68-387E-C62E-08C6E8447F7D}"/>
-              </a:ext>
-            </a:extLst>
-          </p:cNvPr>
-          <p:cNvCxnSpPr/>
-          <p:nvPr/>
-        </p:nvCxnSpPr>
-        <p:spPr>
-          <a:xfrm>
-            <a:off x="111967" y="6375012"/>
-            <a:ext cx="11980506" cy="0"/>
-          </a:xfrm>
-          <a:prstGeom prst="line">
-            <a:avLst/>
-          </a:prstGeom>
-        </p:spPr>
-        <p:style>
-          <a:lnRef idx="3">
-            <a:schemeClr val="accent3"/>
-          </a:lnRef>
-          <a:fillRef idx="0">
-            <a:schemeClr val="accent3"/>
-          </a:fillRef>
-          <a:effectRef idx="2">
-            <a:schemeClr val="accent3"/>
-          </a:effectRef>
-          <a:fontRef idx="minor">
-            <a:schemeClr val="tx1"/>
-          </a:fontRef>
-        </p:style>
-      </p:cxnSp>
-      <p:cxnSp>
-        <p:nvCxnSpPr>
-          <p:cNvPr id="11" name="Straight Connector 10">
-            <a:extLst>
-              <a:ext uri="{FF2B5EF4-FFF2-40B4-BE49-F238E27FC236}">
-                <a16:creationId xmlns:a16="http://schemas.microsoft.com/office/drawing/2014/main" id="{AF920692-B7E7-2BE6-CF6A-3C184A647828}"/>
-              </a:ext>
-            </a:extLst>
-          </p:cNvPr>
-          <p:cNvCxnSpPr/>
-          <p:nvPr/>
-        </p:nvCxnSpPr>
-        <p:spPr>
-          <a:xfrm>
-            <a:off x="111967" y="901053"/>
-            <a:ext cx="11980506" cy="0"/>
-          </a:xfrm>
-          <a:prstGeom prst="line">
-            <a:avLst/>
-          </a:prstGeom>
-        </p:spPr>
-        <p:style>
-          <a:lnRef idx="3">
-            <a:schemeClr val="dk1"/>
-          </a:lnRef>
-          <a:fillRef idx="0">
-            <a:schemeClr val="dk1"/>
-          </a:fillRef>
-          <a:effectRef idx="2">
-            <a:schemeClr val="dk1"/>
-          </a:effectRef>
-          <a:fontRef idx="minor">
-            <a:schemeClr val="tx1"/>
-          </a:fontRef>
-        </p:style>
-      </p:cxnSp>
-      <mc:AlternateContent xmlns:mc="http://schemas.openxmlformats.org/markup-compatibility/2006">
-        <mc:Choice xmlns:a14="http://schemas.microsoft.com/office/drawing/2010/main" Requires="a14">
-          <p:sp>
-            <p:nvSpPr>
-              <p:cNvPr id="9" name="Content Placeholder 2">
-                <a:extLst>
-                  <a:ext uri="{FF2B5EF4-FFF2-40B4-BE49-F238E27FC236}">
-                    <a16:creationId xmlns:a16="http://schemas.microsoft.com/office/drawing/2014/main" id="{1390DE4D-0854-BE6E-BDD1-5AA7AB426A6B}"/>
-                  </a:ext>
-                </a:extLst>
-              </p:cNvPr>
-              <p:cNvSpPr>
-                <a:spLocks noGrp="1"/>
-              </p:cNvSpPr>
-              <p:nvPr>
-                <p:ph idx="1"/>
-              </p:nvPr>
-            </p:nvSpPr>
-            <p:spPr>
-              <a:xfrm>
-                <a:off x="597158" y="1003693"/>
-                <a:ext cx="11010123" cy="5733010"/>
-              </a:xfrm>
-            </p:spPr>
-            <p:txBody>
-              <a:bodyPr>
-                <a:normAutofit/>
-              </a:bodyPr>
-              <a:lstStyle/>
-              <a:p>
-                <a:pPr>
-                  <a:lnSpc>
-                    <a:spcPct val="120000"/>
-                  </a:lnSpc>
-                </a:pPr>
-                <a:r>
-                  <a:rPr lang="en-US" sz="2400" dirty="0"/>
-                  <a:t>For </a:t>
-                </a:r>
-                <a14:m>
-                  <m:oMath xmlns:m="http://schemas.openxmlformats.org/officeDocument/2006/math">
-                    <m:r>
-                      <a:rPr lang="en-US" sz="2400" b="0" i="1" smtClean="0">
-                        <a:latin typeface="Cambria Math" panose="02040503050406030204" pitchFamily="18" charset="0"/>
-                      </a:rPr>
-                      <m:t>𝑙</m:t>
-                    </m:r>
-                    <m:r>
-                      <a:rPr lang="en-US" sz="2400" b="0" i="1" smtClean="0">
-                        <a:latin typeface="Cambria Math" panose="02040503050406030204" pitchFamily="18" charset="0"/>
-                      </a:rPr>
-                      <m:t>=0, 1,…, </m:t>
-                    </m:r>
-                    <m:r>
-                      <a:rPr lang="en-US" sz="2400" b="0" i="1" smtClean="0">
-                        <a:latin typeface="Cambria Math" panose="02040503050406030204" pitchFamily="18" charset="0"/>
-                      </a:rPr>
-                      <m:t>𝐿</m:t>
-                    </m:r>
-                  </m:oMath>
-                </a14:m>
-                <a:r>
-                  <a:rPr lang="de-DE" sz="2400" dirty="0"/>
-                  <a:t>, </a:t>
-                </a:r>
-                <a:r>
-                  <a:rPr lang="de-DE" sz="2400" dirty="0" err="1"/>
-                  <a:t>denote</a:t>
-                </a:r>
-                <a:r>
-                  <a:rPr lang="de-DE" sz="2400" dirty="0"/>
-                  <a:t> </a:t>
-                </a:r>
-                <a14:m>
-                  <m:oMath xmlns:m="http://schemas.openxmlformats.org/officeDocument/2006/math">
-                    <m:sSub>
-                      <m:sSubPr>
-                        <m:ctrlPr>
-                          <a:rPr lang="en-US" sz="2400" i="1">
-                            <a:latin typeface="Cambria Math" panose="02040503050406030204" pitchFamily="18" charset="0"/>
-                          </a:rPr>
-                        </m:ctrlPr>
-                      </m:sSubPr>
-                      <m:e>
-                        <m:acc>
-                          <m:accPr>
-                            <m:chr m:val="̂"/>
-                            <m:ctrlPr>
-                              <a:rPr lang="en-US" sz="2400" i="1">
-                                <a:latin typeface="Cambria Math" panose="02040503050406030204" pitchFamily="18" charset="0"/>
-                              </a:rPr>
-                            </m:ctrlPr>
-                          </m:accPr>
-                          <m:e>
-                            <m:r>
-                              <a:rPr lang="en-US" sz="2400" i="1">
-                                <a:latin typeface="Cambria Math" panose="02040503050406030204" pitchFamily="18" charset="0"/>
-                              </a:rPr>
-                              <m:t>𝑆</m:t>
-                            </m:r>
-                          </m:e>
-                        </m:acc>
-                      </m:e>
-                      <m:sub>
-                        <m:r>
-                          <a:rPr lang="en-US" sz="2400" b="0" i="1" smtClean="0">
-                            <a:latin typeface="Cambria Math" panose="02040503050406030204" pitchFamily="18" charset="0"/>
-                          </a:rPr>
-                          <m:t>𝑙</m:t>
-                        </m:r>
-                        <m:r>
-                          <a:rPr lang="en-US" sz="2400" b="0" i="1" smtClean="0">
-                            <a:latin typeface="Cambria Math" panose="02040503050406030204" pitchFamily="18" charset="0"/>
-                          </a:rPr>
-                          <m:t>,   </m:t>
-                        </m:r>
-                        <m:r>
-                          <a:rPr lang="en-US" sz="2400" i="1">
-                            <a:latin typeface="Cambria Math" panose="02040503050406030204" pitchFamily="18" charset="0"/>
-                          </a:rPr>
-                          <m:t>𝑡</m:t>
-                        </m:r>
-                        <m:r>
-                          <a:rPr lang="en-US" sz="2400" i="1">
-                            <a:latin typeface="Cambria Math" panose="02040503050406030204" pitchFamily="18" charset="0"/>
-                          </a:rPr>
-                          <m:t> </m:t>
-                        </m:r>
-                      </m:sub>
-                    </m:sSub>
-                  </m:oMath>
-                </a14:m>
-                <a:r>
-                  <a:rPr lang="de-DE" sz="2400" dirty="0"/>
-                  <a:t> </a:t>
-                </a:r>
-                <a:r>
-                  <a:rPr lang="de-DE" sz="2400" dirty="0" err="1"/>
-                  <a:t>as</a:t>
-                </a:r>
-                <a:r>
-                  <a:rPr lang="de-DE" sz="2400" dirty="0"/>
-                  <a:t> an </a:t>
-                </a:r>
-                <a:r>
-                  <a:rPr lang="de-DE" sz="2400" dirty="0" err="1"/>
-                  <a:t>approximation</a:t>
-                </a:r>
-                <a:r>
-                  <a:rPr lang="de-DE" sz="2400" dirty="0"/>
-                  <a:t> </a:t>
-                </a:r>
-                <a:r>
-                  <a:rPr lang="de-DE" sz="2400" dirty="0" err="1"/>
-                  <a:t>to</a:t>
-                </a:r>
-                <a:r>
-                  <a:rPr lang="de-DE" sz="2400" dirty="0"/>
-                  <a:t> </a:t>
-                </a:r>
-                <a14:m>
-                  <m:oMath xmlns:m="http://schemas.openxmlformats.org/officeDocument/2006/math">
-                    <m:sSub>
-                      <m:sSubPr>
-                        <m:ctrlPr>
-                          <a:rPr lang="en-US" sz="2400" i="1">
-                            <a:latin typeface="Cambria Math" panose="02040503050406030204" pitchFamily="18" charset="0"/>
-                          </a:rPr>
-                        </m:ctrlPr>
-                      </m:sSubPr>
-                      <m:e>
-                        <m:r>
-                          <a:rPr lang="en-US" sz="2400" b="0" i="1" smtClean="0">
-                            <a:latin typeface="Cambria Math" panose="02040503050406030204" pitchFamily="18" charset="0"/>
-                          </a:rPr>
-                          <m:t>𝑆</m:t>
-                        </m:r>
-                      </m:e>
-                      <m:sub>
-                        <m:r>
-                          <a:rPr lang="en-US" sz="2400" i="1">
-                            <a:latin typeface="Cambria Math" panose="02040503050406030204" pitchFamily="18" charset="0"/>
-                          </a:rPr>
-                          <m:t>𝑡</m:t>
-                        </m:r>
-                        <m:r>
-                          <a:rPr lang="en-US" sz="2400" i="1">
-                            <a:latin typeface="Cambria Math" panose="02040503050406030204" pitchFamily="18" charset="0"/>
-                          </a:rPr>
-                          <m:t> </m:t>
-                        </m:r>
-                      </m:sub>
-                    </m:sSub>
-                  </m:oMath>
-                </a14:m>
-                <a:r>
-                  <a:rPr lang="de-DE" sz="2400" dirty="0" err="1"/>
-                  <a:t>using</a:t>
-                </a:r>
-                <a:r>
-                  <a:rPr lang="de-DE" sz="2400" dirty="0"/>
-                  <a:t> </a:t>
-                </a:r>
-                <a14:m>
-                  <m:oMath xmlns:m="http://schemas.openxmlformats.org/officeDocument/2006/math">
-                    <m:sSub>
-                      <m:sSubPr>
-                        <m:ctrlPr>
-                          <a:rPr lang="de-DE" sz="2400" i="1" smtClean="0">
-                            <a:latin typeface="Cambria Math" panose="02040503050406030204" pitchFamily="18" charset="0"/>
-                          </a:rPr>
-                        </m:ctrlPr>
-                      </m:sSubPr>
-                      <m:e>
-                        <m:r>
-                          <a:rPr lang="de-DE" sz="2400" i="1" smtClean="0">
-                            <a:latin typeface="Cambria Math" panose="02040503050406030204" pitchFamily="18" charset="0"/>
-                            <a:ea typeface="Cambria Math" panose="02040503050406030204" pitchFamily="18" charset="0"/>
-                          </a:rPr>
-                          <m:t>𝜏</m:t>
-                        </m:r>
-                      </m:e>
-                      <m:sub>
-                        <m:r>
-                          <a:rPr lang="en-US" sz="2400" b="0" i="1" smtClean="0">
-                            <a:latin typeface="Cambria Math" panose="02040503050406030204" pitchFamily="18" charset="0"/>
-                          </a:rPr>
-                          <m:t>𝑙</m:t>
-                        </m:r>
-                      </m:sub>
-                    </m:sSub>
-                    <m:r>
-                      <a:rPr lang="de-DE" sz="2400" i="1" smtClean="0">
-                        <a:latin typeface="Cambria Math" panose="02040503050406030204" pitchFamily="18" charset="0"/>
-                        <a:ea typeface="Cambria Math" panose="02040503050406030204" pitchFamily="18" charset="0"/>
-                      </a:rPr>
-                      <m:t>∝</m:t>
-                    </m:r>
-                    <m:r>
-                      <a:rPr lang="en-US" sz="2400" b="0" i="1" smtClean="0">
-                        <a:latin typeface="Cambria Math" panose="02040503050406030204" pitchFamily="18" charset="0"/>
-                        <a:ea typeface="Cambria Math" panose="02040503050406030204" pitchFamily="18" charset="0"/>
-                      </a:rPr>
-                      <m:t> </m:t>
-                    </m:r>
-                    <m:sSup>
-                      <m:sSupPr>
-                        <m:ctrlPr>
-                          <a:rPr lang="en-US" sz="2400" b="0" i="1" smtClean="0">
-                            <a:latin typeface="Cambria Math" panose="02040503050406030204" pitchFamily="18" charset="0"/>
-                            <a:ea typeface="Cambria Math" panose="02040503050406030204" pitchFamily="18" charset="0"/>
-                          </a:rPr>
-                        </m:ctrlPr>
-                      </m:sSupPr>
-                      <m:e>
-                        <m:r>
-                          <a:rPr lang="en-US" sz="2400" b="0" i="1" smtClean="0">
-                            <a:latin typeface="Cambria Math" panose="02040503050406030204" pitchFamily="18" charset="0"/>
-                            <a:ea typeface="Cambria Math" panose="02040503050406030204" pitchFamily="18" charset="0"/>
-                          </a:rPr>
-                          <m:t>𝑚</m:t>
-                        </m:r>
-                      </m:e>
-                      <m:sup>
-                        <m:r>
-                          <a:rPr lang="en-US" sz="2400" b="0" i="1" smtClean="0">
-                            <a:latin typeface="Cambria Math" panose="02040503050406030204" pitchFamily="18" charset="0"/>
-                            <a:ea typeface="Cambria Math" panose="02040503050406030204" pitchFamily="18" charset="0"/>
-                          </a:rPr>
-                          <m:t>−</m:t>
-                        </m:r>
-                        <m:r>
-                          <a:rPr lang="en-US" sz="2400" b="0" i="1" smtClean="0">
-                            <a:latin typeface="Cambria Math" panose="02040503050406030204" pitchFamily="18" charset="0"/>
-                            <a:ea typeface="Cambria Math" panose="02040503050406030204" pitchFamily="18" charset="0"/>
-                          </a:rPr>
-                          <m:t>𝑙</m:t>
-                        </m:r>
-                      </m:sup>
-                    </m:sSup>
-                  </m:oMath>
-                </a14:m>
-                <a:r>
-                  <a:rPr lang="de-DE" sz="2400" dirty="0"/>
-                  <a:t>.</a:t>
-                </a:r>
-              </a:p>
-              <a:p>
-                <a:pPr marL="0" indent="0">
-                  <a:lnSpc>
-                    <a:spcPct val="120000"/>
-                  </a:lnSpc>
-                  <a:buNone/>
-                </a:pPr>
-                <a:r>
-                  <a:rPr lang="de-DE" dirty="0"/>
-                  <a:t> </a:t>
-                </a:r>
-              </a:p>
-            </p:txBody>
-          </p:sp>
-        </mc:Choice>
-        <mc:Fallback>
-          <p:sp>
-            <p:nvSpPr>
-              <p:cNvPr id="9" name="Content Placeholder 2">
-                <a:extLst>
-                  <a:ext uri="{FF2B5EF4-FFF2-40B4-BE49-F238E27FC236}">
-                    <a16:creationId xmlns:a16="http://schemas.microsoft.com/office/drawing/2014/main" id="{1390DE4D-0854-BE6E-BDD1-5AA7AB426A6B}"/>
-                  </a:ext>
-                </a:extLst>
-              </p:cNvPr>
-              <p:cNvSpPr>
-                <a:spLocks noGrp="1" noRot="1" noChangeAspect="1" noMove="1" noResize="1" noEditPoints="1" noAdjustHandles="1" noChangeArrowheads="1" noChangeShapeType="1" noTextEdit="1"/>
-              </p:cNvSpPr>
-              <p:nvPr>
-                <p:ph idx="1"/>
-              </p:nvPr>
-            </p:nvSpPr>
-            <p:spPr>
-              <a:xfrm>
-                <a:off x="597158" y="1003693"/>
-                <a:ext cx="11010123" cy="5733010"/>
-              </a:xfrm>
-              <a:blipFill>
-                <a:blip r:embed="rId2"/>
-                <a:stretch>
-                  <a:fillRect l="-1163"/>
-                </a:stretch>
-              </a:blipFill>
-            </p:spPr>
-            <p:txBody>
-              <a:bodyPr/>
-              <a:lstStyle/>
-              <a:p>
-                <a:r>
-                  <a:rPr lang="de-DE">
-                    <a:noFill/>
-                  </a:rPr>
-                  <a:t> </a:t>
-                </a:r>
-              </a:p>
-            </p:txBody>
-          </p:sp>
-        </mc:Fallback>
-      </mc:AlternateContent>
-      <p:pic>
-        <p:nvPicPr>
-          <p:cNvPr id="6" name="Picture 5">
-            <a:extLst>
-              <a:ext uri="{FF2B5EF4-FFF2-40B4-BE49-F238E27FC236}">
-                <a16:creationId xmlns:a16="http://schemas.microsoft.com/office/drawing/2014/main" id="{EFE7946B-776F-206D-5570-C1F1A00BFFC4}"/>
-              </a:ext>
-            </a:extLst>
-          </p:cNvPr>
-          <p:cNvPicPr>
-            <a:picLocks noChangeAspect="1"/>
-          </p:cNvPicPr>
-          <p:nvPr/>
-        </p:nvPicPr>
-        <p:blipFill>
-          <a:blip r:embed="rId3"/>
-          <a:stretch>
-            <a:fillRect/>
-          </a:stretch>
-        </p:blipFill>
-        <p:spPr>
-          <a:xfrm>
-            <a:off x="3202850" y="1556011"/>
-            <a:ext cx="5786300" cy="4800339"/>
-          </a:xfrm>
-          <a:prstGeom prst="rect">
-            <a:avLst/>
-          </a:prstGeom>
-        </p:spPr>
-      </p:pic>
-    </p:spTree>
-    <p:extLst>
-      <p:ext uri="{BB962C8B-B14F-4D97-AF65-F5344CB8AC3E}">
-        <p14:creationId xmlns:p14="http://schemas.microsoft.com/office/powerpoint/2010/main" val="533525859"/>
-      </p:ext>
-    </p:extLst>
-  </p:cSld>
-  <p:clrMapOvr>
-    <a:masterClrMapping/>
-  </p:clrMapOvr>
-</p:sld>
-</file>
-
 <file path=ppt/slides/slide13.xml><?xml version="1.0" encoding="utf-8"?>
 <p:sld xmlns:a="http://schemas.openxmlformats.org/drawingml/2006/main" xmlns:r="http://schemas.openxmlformats.org/officeDocument/2006/relationships" xmlns:p="http://schemas.openxmlformats.org/presentationml/2006/main">
   <p:cSld>
@@ -9400,57 +10738,358 @@
           </a:fontRef>
         </p:style>
       </p:cxnSp>
-      <p:sp>
-        <p:nvSpPr>
-          <p:cNvPr id="9" name="Content Placeholder 2">
+      <mc:AlternateContent xmlns:mc="http://schemas.openxmlformats.org/markup-compatibility/2006" xmlns:a14="http://schemas.microsoft.com/office/drawing/2010/main">
+        <mc:Choice Requires="a14">
+          <p:sp>
+            <p:nvSpPr>
+              <p:cNvPr id="9" name="Content Placeholder 2">
+                <a:extLst>
+                  <a:ext uri="{FF2B5EF4-FFF2-40B4-BE49-F238E27FC236}">
+                    <a16:creationId xmlns:a16="http://schemas.microsoft.com/office/drawing/2014/main" id="{1390DE4D-0854-BE6E-BDD1-5AA7AB426A6B}"/>
+                  </a:ext>
+                </a:extLst>
+              </p:cNvPr>
+              <p:cNvSpPr>
+                <a:spLocks noGrp="1"/>
+              </p:cNvSpPr>
+              <p:nvPr>
+                <p:ph idx="1"/>
+              </p:nvPr>
+            </p:nvSpPr>
+            <p:spPr>
+              <a:xfrm>
+                <a:off x="597158" y="1003693"/>
+                <a:ext cx="11010123" cy="5733010"/>
+              </a:xfrm>
+            </p:spPr>
+            <p:txBody>
+              <a:bodyPr>
+                <a:normAutofit/>
+              </a:bodyPr>
+              <a:lstStyle/>
+              <a:p>
+                <a:pPr>
+                  <a:lnSpc>
+                    <a:spcPct val="120000"/>
+                  </a:lnSpc>
+                </a:pPr>
+                <a:r>
+                  <a:rPr lang="en-US" sz="2400" dirty="0"/>
+                  <a:t>For </a:t>
+                </a:r>
+                <a14:m>
+                  <m:oMath xmlns:m="http://schemas.openxmlformats.org/officeDocument/2006/math">
+                    <m:r>
+                      <a:rPr lang="en-US" sz="2400" b="0" i="1" smtClean="0">
+                        <a:latin typeface="Cambria Math" panose="02040503050406030204" pitchFamily="18" charset="0"/>
+                      </a:rPr>
+                      <m:t>𝑙</m:t>
+                    </m:r>
+                    <m:r>
+                      <a:rPr lang="en-US" sz="2400" b="0" i="1" smtClean="0">
+                        <a:latin typeface="Cambria Math" panose="02040503050406030204" pitchFamily="18" charset="0"/>
+                      </a:rPr>
+                      <m:t>=0, 1,…, </m:t>
+                    </m:r>
+                    <m:r>
+                      <a:rPr lang="en-US" sz="2400" b="0" i="1" smtClean="0">
+                        <a:latin typeface="Cambria Math" panose="02040503050406030204" pitchFamily="18" charset="0"/>
+                      </a:rPr>
+                      <m:t>𝐿</m:t>
+                    </m:r>
+                  </m:oMath>
+                </a14:m>
+                <a:r>
+                  <a:rPr lang="de-DE" sz="2400" dirty="0"/>
+                  <a:t>, </a:t>
+                </a:r>
+                <a:r>
+                  <a:rPr lang="de-DE" sz="2400" dirty="0" err="1"/>
+                  <a:t>denote</a:t>
+                </a:r>
+                <a:r>
+                  <a:rPr lang="de-DE" sz="2400" dirty="0"/>
+                  <a:t> </a:t>
+                </a:r>
+                <a14:m>
+                  <m:oMath xmlns:m="http://schemas.openxmlformats.org/officeDocument/2006/math">
+                    <m:sSub>
+                      <m:sSubPr>
+                        <m:ctrlPr>
+                          <a:rPr lang="en-US" sz="2400" i="1">
+                            <a:latin typeface="Cambria Math" panose="02040503050406030204" pitchFamily="18" charset="0"/>
+                          </a:rPr>
+                        </m:ctrlPr>
+                      </m:sSubPr>
+                      <m:e>
+                        <m:acc>
+                          <m:accPr>
+                            <m:chr m:val="̂"/>
+                            <m:ctrlPr>
+                              <a:rPr lang="en-US" sz="2400" i="1">
+                                <a:latin typeface="Cambria Math" panose="02040503050406030204" pitchFamily="18" charset="0"/>
+                              </a:rPr>
+                            </m:ctrlPr>
+                          </m:accPr>
+                          <m:e>
+                            <m:r>
+                              <a:rPr lang="en-US" sz="2400" i="1">
+                                <a:latin typeface="Cambria Math" panose="02040503050406030204" pitchFamily="18" charset="0"/>
+                              </a:rPr>
+                              <m:t>𝑆</m:t>
+                            </m:r>
+                          </m:e>
+                        </m:acc>
+                      </m:e>
+                      <m:sub>
+                        <m:r>
+                          <a:rPr lang="en-US" sz="2400" b="0" i="1" smtClean="0">
+                            <a:latin typeface="Cambria Math" panose="02040503050406030204" pitchFamily="18" charset="0"/>
+                          </a:rPr>
+                          <m:t>𝑙</m:t>
+                        </m:r>
+                        <m:r>
+                          <a:rPr lang="en-US" sz="2400" b="0" i="1" smtClean="0">
+                            <a:latin typeface="Cambria Math" panose="02040503050406030204" pitchFamily="18" charset="0"/>
+                          </a:rPr>
+                          <m:t>,   </m:t>
+                        </m:r>
+                        <m:r>
+                          <a:rPr lang="en-US" sz="2400" i="1">
+                            <a:latin typeface="Cambria Math" panose="02040503050406030204" pitchFamily="18" charset="0"/>
+                          </a:rPr>
+                          <m:t>𝑡</m:t>
+                        </m:r>
+                        <m:r>
+                          <a:rPr lang="en-US" sz="2400" i="1">
+                            <a:latin typeface="Cambria Math" panose="02040503050406030204" pitchFamily="18" charset="0"/>
+                          </a:rPr>
+                          <m:t> </m:t>
+                        </m:r>
+                      </m:sub>
+                    </m:sSub>
+                  </m:oMath>
+                </a14:m>
+                <a:r>
+                  <a:rPr lang="de-DE" sz="2400" dirty="0"/>
+                  <a:t> </a:t>
+                </a:r>
+                <a:r>
+                  <a:rPr lang="de-DE" sz="2400" dirty="0" err="1"/>
+                  <a:t>as</a:t>
+                </a:r>
+                <a:r>
+                  <a:rPr lang="de-DE" sz="2400" dirty="0"/>
+                  <a:t> an </a:t>
+                </a:r>
+                <a:r>
+                  <a:rPr lang="de-DE" sz="2400" dirty="0" err="1"/>
+                  <a:t>approximation</a:t>
+                </a:r>
+                <a:r>
+                  <a:rPr lang="de-DE" sz="2400" dirty="0"/>
+                  <a:t> </a:t>
+                </a:r>
+                <a:r>
+                  <a:rPr lang="de-DE" sz="2400" dirty="0" err="1"/>
+                  <a:t>to</a:t>
+                </a:r>
+                <a:r>
+                  <a:rPr lang="de-DE" sz="2400" dirty="0"/>
+                  <a:t> </a:t>
+                </a:r>
+                <a14:m>
+                  <m:oMath xmlns:m="http://schemas.openxmlformats.org/officeDocument/2006/math">
+                    <m:sSub>
+                      <m:sSubPr>
+                        <m:ctrlPr>
+                          <a:rPr lang="en-US" sz="2400" i="1">
+                            <a:latin typeface="Cambria Math" panose="02040503050406030204" pitchFamily="18" charset="0"/>
+                          </a:rPr>
+                        </m:ctrlPr>
+                      </m:sSubPr>
+                      <m:e>
+                        <m:r>
+                          <a:rPr lang="en-US" sz="2400" b="0" i="1" smtClean="0">
+                            <a:latin typeface="Cambria Math" panose="02040503050406030204" pitchFamily="18" charset="0"/>
+                          </a:rPr>
+                          <m:t>𝑆</m:t>
+                        </m:r>
+                      </m:e>
+                      <m:sub>
+                        <m:r>
+                          <a:rPr lang="en-US" sz="2400" i="1">
+                            <a:latin typeface="Cambria Math" panose="02040503050406030204" pitchFamily="18" charset="0"/>
+                          </a:rPr>
+                          <m:t>𝑡</m:t>
+                        </m:r>
+                        <m:r>
+                          <a:rPr lang="en-US" sz="2400" i="1">
+                            <a:latin typeface="Cambria Math" panose="02040503050406030204" pitchFamily="18" charset="0"/>
+                          </a:rPr>
+                          <m:t> </m:t>
+                        </m:r>
+                      </m:sub>
+                    </m:sSub>
+                  </m:oMath>
+                </a14:m>
+                <a:r>
+                  <a:rPr lang="de-DE" sz="2400" dirty="0" err="1"/>
+                  <a:t>using</a:t>
+                </a:r>
+                <a:r>
+                  <a:rPr lang="de-DE" sz="2400" dirty="0"/>
+                  <a:t> </a:t>
+                </a:r>
+                <a14:m>
+                  <m:oMath xmlns:m="http://schemas.openxmlformats.org/officeDocument/2006/math">
+                    <m:sSub>
+                      <m:sSubPr>
+                        <m:ctrlPr>
+                          <a:rPr lang="de-DE" sz="2400" i="1" smtClean="0">
+                            <a:latin typeface="Cambria Math" panose="02040503050406030204" pitchFamily="18" charset="0"/>
+                          </a:rPr>
+                        </m:ctrlPr>
+                      </m:sSubPr>
+                      <m:e>
+                        <m:r>
+                          <a:rPr lang="de-DE" sz="2400" i="1" smtClean="0">
+                            <a:latin typeface="Cambria Math" panose="02040503050406030204" pitchFamily="18" charset="0"/>
+                            <a:ea typeface="Cambria Math" panose="02040503050406030204" pitchFamily="18" charset="0"/>
+                          </a:rPr>
+                          <m:t>𝜏</m:t>
+                        </m:r>
+                      </m:e>
+                      <m:sub>
+                        <m:r>
+                          <a:rPr lang="en-US" sz="2400" b="0" i="1" smtClean="0">
+                            <a:latin typeface="Cambria Math" panose="02040503050406030204" pitchFamily="18" charset="0"/>
+                          </a:rPr>
+                          <m:t>𝑙</m:t>
+                        </m:r>
+                      </m:sub>
+                    </m:sSub>
+                    <m:r>
+                      <a:rPr lang="de-DE" sz="2400" i="1" smtClean="0">
+                        <a:latin typeface="Cambria Math" panose="02040503050406030204" pitchFamily="18" charset="0"/>
+                        <a:ea typeface="Cambria Math" panose="02040503050406030204" pitchFamily="18" charset="0"/>
+                      </a:rPr>
+                      <m:t>∝</m:t>
+                    </m:r>
+                    <m:r>
+                      <a:rPr lang="en-US" sz="2400" b="0" i="1" smtClean="0">
+                        <a:latin typeface="Cambria Math" panose="02040503050406030204" pitchFamily="18" charset="0"/>
+                        <a:ea typeface="Cambria Math" panose="02040503050406030204" pitchFamily="18" charset="0"/>
+                      </a:rPr>
+                      <m:t> </m:t>
+                    </m:r>
+                    <m:sSup>
+                      <m:sSupPr>
+                        <m:ctrlPr>
+                          <a:rPr lang="en-US" sz="2400" b="0" i="1" smtClean="0">
+                            <a:latin typeface="Cambria Math" panose="02040503050406030204" pitchFamily="18" charset="0"/>
+                            <a:ea typeface="Cambria Math" panose="02040503050406030204" pitchFamily="18" charset="0"/>
+                          </a:rPr>
+                        </m:ctrlPr>
+                      </m:sSupPr>
+                      <m:e>
+                        <m:r>
+                          <a:rPr lang="en-US" sz="2400" b="0" i="1" smtClean="0">
+                            <a:latin typeface="Cambria Math" panose="02040503050406030204" pitchFamily="18" charset="0"/>
+                            <a:ea typeface="Cambria Math" panose="02040503050406030204" pitchFamily="18" charset="0"/>
+                          </a:rPr>
+                          <m:t>𝑚</m:t>
+                        </m:r>
+                      </m:e>
+                      <m:sup>
+                        <m:r>
+                          <a:rPr lang="en-US" sz="2400" b="0" i="1" smtClean="0">
+                            <a:latin typeface="Cambria Math" panose="02040503050406030204" pitchFamily="18" charset="0"/>
+                            <a:ea typeface="Cambria Math" panose="02040503050406030204" pitchFamily="18" charset="0"/>
+                          </a:rPr>
+                          <m:t>−</m:t>
+                        </m:r>
+                        <m:r>
+                          <a:rPr lang="en-US" sz="2400" b="0" i="1" smtClean="0">
+                            <a:latin typeface="Cambria Math" panose="02040503050406030204" pitchFamily="18" charset="0"/>
+                            <a:ea typeface="Cambria Math" panose="02040503050406030204" pitchFamily="18" charset="0"/>
+                          </a:rPr>
+                          <m:t>𝑙</m:t>
+                        </m:r>
+                      </m:sup>
+                    </m:sSup>
+                  </m:oMath>
+                </a14:m>
+                <a:r>
+                  <a:rPr lang="de-DE" sz="2400" dirty="0"/>
+                  <a:t>.</a:t>
+                </a:r>
+              </a:p>
+              <a:p>
+                <a:pPr marL="0" indent="0">
+                  <a:lnSpc>
+                    <a:spcPct val="120000"/>
+                  </a:lnSpc>
+                  <a:buNone/>
+                </a:pPr>
+                <a:r>
+                  <a:rPr lang="de-DE" dirty="0"/>
+                  <a:t> </a:t>
+                </a:r>
+              </a:p>
+            </p:txBody>
+          </p:sp>
+        </mc:Choice>
+        <mc:Fallback xmlns="">
+          <p:sp>
+            <p:nvSpPr>
+              <p:cNvPr id="9" name="Content Placeholder 2">
+                <a:extLst>
+                  <a:ext uri="{FF2B5EF4-FFF2-40B4-BE49-F238E27FC236}">
+                    <a16:creationId xmlns:a16="http://schemas.microsoft.com/office/drawing/2014/main" id="{1390DE4D-0854-BE6E-BDD1-5AA7AB426A6B}"/>
+                  </a:ext>
+                </a:extLst>
+              </p:cNvPr>
+              <p:cNvSpPr>
+                <a:spLocks noGrp="1" noRot="1" noChangeAspect="1" noMove="1" noResize="1" noEditPoints="1" noAdjustHandles="1" noChangeArrowheads="1" noChangeShapeType="1" noTextEdit="1"/>
+              </p:cNvSpPr>
+              <p:nvPr>
+                <p:ph idx="1"/>
+              </p:nvPr>
+            </p:nvSpPr>
+            <p:spPr>
+              <a:xfrm>
+                <a:off x="597158" y="1003693"/>
+                <a:ext cx="11010123" cy="5733010"/>
+              </a:xfrm>
+              <a:blipFill>
+                <a:blip r:embed="rId2"/>
+                <a:stretch>
+                  <a:fillRect l="-1163"/>
+                </a:stretch>
+              </a:blipFill>
+            </p:spPr>
+            <p:txBody>
+              <a:bodyPr/>
+              <a:lstStyle/>
+              <a:p>
+                <a:r>
+                  <a:rPr lang="de-DE">
+                    <a:noFill/>
+                  </a:rPr>
+                  <a:t> </a:t>
+                </a:r>
+              </a:p>
+            </p:txBody>
+          </p:sp>
+        </mc:Fallback>
+      </mc:AlternateContent>
+      <p:pic>
+        <p:nvPicPr>
+          <p:cNvPr id="6" name="Picture 5">
             <a:extLst>
               <a:ext uri="{FF2B5EF4-FFF2-40B4-BE49-F238E27FC236}">
-                <a16:creationId xmlns:a16="http://schemas.microsoft.com/office/drawing/2014/main" id="{1390DE4D-0854-BE6E-BDD1-5AA7AB426A6B}"/>
-              </a:ext>
-            </a:extLst>
-          </p:cNvPr>
-          <p:cNvSpPr>
-            <a:spLocks noGrp="1"/>
-          </p:cNvSpPr>
-          <p:nvPr>
-            <p:ph idx="1"/>
-          </p:nvPr>
-        </p:nvSpPr>
-        <p:spPr>
-          <a:xfrm>
-            <a:off x="597158" y="1003693"/>
-            <a:ext cx="11010123" cy="5733010"/>
-          </a:xfrm>
-        </p:spPr>
-        <p:txBody>
-          <a:bodyPr>
-            <a:normAutofit/>
-          </a:bodyPr>
-          <a:lstStyle/>
-          <a:p>
-            <a:pPr>
-              <a:lnSpc>
-                <a:spcPct val="120000"/>
-              </a:lnSpc>
-            </a:pPr>
-            <a:endParaRPr lang="de-DE" sz="2400" dirty="0"/>
-          </a:p>
-          <a:p>
-            <a:pPr>
-              <a:lnSpc>
-                <a:spcPct val="120000"/>
-              </a:lnSpc>
-            </a:pPr>
-            <a:endParaRPr lang="de-DE" sz="2400" dirty="0"/>
-          </a:p>
-        </p:txBody>
-      </p:sp>
-      <p:pic>
-        <p:nvPicPr>
-          <p:cNvPr id="14" name="Picture 13" descr="Chart, line chart&#10;&#10;Description automatically generated">
-            <a:extLst>
-              <a:ext uri="{FF2B5EF4-FFF2-40B4-BE49-F238E27FC236}">
-                <a16:creationId xmlns:a16="http://schemas.microsoft.com/office/drawing/2014/main" id="{B5434F5D-21EA-38A9-D8F3-E0D71817BC27}"/>
+                <a16:creationId xmlns:a16="http://schemas.microsoft.com/office/drawing/2014/main" id="{EFE7946B-776F-206D-5570-C1F1A00BFFC4}"/>
               </a:ext>
             </a:extLst>
           </p:cNvPr>
@@ -9460,21 +11099,15 @@
           <p:nvPr/>
         </p:nvPicPr>
         <p:blipFill>
-          <a:blip r:embed="rId2">
-            <a:extLst>
-              <a:ext uri="{28A0092B-C50C-407E-A947-70E740481C1C}">
-                <a14:useLocalDpi xmlns:a14="http://schemas.microsoft.com/office/drawing/2010/main" val="0"/>
-              </a:ext>
-            </a:extLst>
-          </a:blip>
+          <a:blip r:embed="rId3"/>
           <a:stretch>
             <a:fillRect/>
           </a:stretch>
         </p:blipFill>
         <p:spPr>
           <a:xfrm>
-            <a:off x="2307771" y="934099"/>
-            <a:ext cx="7576458" cy="5422251"/>
+            <a:off x="3202850" y="1556011"/>
+            <a:ext cx="5786300" cy="4800339"/>
           </a:xfrm>
           <a:prstGeom prst="rect">
             <a:avLst/>
@@ -9484,7 +11117,7 @@
     </p:spTree>
     <p:extLst>
       <p:ext uri="{BB962C8B-B14F-4D97-AF65-F5344CB8AC3E}">
-        <p14:creationId xmlns:p14="http://schemas.microsoft.com/office/powerpoint/2010/main" val="1948130379"/>
+        <p14:creationId xmlns:p14="http://schemas.microsoft.com/office/powerpoint/2010/main" val="533525859"/>
       </p:ext>
     </p:extLst>
   </p:cSld>
@@ -9744,10 +11377,10 @@
       </p:sp>
       <p:pic>
         <p:nvPicPr>
-          <p:cNvPr id="6" name="Picture 5">
+          <p:cNvPr id="14" name="Picture 13" descr="Chart, line chart&#10;&#10;Description automatically generated">
             <a:extLst>
               <a:ext uri="{FF2B5EF4-FFF2-40B4-BE49-F238E27FC236}">
-                <a16:creationId xmlns:a16="http://schemas.microsoft.com/office/drawing/2014/main" id="{716DC044-2177-BD5A-5821-ED59D6CE2182}"/>
+                <a16:creationId xmlns:a16="http://schemas.microsoft.com/office/drawing/2014/main" id="{B5434F5D-21EA-38A9-D8F3-E0D71817BC27}"/>
               </a:ext>
             </a:extLst>
           </p:cNvPr>
@@ -9757,15 +11390,21 @@
           <p:nvPr/>
         </p:nvPicPr>
         <p:blipFill>
-          <a:blip r:embed="rId2"/>
+          <a:blip r:embed="rId2">
+            <a:extLst>
+              <a:ext uri="{28A0092B-C50C-407E-A947-70E740481C1C}">
+                <a14:useLocalDpi xmlns:a14="http://schemas.microsoft.com/office/drawing/2010/main" val="0"/>
+              </a:ext>
+            </a:extLst>
+          </a:blip>
           <a:stretch>
             <a:fillRect/>
           </a:stretch>
         </p:blipFill>
         <p:spPr>
           <a:xfrm>
-            <a:off x="2591765" y="972018"/>
-            <a:ext cx="7008470" cy="5375001"/>
+            <a:off x="2307771" y="934099"/>
+            <a:ext cx="7576458" cy="5422251"/>
           </a:xfrm>
           <a:prstGeom prst="rect">
             <a:avLst/>
@@ -9775,7 +11414,7 @@
     </p:spTree>
     <p:extLst>
       <p:ext uri="{BB962C8B-B14F-4D97-AF65-F5344CB8AC3E}">
-        <p14:creationId xmlns:p14="http://schemas.microsoft.com/office/powerpoint/2010/main" val="384705966"/>
+        <p14:creationId xmlns:p14="http://schemas.microsoft.com/office/powerpoint/2010/main" val="1948130379"/>
       </p:ext>
     </p:extLst>
   </p:cSld>
@@ -9847,7 +11486,7 @@
                   </a:schemeClr>
                 </a:solidFill>
               </a:rPr>
-              <a:t>Variance Reduction and Optimal Sample Sizes</a:t>
+              <a:t>Key Idea: Multilevel Telescoping Sum</a:t>
             </a:r>
             <a:endParaRPr lang="de-DE" sz="4000" dirty="0">
               <a:solidFill>
@@ -9988,6 +11627,297 @@
           </a:fontRef>
         </p:style>
       </p:cxnSp>
+      <p:sp>
+        <p:nvSpPr>
+          <p:cNvPr id="9" name="Content Placeholder 2">
+            <a:extLst>
+              <a:ext uri="{FF2B5EF4-FFF2-40B4-BE49-F238E27FC236}">
+                <a16:creationId xmlns:a16="http://schemas.microsoft.com/office/drawing/2014/main" id="{1390DE4D-0854-BE6E-BDD1-5AA7AB426A6B}"/>
+              </a:ext>
+            </a:extLst>
+          </p:cNvPr>
+          <p:cNvSpPr>
+            <a:spLocks noGrp="1"/>
+          </p:cNvSpPr>
+          <p:nvPr>
+            <p:ph idx="1"/>
+          </p:nvPr>
+        </p:nvSpPr>
+        <p:spPr>
+          <a:xfrm>
+            <a:off x="597158" y="1003693"/>
+            <a:ext cx="11010123" cy="5733010"/>
+          </a:xfrm>
+        </p:spPr>
+        <p:txBody>
+          <a:bodyPr>
+            <a:normAutofit/>
+          </a:bodyPr>
+          <a:lstStyle/>
+          <a:p>
+            <a:pPr>
+              <a:lnSpc>
+                <a:spcPct val="120000"/>
+              </a:lnSpc>
+            </a:pPr>
+            <a:endParaRPr lang="de-DE" sz="2400" dirty="0"/>
+          </a:p>
+          <a:p>
+            <a:pPr>
+              <a:lnSpc>
+                <a:spcPct val="120000"/>
+              </a:lnSpc>
+            </a:pPr>
+            <a:endParaRPr lang="de-DE" sz="2400" dirty="0"/>
+          </a:p>
+        </p:txBody>
+      </p:sp>
+      <p:pic>
+        <p:nvPicPr>
+          <p:cNvPr id="12" name="Picture 11">
+            <a:extLst>
+              <a:ext uri="{FF2B5EF4-FFF2-40B4-BE49-F238E27FC236}">
+                <a16:creationId xmlns:a16="http://schemas.microsoft.com/office/drawing/2014/main" id="{2AB10294-CB2F-F0C9-5AFA-97BDCF4488D9}"/>
+              </a:ext>
+            </a:extLst>
+          </p:cNvPr>
+          <p:cNvPicPr>
+            <a:picLocks noChangeAspect="1"/>
+          </p:cNvPicPr>
+          <p:nvPr/>
+        </p:nvPicPr>
+        <p:blipFill>
+          <a:blip r:embed="rId2"/>
+          <a:stretch>
+            <a:fillRect/>
+          </a:stretch>
+        </p:blipFill>
+        <p:spPr>
+          <a:xfrm>
+            <a:off x="2590800" y="966884"/>
+            <a:ext cx="7010400" cy="5372100"/>
+          </a:xfrm>
+          <a:prstGeom prst="rect">
+            <a:avLst/>
+          </a:prstGeom>
+        </p:spPr>
+      </p:pic>
+    </p:spTree>
+    <p:extLst>
+      <p:ext uri="{BB962C8B-B14F-4D97-AF65-F5344CB8AC3E}">
+        <p14:creationId xmlns:p14="http://schemas.microsoft.com/office/powerpoint/2010/main" val="384705966"/>
+      </p:ext>
+    </p:extLst>
+  </p:cSld>
+  <p:clrMapOvr>
+    <a:masterClrMapping/>
+  </p:clrMapOvr>
+</p:sld>
+</file>
+
+<file path=ppt/slides/slide16.xml><?xml version="1.0" encoding="utf-8"?>
+<p:sld xmlns:a="http://schemas.openxmlformats.org/drawingml/2006/main" xmlns:r="http://schemas.openxmlformats.org/officeDocument/2006/relationships" xmlns:p="http://schemas.openxmlformats.org/presentationml/2006/main">
+  <p:cSld>
+    <p:bg>
+      <p:bgPr>
+        <a:solidFill>
+          <a:schemeClr val="bg1"/>
+        </a:solidFill>
+        <a:effectLst/>
+      </p:bgPr>
+    </p:bg>
+    <p:spTree>
+      <p:nvGrpSpPr>
+        <p:cNvPr id="1" name=""/>
+        <p:cNvGrpSpPr/>
+        <p:nvPr/>
+      </p:nvGrpSpPr>
+      <p:grpSpPr>
+        <a:xfrm>
+          <a:off x="0" y="0"/>
+          <a:ext cx="0" cy="0"/>
+          <a:chOff x="0" y="0"/>
+          <a:chExt cx="0" cy="0"/>
+        </a:xfrm>
+      </p:grpSpPr>
+      <p:sp>
+        <p:nvSpPr>
+          <p:cNvPr id="2" name="Title 1">
+            <a:extLst>
+              <a:ext uri="{FF2B5EF4-FFF2-40B4-BE49-F238E27FC236}">
+                <a16:creationId xmlns:a16="http://schemas.microsoft.com/office/drawing/2014/main" id="{ACBA041C-2EB9-B777-28D3-7F1A76CCCEB8}"/>
+              </a:ext>
+            </a:extLst>
+          </p:cNvPr>
+          <p:cNvSpPr>
+            <a:spLocks noGrp="1"/>
+          </p:cNvSpPr>
+          <p:nvPr>
+            <p:ph type="title"/>
+          </p:nvPr>
+        </p:nvSpPr>
+        <p:spPr>
+          <a:xfrm>
+            <a:off x="0" y="-9331"/>
+            <a:ext cx="12192000" cy="1072673"/>
+          </a:xfrm>
+        </p:spPr>
+        <p:txBody>
+          <a:bodyPr>
+            <a:normAutofit/>
+          </a:bodyPr>
+          <a:lstStyle/>
+          <a:p>
+            <a:pPr algn="ctr"/>
+            <a:r>
+              <a:rPr lang="en-US" sz="4000" dirty="0">
+                <a:solidFill>
+                  <a:schemeClr val="accent5">
+                    <a:lumMod val="75000"/>
+                  </a:schemeClr>
+                </a:solidFill>
+              </a:rPr>
+              <a:t>Variance Reduction and Optimal Sample Sizes</a:t>
+            </a:r>
+            <a:endParaRPr lang="de-DE" sz="4000" dirty="0">
+              <a:solidFill>
+                <a:schemeClr val="accent5">
+                  <a:lumMod val="75000"/>
+                </a:schemeClr>
+              </a:solidFill>
+            </a:endParaRPr>
+          </a:p>
+        </p:txBody>
+      </p:sp>
+      <p:sp>
+        <p:nvSpPr>
+          <p:cNvPr id="4" name="Footer Placeholder 3">
+            <a:extLst>
+              <a:ext uri="{FF2B5EF4-FFF2-40B4-BE49-F238E27FC236}">
+                <a16:creationId xmlns:a16="http://schemas.microsoft.com/office/drawing/2014/main" id="{91595D0A-ED8F-0880-9FA7-A5B4941FE3B4}"/>
+              </a:ext>
+            </a:extLst>
+          </p:cNvPr>
+          <p:cNvSpPr>
+            <a:spLocks noGrp="1"/>
+          </p:cNvSpPr>
+          <p:nvPr>
+            <p:ph type="ftr" sz="quarter" idx="11"/>
+          </p:nvPr>
+        </p:nvSpPr>
+        <p:spPr/>
+        <p:txBody>
+          <a:bodyPr/>
+          <a:lstStyle/>
+          <a:p>
+            <a:r>
+              <a:rPr lang="de-DE" dirty="0"/>
+              <a:t>Multilevel Monte Carlo Methods</a:t>
+            </a:r>
+          </a:p>
+        </p:txBody>
+      </p:sp>
+      <p:sp>
+        <p:nvSpPr>
+          <p:cNvPr id="5" name="Slide Number Placeholder 4">
+            <a:extLst>
+              <a:ext uri="{FF2B5EF4-FFF2-40B4-BE49-F238E27FC236}">
+                <a16:creationId xmlns:a16="http://schemas.microsoft.com/office/drawing/2014/main" id="{8CBED4E9-7B74-4EE2-953E-75B596F11DEF}"/>
+              </a:ext>
+            </a:extLst>
+          </p:cNvPr>
+          <p:cNvSpPr>
+            <a:spLocks noGrp="1"/>
+          </p:cNvSpPr>
+          <p:nvPr>
+            <p:ph type="sldNum" sz="quarter" idx="12"/>
+          </p:nvPr>
+        </p:nvSpPr>
+        <p:spPr/>
+        <p:txBody>
+          <a:bodyPr/>
+          <a:lstStyle/>
+          <a:p>
+            <a:fld id="{773E478D-9561-4C4E-917C-DA2D35FD197D}" type="slidenum">
+              <a:rPr lang="de-DE" smtClean="0"/>
+              <a:t>16</a:t>
+            </a:fld>
+            <a:endParaRPr lang="de-DE"/>
+          </a:p>
+        </p:txBody>
+      </p:sp>
+      <p:cxnSp>
+        <p:nvCxnSpPr>
+          <p:cNvPr id="10" name="Straight Connector 9">
+            <a:extLst>
+              <a:ext uri="{FF2B5EF4-FFF2-40B4-BE49-F238E27FC236}">
+                <a16:creationId xmlns:a16="http://schemas.microsoft.com/office/drawing/2014/main" id="{AC8FE49A-CB68-387E-C62E-08C6E8447F7D}"/>
+              </a:ext>
+            </a:extLst>
+          </p:cNvPr>
+          <p:cNvCxnSpPr/>
+          <p:nvPr/>
+        </p:nvCxnSpPr>
+        <p:spPr>
+          <a:xfrm>
+            <a:off x="111967" y="6375012"/>
+            <a:ext cx="11980506" cy="0"/>
+          </a:xfrm>
+          <a:prstGeom prst="line">
+            <a:avLst/>
+          </a:prstGeom>
+        </p:spPr>
+        <p:style>
+          <a:lnRef idx="3">
+            <a:schemeClr val="accent3"/>
+          </a:lnRef>
+          <a:fillRef idx="0">
+            <a:schemeClr val="accent3"/>
+          </a:fillRef>
+          <a:effectRef idx="2">
+            <a:schemeClr val="accent3"/>
+          </a:effectRef>
+          <a:fontRef idx="minor">
+            <a:schemeClr val="tx1"/>
+          </a:fontRef>
+        </p:style>
+      </p:cxnSp>
+      <p:cxnSp>
+        <p:nvCxnSpPr>
+          <p:cNvPr id="11" name="Straight Connector 10">
+            <a:extLst>
+              <a:ext uri="{FF2B5EF4-FFF2-40B4-BE49-F238E27FC236}">
+                <a16:creationId xmlns:a16="http://schemas.microsoft.com/office/drawing/2014/main" id="{AF920692-B7E7-2BE6-CF6A-3C184A647828}"/>
+              </a:ext>
+            </a:extLst>
+          </p:cNvPr>
+          <p:cNvCxnSpPr/>
+          <p:nvPr/>
+        </p:nvCxnSpPr>
+        <p:spPr>
+          <a:xfrm>
+            <a:off x="111967" y="901053"/>
+            <a:ext cx="11980506" cy="0"/>
+          </a:xfrm>
+          <a:prstGeom prst="line">
+            <a:avLst/>
+          </a:prstGeom>
+        </p:spPr>
+        <p:style>
+          <a:lnRef idx="3">
+            <a:schemeClr val="dk1"/>
+          </a:lnRef>
+          <a:fillRef idx="0">
+            <a:schemeClr val="dk1"/>
+          </a:fillRef>
+          <a:effectRef idx="2">
+            <a:schemeClr val="dk1"/>
+          </a:effectRef>
+          <a:fontRef idx="minor">
+            <a:schemeClr val="tx1"/>
+          </a:fontRef>
+        </p:style>
+      </p:cxnSp>
       <mc:AlternateContent xmlns:mc="http://schemas.openxmlformats.org/markup-compatibility/2006">
         <mc:Choice xmlns:a14="http://schemas.microsoft.com/office/drawing/2010/main" Requires="a14">
           <p:sp>
@@ -10057,7 +11987,199 @@
                 </a:r>
                 <a:r>
                   <a:rPr lang="de-DE" sz="2400" dirty="0"/>
-                  <a:t> () </a:t>
+                  <a:t> (</a:t>
+                </a:r>
+                <a14:m>
+                  <m:oMath xmlns:m="http://schemas.openxmlformats.org/officeDocument/2006/math">
+                    <m:sSubSup>
+                      <m:sSubSupPr>
+                        <m:ctrlPr>
+                          <a:rPr lang="en-US" sz="2000" i="1" smtClean="0">
+                            <a:solidFill>
+                              <a:prstClr val="black"/>
+                            </a:solidFill>
+                            <a:latin typeface="Cambria Math" panose="02040503050406030204" pitchFamily="18" charset="0"/>
+                          </a:rPr>
+                        </m:ctrlPr>
+                      </m:sSubSupPr>
+                      <m:e>
+                        <m:r>
+                          <a:rPr lang="en-US" sz="2000" i="1">
+                            <a:solidFill>
+                              <a:prstClr val="black"/>
+                            </a:solidFill>
+                            <a:latin typeface="Cambria Math" panose="02040503050406030204" pitchFamily="18" charset="0"/>
+                          </a:rPr>
+                          <m:t> </m:t>
+                        </m:r>
+                        <m:acc>
+                          <m:accPr>
+                            <m:chr m:val="̂"/>
+                            <m:ctrlPr>
+                              <a:rPr lang="en-US" sz="2400" i="1">
+                                <a:solidFill>
+                                  <a:prstClr val="black"/>
+                                </a:solidFill>
+                                <a:latin typeface="Cambria Math" panose="02040503050406030204" pitchFamily="18" charset="0"/>
+                              </a:rPr>
+                            </m:ctrlPr>
+                          </m:accPr>
+                          <m:e>
+                            <m:r>
+                              <a:rPr lang="en-US" sz="2400" i="1">
+                                <a:solidFill>
+                                  <a:prstClr val="black"/>
+                                </a:solidFill>
+                                <a:latin typeface="Cambria Math" panose="02040503050406030204" pitchFamily="18" charset="0"/>
+                              </a:rPr>
+                              <m:t>𝑃</m:t>
+                            </m:r>
+                          </m:e>
+                        </m:acc>
+                      </m:e>
+                      <m:sub>
+                        <m:r>
+                          <a:rPr lang="en-US" sz="2400" i="1">
+                            <a:solidFill>
+                              <a:prstClr val="black"/>
+                            </a:solidFill>
+                            <a:latin typeface="Cambria Math" panose="02040503050406030204" pitchFamily="18" charset="0"/>
+                          </a:rPr>
+                          <m:t>𝑙</m:t>
+                        </m:r>
+                      </m:sub>
+                      <m:sup>
+                        <m:d>
+                          <m:dPr>
+                            <m:ctrlPr>
+                              <a:rPr lang="en-US" sz="2000" i="1">
+                                <a:solidFill>
+                                  <a:prstClr val="black"/>
+                                </a:solidFill>
+                                <a:latin typeface="Cambria Math" panose="02040503050406030204" pitchFamily="18" charset="0"/>
+                              </a:rPr>
+                            </m:ctrlPr>
+                          </m:dPr>
+                          <m:e>
+                            <m:r>
+                              <a:rPr lang="en-US" sz="2000" i="1">
+                                <a:solidFill>
+                                  <a:prstClr val="black"/>
+                                </a:solidFill>
+                                <a:latin typeface="Cambria Math" panose="02040503050406030204" pitchFamily="18" charset="0"/>
+                              </a:rPr>
+                              <m:t>𝑛</m:t>
+                            </m:r>
+                          </m:e>
+                        </m:d>
+                      </m:sup>
+                    </m:sSubSup>
+                    <m:r>
+                      <a:rPr lang="en-US" sz="2000" i="1">
+                        <a:solidFill>
+                          <a:prstClr val="black"/>
+                        </a:solidFill>
+                        <a:latin typeface="Cambria Math" panose="02040503050406030204" pitchFamily="18" charset="0"/>
+                      </a:rPr>
+                      <m:t> −</m:t>
+                    </m:r>
+                    <m:sSubSup>
+                      <m:sSubSupPr>
+                        <m:ctrlPr>
+                          <a:rPr lang="en-US" sz="2000" i="1">
+                            <a:solidFill>
+                              <a:prstClr val="black"/>
+                            </a:solidFill>
+                            <a:latin typeface="Cambria Math" panose="02040503050406030204" pitchFamily="18" charset="0"/>
+                          </a:rPr>
+                        </m:ctrlPr>
+                      </m:sSubSupPr>
+                      <m:e>
+                        <m:r>
+                          <a:rPr lang="en-US" sz="2000" i="1">
+                            <a:solidFill>
+                              <a:prstClr val="black"/>
+                            </a:solidFill>
+                            <a:latin typeface="Cambria Math" panose="02040503050406030204" pitchFamily="18" charset="0"/>
+                          </a:rPr>
+                          <m:t> </m:t>
+                        </m:r>
+                        <m:acc>
+                          <m:accPr>
+                            <m:chr m:val="̂"/>
+                            <m:ctrlPr>
+                              <a:rPr lang="en-US" sz="2400" i="1">
+                                <a:solidFill>
+                                  <a:prstClr val="black"/>
+                                </a:solidFill>
+                                <a:latin typeface="Cambria Math" panose="02040503050406030204" pitchFamily="18" charset="0"/>
+                              </a:rPr>
+                            </m:ctrlPr>
+                          </m:accPr>
+                          <m:e>
+                            <m:r>
+                              <a:rPr lang="en-US" sz="2400" i="1">
+                                <a:solidFill>
+                                  <a:prstClr val="black"/>
+                                </a:solidFill>
+                                <a:latin typeface="Cambria Math" panose="02040503050406030204" pitchFamily="18" charset="0"/>
+                              </a:rPr>
+                              <m:t>𝑃</m:t>
+                            </m:r>
+                          </m:e>
+                        </m:acc>
+                      </m:e>
+                      <m:sub>
+                        <m:r>
+                          <a:rPr lang="en-US" sz="2400" i="1">
+                            <a:solidFill>
+                              <a:prstClr val="black"/>
+                            </a:solidFill>
+                            <a:latin typeface="Cambria Math" panose="02040503050406030204" pitchFamily="18" charset="0"/>
+                          </a:rPr>
+                          <m:t>𝑙</m:t>
+                        </m:r>
+                        <m:r>
+                          <a:rPr lang="en-US" sz="2400" i="1">
+                            <a:solidFill>
+                              <a:prstClr val="black"/>
+                            </a:solidFill>
+                            <a:latin typeface="Cambria Math" panose="02040503050406030204" pitchFamily="18" charset="0"/>
+                          </a:rPr>
+                          <m:t>−1</m:t>
+                        </m:r>
+                      </m:sub>
+                      <m:sup>
+                        <m:d>
+                          <m:dPr>
+                            <m:ctrlPr>
+                              <a:rPr lang="en-US" sz="2000" i="1">
+                                <a:solidFill>
+                                  <a:prstClr val="black"/>
+                                </a:solidFill>
+                                <a:latin typeface="Cambria Math" panose="02040503050406030204" pitchFamily="18" charset="0"/>
+                              </a:rPr>
+                            </m:ctrlPr>
+                          </m:dPr>
+                          <m:e>
+                            <m:r>
+                              <a:rPr lang="en-US" sz="2000" i="1">
+                                <a:solidFill>
+                                  <a:prstClr val="black"/>
+                                </a:solidFill>
+                                <a:latin typeface="Cambria Math" panose="02040503050406030204" pitchFamily="18" charset="0"/>
+                              </a:rPr>
+                              <m:t>𝑛</m:t>
+                            </m:r>
+                          </m:e>
+                        </m:d>
+                      </m:sup>
+                    </m:sSubSup>
+                  </m:oMath>
+                </a14:m>
+                <a:r>
+                  <a:rPr lang="de-DE" sz="2400" dirty="0"/>
+                  <a:t>) </a:t>
                 </a:r>
                 <a:r>
                   <a:rPr lang="de-DE" sz="2400" dirty="0" err="1"/>
@@ -11515,16 +13637,7 @@
                             </a:solidFill>
                             <a:latin typeface="Cambria Math" panose="02040503050406030204" pitchFamily="18" charset="0"/>
                           </a:rPr>
-                          <m:t>=</m:t>
-                        </m:r>
-                        <m:r>
-                          <a:rPr lang="en-US" sz="2400" b="0" i="1" smtClean="0">
-                            <a:solidFill>
-                              <a:prstClr val="black"/>
-                            </a:solidFill>
-                            <a:latin typeface="Cambria Math" panose="02040503050406030204" pitchFamily="18" charset="0"/>
-                          </a:rPr>
-                          <m:t>0</m:t>
+                          <m:t>=0</m:t>
                         </m:r>
                       </m:sub>
                       <m:sup>
@@ -11855,7 +13968,7 @@
               <a:blipFill>
                 <a:blip r:embed="rId2"/>
                 <a:stretch>
-                  <a:fillRect l="-775" t="-106"/>
+                  <a:fillRect l="-775"/>
                 </a:stretch>
               </a:blipFill>
             </p:spPr>
@@ -12302,7 +14415,7 @@
 </p:sld>
 </file>
 
-<file path=ppt/slides/slide16.xml><?xml version="1.0" encoding="utf-8"?>
+<file path=ppt/slides/slide17.xml><?xml version="1.0" encoding="utf-8"?>
 <p:sld xmlns:a="http://schemas.openxmlformats.org/drawingml/2006/main" xmlns:r="http://schemas.openxmlformats.org/officeDocument/2006/relationships" xmlns:p="http://schemas.openxmlformats.org/presentationml/2006/main">
   <p:cSld>
     <p:bg>
@@ -12427,7 +14540,7 @@
           <a:p>
             <a:fld id="{773E478D-9561-4C4E-917C-DA2D35FD197D}" type="slidenum">
               <a:rPr lang="de-DE" smtClean="0"/>
-              <a:t>16</a:t>
+              <a:t>17</a:t>
             </a:fld>
             <a:endParaRPr lang="de-DE"/>
           </a:p>
@@ -13209,74 +15322,90 @@
                       </m:radPr>
                       <m:deg/>
                       <m:e>
-                        <m:sSub>
-                          <m:sSubPr>
+                        <m:f>
+                          <m:fPr>
                             <m:ctrlPr>
-                              <a:rPr lang="en-US" i="1">
+                              <a:rPr lang="en-US" b="0" i="1" smtClean="0">
                                 <a:solidFill>
                                   <a:prstClr val="black"/>
                                 </a:solidFill>
                                 <a:latin typeface="Cambria Math" panose="02040503050406030204" pitchFamily="18" charset="0"/>
                               </a:rPr>
                             </m:ctrlPr>
-                          </m:sSubPr>
-                          <m:e>
-                            <m:r>
-                              <a:rPr lang="en-US" i="1">
-                                <a:solidFill>
-                                  <a:prstClr val="black"/>
-                                </a:solidFill>
-                                <a:latin typeface="Cambria Math" panose="02040503050406030204" pitchFamily="18" charset="0"/>
-                              </a:rPr>
-                              <m:t>𝐶</m:t>
-                            </m:r>
-                          </m:e>
-                          <m:sub>
-                            <m:r>
-                              <a:rPr lang="en-US" i="1">
-                                <a:solidFill>
-                                  <a:prstClr val="black"/>
-                                </a:solidFill>
-                                <a:latin typeface="Cambria Math" panose="02040503050406030204" pitchFamily="18" charset="0"/>
-                              </a:rPr>
-                              <m:t>𝑙</m:t>
-                            </m:r>
-                          </m:sub>
-                        </m:sSub>
-                        <m:sSub>
-                          <m:sSubPr>
-                            <m:ctrlPr>
-                              <a:rPr lang="en-US" i="1">
-                                <a:solidFill>
-                                  <a:prstClr val="black"/>
-                                </a:solidFill>
-                                <a:latin typeface="Cambria Math" panose="02040503050406030204" pitchFamily="18" charset="0"/>
-                              </a:rPr>
-                            </m:ctrlPr>
-                          </m:sSubPr>
-                          <m:e>
-                            <m:r>
-                              <a:rPr lang="en-US" i="1">
-                                <a:solidFill>
-                                  <a:prstClr val="black"/>
-                                </a:solidFill>
-                                <a:latin typeface="Cambria Math" panose="02040503050406030204" pitchFamily="18" charset="0"/>
-                              </a:rPr>
-                              <m:t>𝑉</m:t>
-                            </m:r>
-                          </m:e>
-                          <m:sub>
-                            <m:r>
-                              <a:rPr lang="en-US" i="1">
-                                <a:solidFill>
-                                  <a:prstClr val="black"/>
-                                </a:solidFill>
-                                <a:latin typeface="Cambria Math" panose="02040503050406030204" pitchFamily="18" charset="0"/>
-                              </a:rPr>
-                              <m:t>𝑙</m:t>
-                            </m:r>
-                          </m:sub>
-                        </m:sSub>
+                          </m:fPr>
+                          <m:num>
+                            <m:sSub>
+                              <m:sSubPr>
+                                <m:ctrlPr>
+                                  <a:rPr lang="en-US" i="1">
+                                    <a:solidFill>
+                                      <a:prstClr val="black"/>
+                                    </a:solidFill>
+                                    <a:latin typeface="Cambria Math" panose="02040503050406030204" pitchFamily="18" charset="0"/>
+                                  </a:rPr>
+                                </m:ctrlPr>
+                              </m:sSubPr>
+                              <m:e>
+                                <m:r>
+                                  <a:rPr lang="en-US" i="1">
+                                    <a:solidFill>
+                                      <a:prstClr val="black"/>
+                                    </a:solidFill>
+                                    <a:latin typeface="Cambria Math" panose="02040503050406030204" pitchFamily="18" charset="0"/>
+                                  </a:rPr>
+                                  <m:t>𝐶</m:t>
+                                </m:r>
+                              </m:e>
+                              <m:sub>
+                                <m:r>
+                                  <a:rPr lang="en-US" i="1">
+                                    <a:solidFill>
+                                      <a:prstClr val="black"/>
+                                    </a:solidFill>
+                                    <a:latin typeface="Cambria Math" panose="02040503050406030204" pitchFamily="18" charset="0"/>
+                                  </a:rPr>
+                                  <m:t>𝑙</m:t>
+                                </m:r>
+                              </m:sub>
+                            </m:sSub>
+                          </m:num>
+                          <m:den>
+                            <m:sSub>
+                              <m:sSubPr>
+                                <m:ctrlPr>
+                                  <a:rPr lang="en-US" i="1">
+                                    <a:solidFill>
+                                      <a:prstClr val="black"/>
+                                    </a:solidFill>
+                                    <a:latin typeface="Cambria Math" panose="02040503050406030204" pitchFamily="18" charset="0"/>
+                                  </a:rPr>
+                                </m:ctrlPr>
+                              </m:sSubPr>
+                              <m:e>
+                                <m:r>
+                                  <a:rPr lang="en-US" i="1">
+                                    <a:solidFill>
+                                      <a:prstClr val="black"/>
+                                    </a:solidFill>
+                                    <a:latin typeface="Cambria Math" panose="02040503050406030204" pitchFamily="18" charset="0"/>
+                                  </a:rPr>
+                                  <m:t>𝑉</m:t>
+                                </m:r>
+                              </m:e>
+                              <m:sub>
+                                <m:r>
+                                  <a:rPr lang="en-US" i="1">
+                                    <a:solidFill>
+                                      <a:prstClr val="black"/>
+                                    </a:solidFill>
+                                    <a:latin typeface="Cambria Math" panose="02040503050406030204" pitchFamily="18" charset="0"/>
+                                  </a:rPr>
+                                  <m:t>𝑙</m:t>
+                                </m:r>
+                              </m:sub>
+                            </m:sSub>
+                          </m:den>
+                        </m:f>
                       </m:e>
                     </m:rad>
                   </m:oMath>
@@ -13445,7 +15574,7 @@
                         <m:d>
                           <m:dPr>
                             <m:ctrlPr>
-                              <a:rPr lang="en-US" b="0" i="0" smtClean="0">
+                              <a:rPr lang="en-US" b="0" i="1" smtClean="0">
                                 <a:solidFill>
                                   <a:prstClr val="black"/>
                                 </a:solidFill>
@@ -13766,7 +15895,1734 @@
 </p:sld>
 </file>
 
-<file path=ppt/slides/slide17.xml><?xml version="1.0" encoding="utf-8"?>
+<file path=ppt/slides/slide18.xml><?xml version="1.0" encoding="utf-8"?>
+<p:sld xmlns:a="http://schemas.openxmlformats.org/drawingml/2006/main" xmlns:r="http://schemas.openxmlformats.org/officeDocument/2006/relationships" xmlns:p="http://schemas.openxmlformats.org/presentationml/2006/main">
+  <p:cSld>
+    <p:bg>
+      <p:bgPr>
+        <a:solidFill>
+          <a:schemeClr val="bg1"/>
+        </a:solidFill>
+        <a:effectLst/>
+      </p:bgPr>
+    </p:bg>
+    <p:spTree>
+      <p:nvGrpSpPr>
+        <p:cNvPr id="1" name=""/>
+        <p:cNvGrpSpPr/>
+        <p:nvPr/>
+      </p:nvGrpSpPr>
+      <p:grpSpPr>
+        <a:xfrm>
+          <a:off x="0" y="0"/>
+          <a:ext cx="0" cy="0"/>
+          <a:chOff x="0" y="0"/>
+          <a:chExt cx="0" cy="0"/>
+        </a:xfrm>
+      </p:grpSpPr>
+      <p:sp>
+        <p:nvSpPr>
+          <p:cNvPr id="2" name="Title 1">
+            <a:extLst>
+              <a:ext uri="{FF2B5EF4-FFF2-40B4-BE49-F238E27FC236}">
+                <a16:creationId xmlns:a16="http://schemas.microsoft.com/office/drawing/2014/main" id="{ACBA041C-2EB9-B777-28D3-7F1A76CCCEB8}"/>
+              </a:ext>
+            </a:extLst>
+          </p:cNvPr>
+          <p:cNvSpPr>
+            <a:spLocks noGrp="1"/>
+          </p:cNvSpPr>
+          <p:nvPr>
+            <p:ph type="title"/>
+          </p:nvPr>
+        </p:nvSpPr>
+        <p:spPr>
+          <a:xfrm>
+            <a:off x="0" y="-9331"/>
+            <a:ext cx="12192000" cy="1072673"/>
+          </a:xfrm>
+        </p:spPr>
+        <p:txBody>
+          <a:bodyPr>
+            <a:normAutofit/>
+          </a:bodyPr>
+          <a:lstStyle/>
+          <a:p>
+            <a:pPr algn="ctr"/>
+            <a:r>
+              <a:rPr lang="en-US" sz="4000" dirty="0">
+                <a:solidFill>
+                  <a:schemeClr val="accent5">
+                    <a:lumMod val="75000"/>
+                  </a:schemeClr>
+                </a:solidFill>
+              </a:rPr>
+              <a:t>Mixed precision computing</a:t>
+            </a:r>
+            <a:endParaRPr lang="de-DE" sz="4000" dirty="0">
+              <a:solidFill>
+                <a:schemeClr val="accent5">
+                  <a:lumMod val="75000"/>
+                </a:schemeClr>
+              </a:solidFill>
+            </a:endParaRPr>
+          </a:p>
+        </p:txBody>
+      </p:sp>
+      <p:sp>
+        <p:nvSpPr>
+          <p:cNvPr id="4" name="Footer Placeholder 3">
+            <a:extLst>
+              <a:ext uri="{FF2B5EF4-FFF2-40B4-BE49-F238E27FC236}">
+                <a16:creationId xmlns:a16="http://schemas.microsoft.com/office/drawing/2014/main" id="{91595D0A-ED8F-0880-9FA7-A5B4941FE3B4}"/>
+              </a:ext>
+            </a:extLst>
+          </p:cNvPr>
+          <p:cNvSpPr>
+            <a:spLocks noGrp="1"/>
+          </p:cNvSpPr>
+          <p:nvPr>
+            <p:ph type="ftr" sz="quarter" idx="11"/>
+          </p:nvPr>
+        </p:nvSpPr>
+        <p:spPr/>
+        <p:txBody>
+          <a:bodyPr/>
+          <a:lstStyle/>
+          <a:p>
+            <a:r>
+              <a:rPr lang="de-DE" dirty="0"/>
+              <a:t>Multilevel Monte Carlo Methods</a:t>
+            </a:r>
+          </a:p>
+        </p:txBody>
+      </p:sp>
+      <p:sp>
+        <p:nvSpPr>
+          <p:cNvPr id="5" name="Slide Number Placeholder 4">
+            <a:extLst>
+              <a:ext uri="{FF2B5EF4-FFF2-40B4-BE49-F238E27FC236}">
+                <a16:creationId xmlns:a16="http://schemas.microsoft.com/office/drawing/2014/main" id="{8CBED4E9-7B74-4EE2-953E-75B596F11DEF}"/>
+              </a:ext>
+            </a:extLst>
+          </p:cNvPr>
+          <p:cNvSpPr>
+            <a:spLocks noGrp="1"/>
+          </p:cNvSpPr>
+          <p:nvPr>
+            <p:ph type="sldNum" sz="quarter" idx="12"/>
+          </p:nvPr>
+        </p:nvSpPr>
+        <p:spPr/>
+        <p:txBody>
+          <a:bodyPr/>
+          <a:lstStyle/>
+          <a:p>
+            <a:fld id="{773E478D-9561-4C4E-917C-DA2D35FD197D}" type="slidenum">
+              <a:rPr lang="de-DE" smtClean="0"/>
+              <a:t>18</a:t>
+            </a:fld>
+            <a:endParaRPr lang="de-DE"/>
+          </a:p>
+        </p:txBody>
+      </p:sp>
+      <p:cxnSp>
+        <p:nvCxnSpPr>
+          <p:cNvPr id="10" name="Straight Connector 9">
+            <a:extLst>
+              <a:ext uri="{FF2B5EF4-FFF2-40B4-BE49-F238E27FC236}">
+                <a16:creationId xmlns:a16="http://schemas.microsoft.com/office/drawing/2014/main" id="{AC8FE49A-CB68-387E-C62E-08C6E8447F7D}"/>
+              </a:ext>
+            </a:extLst>
+          </p:cNvPr>
+          <p:cNvCxnSpPr/>
+          <p:nvPr/>
+        </p:nvCxnSpPr>
+        <p:spPr>
+          <a:xfrm>
+            <a:off x="111967" y="6375012"/>
+            <a:ext cx="11980506" cy="0"/>
+          </a:xfrm>
+          <a:prstGeom prst="line">
+            <a:avLst/>
+          </a:prstGeom>
+        </p:spPr>
+        <p:style>
+          <a:lnRef idx="3">
+            <a:schemeClr val="accent3"/>
+          </a:lnRef>
+          <a:fillRef idx="0">
+            <a:schemeClr val="accent3"/>
+          </a:fillRef>
+          <a:effectRef idx="2">
+            <a:schemeClr val="accent3"/>
+          </a:effectRef>
+          <a:fontRef idx="minor">
+            <a:schemeClr val="tx1"/>
+          </a:fontRef>
+        </p:style>
+      </p:cxnSp>
+      <p:cxnSp>
+        <p:nvCxnSpPr>
+          <p:cNvPr id="11" name="Straight Connector 10">
+            <a:extLst>
+              <a:ext uri="{FF2B5EF4-FFF2-40B4-BE49-F238E27FC236}">
+                <a16:creationId xmlns:a16="http://schemas.microsoft.com/office/drawing/2014/main" id="{AF920692-B7E7-2BE6-CF6A-3C184A647828}"/>
+              </a:ext>
+            </a:extLst>
+          </p:cNvPr>
+          <p:cNvCxnSpPr/>
+          <p:nvPr/>
+        </p:nvCxnSpPr>
+        <p:spPr>
+          <a:xfrm>
+            <a:off x="111967" y="901053"/>
+            <a:ext cx="11980506" cy="0"/>
+          </a:xfrm>
+          <a:prstGeom prst="line">
+            <a:avLst/>
+          </a:prstGeom>
+        </p:spPr>
+        <p:style>
+          <a:lnRef idx="3">
+            <a:schemeClr val="dk1"/>
+          </a:lnRef>
+          <a:fillRef idx="0">
+            <a:schemeClr val="dk1"/>
+          </a:fillRef>
+          <a:effectRef idx="2">
+            <a:schemeClr val="dk1"/>
+          </a:effectRef>
+          <a:fontRef idx="minor">
+            <a:schemeClr val="tx1"/>
+          </a:fontRef>
+        </p:style>
+      </p:cxnSp>
+      <p:sp>
+        <p:nvSpPr>
+          <p:cNvPr id="3" name="Content Placeholder 2">
+            <a:extLst>
+              <a:ext uri="{FF2B5EF4-FFF2-40B4-BE49-F238E27FC236}">
+                <a16:creationId xmlns:a16="http://schemas.microsoft.com/office/drawing/2014/main" id="{063684B9-8449-CFB0-699B-6CAC98F8A638}"/>
+              </a:ext>
+            </a:extLst>
+          </p:cNvPr>
+          <p:cNvSpPr txBox="1">
+            <a:spLocks/>
+          </p:cNvSpPr>
+          <p:nvPr/>
+        </p:nvSpPr>
+        <p:spPr>
+          <a:xfrm>
+            <a:off x="597159" y="1003693"/>
+            <a:ext cx="10756642" cy="5733010"/>
+          </a:xfrm>
+          <a:prstGeom prst="rect">
+            <a:avLst/>
+          </a:prstGeom>
+        </p:spPr>
+        <p:txBody>
+          <a:bodyPr vert="horz" lIns="91440" tIns="45720" rIns="91440" bIns="45720" rtlCol="0">
+            <a:normAutofit/>
+          </a:bodyPr>
+          <a:lstStyle>
+            <a:lvl1pPr marL="228600" indent="-228600" algn="l" defTabSz="914400" rtl="0" eaLnBrk="1" latinLnBrk="0" hangingPunct="1">
+              <a:lnSpc>
+                <a:spcPct val="90000"/>
+              </a:lnSpc>
+              <a:spcBef>
+                <a:spcPts val="1000"/>
+              </a:spcBef>
+              <a:buFont typeface="Arial" panose="020B0604020202020204" pitchFamily="34" charset="0"/>
+              <a:buChar char="•"/>
+              <a:defRPr sz="2800" kern="1200">
+                <a:solidFill>
+                  <a:schemeClr val="tx1"/>
+                </a:solidFill>
+                <a:latin typeface="+mn-lt"/>
+                <a:ea typeface="+mn-ea"/>
+                <a:cs typeface="+mn-cs"/>
+              </a:defRPr>
+            </a:lvl1pPr>
+            <a:lvl2pPr marL="685800" indent="-228600" algn="l" defTabSz="914400" rtl="0" eaLnBrk="1" latinLnBrk="0" hangingPunct="1">
+              <a:lnSpc>
+                <a:spcPct val="90000"/>
+              </a:lnSpc>
+              <a:spcBef>
+                <a:spcPts val="500"/>
+              </a:spcBef>
+              <a:buFont typeface="Arial" panose="020B0604020202020204" pitchFamily="34" charset="0"/>
+              <a:buChar char="•"/>
+              <a:defRPr sz="2400" kern="1200">
+                <a:solidFill>
+                  <a:schemeClr val="tx1"/>
+                </a:solidFill>
+                <a:latin typeface="+mn-lt"/>
+                <a:ea typeface="+mn-ea"/>
+                <a:cs typeface="+mn-cs"/>
+              </a:defRPr>
+            </a:lvl2pPr>
+            <a:lvl3pPr marL="1143000" indent="-228600" algn="l" defTabSz="914400" rtl="0" eaLnBrk="1" latinLnBrk="0" hangingPunct="1">
+              <a:lnSpc>
+                <a:spcPct val="90000"/>
+              </a:lnSpc>
+              <a:spcBef>
+                <a:spcPts val="500"/>
+              </a:spcBef>
+              <a:buFont typeface="Arial" panose="020B0604020202020204" pitchFamily="34" charset="0"/>
+              <a:buChar char="•"/>
+              <a:defRPr sz="2000" kern="1200">
+                <a:solidFill>
+                  <a:schemeClr val="tx1"/>
+                </a:solidFill>
+                <a:latin typeface="+mn-lt"/>
+                <a:ea typeface="+mn-ea"/>
+                <a:cs typeface="+mn-cs"/>
+              </a:defRPr>
+            </a:lvl3pPr>
+            <a:lvl4pPr marL="1600200" indent="-228600" algn="l" defTabSz="914400" rtl="0" eaLnBrk="1" latinLnBrk="0" hangingPunct="1">
+              <a:lnSpc>
+                <a:spcPct val="90000"/>
+              </a:lnSpc>
+              <a:spcBef>
+                <a:spcPts val="500"/>
+              </a:spcBef>
+              <a:buFont typeface="Arial" panose="020B0604020202020204" pitchFamily="34" charset="0"/>
+              <a:buChar char="•"/>
+              <a:defRPr sz="1800" kern="1200">
+                <a:solidFill>
+                  <a:schemeClr val="tx1"/>
+                </a:solidFill>
+                <a:latin typeface="+mn-lt"/>
+                <a:ea typeface="+mn-ea"/>
+                <a:cs typeface="+mn-cs"/>
+              </a:defRPr>
+            </a:lvl4pPr>
+            <a:lvl5pPr marL="2057400" indent="-228600" algn="l" defTabSz="914400" rtl="0" eaLnBrk="1" latinLnBrk="0" hangingPunct="1">
+              <a:lnSpc>
+                <a:spcPct val="90000"/>
+              </a:lnSpc>
+              <a:spcBef>
+                <a:spcPts val="500"/>
+              </a:spcBef>
+              <a:buFont typeface="Arial" panose="020B0604020202020204" pitchFamily="34" charset="0"/>
+              <a:buChar char="•"/>
+              <a:defRPr sz="1800" kern="1200">
+                <a:solidFill>
+                  <a:schemeClr val="tx1"/>
+                </a:solidFill>
+                <a:latin typeface="+mn-lt"/>
+                <a:ea typeface="+mn-ea"/>
+                <a:cs typeface="+mn-cs"/>
+              </a:defRPr>
+            </a:lvl5pPr>
+            <a:lvl6pPr marL="2514600" indent="-228600" algn="l" defTabSz="914400" rtl="0" eaLnBrk="1" latinLnBrk="0" hangingPunct="1">
+              <a:lnSpc>
+                <a:spcPct val="90000"/>
+              </a:lnSpc>
+              <a:spcBef>
+                <a:spcPts val="500"/>
+              </a:spcBef>
+              <a:buFont typeface="Arial" panose="020B0604020202020204" pitchFamily="34" charset="0"/>
+              <a:buChar char="•"/>
+              <a:defRPr sz="1800" kern="1200">
+                <a:solidFill>
+                  <a:schemeClr val="tx1"/>
+                </a:solidFill>
+                <a:latin typeface="+mn-lt"/>
+                <a:ea typeface="+mn-ea"/>
+                <a:cs typeface="+mn-cs"/>
+              </a:defRPr>
+            </a:lvl6pPr>
+            <a:lvl7pPr marL="2971800" indent="-228600" algn="l" defTabSz="914400" rtl="0" eaLnBrk="1" latinLnBrk="0" hangingPunct="1">
+              <a:lnSpc>
+                <a:spcPct val="90000"/>
+              </a:lnSpc>
+              <a:spcBef>
+                <a:spcPts val="500"/>
+              </a:spcBef>
+              <a:buFont typeface="Arial" panose="020B0604020202020204" pitchFamily="34" charset="0"/>
+              <a:buChar char="•"/>
+              <a:defRPr sz="1800" kern="1200">
+                <a:solidFill>
+                  <a:schemeClr val="tx1"/>
+                </a:solidFill>
+                <a:latin typeface="+mn-lt"/>
+                <a:ea typeface="+mn-ea"/>
+                <a:cs typeface="+mn-cs"/>
+              </a:defRPr>
+            </a:lvl7pPr>
+            <a:lvl8pPr marL="3429000" indent="-228600" algn="l" defTabSz="914400" rtl="0" eaLnBrk="1" latinLnBrk="0" hangingPunct="1">
+              <a:lnSpc>
+                <a:spcPct val="90000"/>
+              </a:lnSpc>
+              <a:spcBef>
+                <a:spcPts val="500"/>
+              </a:spcBef>
+              <a:buFont typeface="Arial" panose="020B0604020202020204" pitchFamily="34" charset="0"/>
+              <a:buChar char="•"/>
+              <a:defRPr sz="1800" kern="1200">
+                <a:solidFill>
+                  <a:schemeClr val="tx1"/>
+                </a:solidFill>
+                <a:latin typeface="+mn-lt"/>
+                <a:ea typeface="+mn-ea"/>
+                <a:cs typeface="+mn-cs"/>
+              </a:defRPr>
+            </a:lvl8pPr>
+            <a:lvl9pPr marL="3886200" indent="-228600" algn="l" defTabSz="914400" rtl="0" eaLnBrk="1" latinLnBrk="0" hangingPunct="1">
+              <a:lnSpc>
+                <a:spcPct val="90000"/>
+              </a:lnSpc>
+              <a:spcBef>
+                <a:spcPts val="500"/>
+              </a:spcBef>
+              <a:buFont typeface="Arial" panose="020B0604020202020204" pitchFamily="34" charset="0"/>
+              <a:buChar char="•"/>
+              <a:defRPr sz="1800" kern="1200">
+                <a:solidFill>
+                  <a:schemeClr val="tx1"/>
+                </a:solidFill>
+                <a:latin typeface="+mn-lt"/>
+                <a:ea typeface="+mn-ea"/>
+                <a:cs typeface="+mn-cs"/>
+              </a:defRPr>
+            </a:lvl9pPr>
+          </a:lstStyle>
+          <a:p>
+            <a:pPr>
+              <a:lnSpc>
+                <a:spcPct val="120000"/>
+              </a:lnSpc>
+            </a:pPr>
+            <a:endParaRPr lang="de-DE" dirty="0"/>
+          </a:p>
+        </p:txBody>
+      </p:sp>
+      <p:sp>
+        <p:nvSpPr>
+          <p:cNvPr id="12" name="Content Placeholder 2">
+            <a:extLst>
+              <a:ext uri="{FF2B5EF4-FFF2-40B4-BE49-F238E27FC236}">
+                <a16:creationId xmlns:a16="http://schemas.microsoft.com/office/drawing/2014/main" id="{85BBDF68-B396-A898-3A88-FB9D59F61831}"/>
+              </a:ext>
+            </a:extLst>
+          </p:cNvPr>
+          <p:cNvSpPr txBox="1">
+            <a:spLocks/>
+          </p:cNvSpPr>
+          <p:nvPr/>
+        </p:nvSpPr>
+        <p:spPr>
+          <a:xfrm>
+            <a:off x="723898" y="988465"/>
+            <a:ext cx="11010123" cy="5205595"/>
+          </a:xfrm>
+          <a:prstGeom prst="rect">
+            <a:avLst/>
+          </a:prstGeom>
+        </p:spPr>
+        <p:txBody>
+          <a:bodyPr vert="horz" lIns="91440" tIns="45720" rIns="91440" bIns="45720" rtlCol="0">
+            <a:normAutofit/>
+          </a:bodyPr>
+          <a:lstStyle>
+            <a:lvl1pPr marL="228600" indent="-228600" algn="l" defTabSz="914400" rtl="0" eaLnBrk="1" latinLnBrk="0" hangingPunct="1">
+              <a:lnSpc>
+                <a:spcPct val="90000"/>
+              </a:lnSpc>
+              <a:spcBef>
+                <a:spcPts val="1000"/>
+              </a:spcBef>
+              <a:buFont typeface="Arial" panose="020B0604020202020204" pitchFamily="34" charset="0"/>
+              <a:buChar char="•"/>
+              <a:defRPr sz="2800" kern="1200">
+                <a:solidFill>
+                  <a:schemeClr val="tx1"/>
+                </a:solidFill>
+                <a:latin typeface="+mn-lt"/>
+                <a:ea typeface="+mn-ea"/>
+                <a:cs typeface="+mn-cs"/>
+              </a:defRPr>
+            </a:lvl1pPr>
+            <a:lvl2pPr marL="685800" indent="-228600" algn="l" defTabSz="914400" rtl="0" eaLnBrk="1" latinLnBrk="0" hangingPunct="1">
+              <a:lnSpc>
+                <a:spcPct val="90000"/>
+              </a:lnSpc>
+              <a:spcBef>
+                <a:spcPts val="500"/>
+              </a:spcBef>
+              <a:buFont typeface="Arial" panose="020B0604020202020204" pitchFamily="34" charset="0"/>
+              <a:buChar char="•"/>
+              <a:defRPr sz="2400" kern="1200">
+                <a:solidFill>
+                  <a:schemeClr val="tx1"/>
+                </a:solidFill>
+                <a:latin typeface="+mn-lt"/>
+                <a:ea typeface="+mn-ea"/>
+                <a:cs typeface="+mn-cs"/>
+              </a:defRPr>
+            </a:lvl2pPr>
+            <a:lvl3pPr marL="1143000" indent="-228600" algn="l" defTabSz="914400" rtl="0" eaLnBrk="1" latinLnBrk="0" hangingPunct="1">
+              <a:lnSpc>
+                <a:spcPct val="90000"/>
+              </a:lnSpc>
+              <a:spcBef>
+                <a:spcPts val="500"/>
+              </a:spcBef>
+              <a:buFont typeface="Arial" panose="020B0604020202020204" pitchFamily="34" charset="0"/>
+              <a:buChar char="•"/>
+              <a:defRPr sz="2000" kern="1200">
+                <a:solidFill>
+                  <a:schemeClr val="tx1"/>
+                </a:solidFill>
+                <a:latin typeface="+mn-lt"/>
+                <a:ea typeface="+mn-ea"/>
+                <a:cs typeface="+mn-cs"/>
+              </a:defRPr>
+            </a:lvl3pPr>
+            <a:lvl4pPr marL="1600200" indent="-228600" algn="l" defTabSz="914400" rtl="0" eaLnBrk="1" latinLnBrk="0" hangingPunct="1">
+              <a:lnSpc>
+                <a:spcPct val="90000"/>
+              </a:lnSpc>
+              <a:spcBef>
+                <a:spcPts val="500"/>
+              </a:spcBef>
+              <a:buFont typeface="Arial" panose="020B0604020202020204" pitchFamily="34" charset="0"/>
+              <a:buChar char="•"/>
+              <a:defRPr sz="1800" kern="1200">
+                <a:solidFill>
+                  <a:schemeClr val="tx1"/>
+                </a:solidFill>
+                <a:latin typeface="+mn-lt"/>
+                <a:ea typeface="+mn-ea"/>
+                <a:cs typeface="+mn-cs"/>
+              </a:defRPr>
+            </a:lvl4pPr>
+            <a:lvl5pPr marL="2057400" indent="-228600" algn="l" defTabSz="914400" rtl="0" eaLnBrk="1" latinLnBrk="0" hangingPunct="1">
+              <a:lnSpc>
+                <a:spcPct val="90000"/>
+              </a:lnSpc>
+              <a:spcBef>
+                <a:spcPts val="500"/>
+              </a:spcBef>
+              <a:buFont typeface="Arial" panose="020B0604020202020204" pitchFamily="34" charset="0"/>
+              <a:buChar char="•"/>
+              <a:defRPr sz="1800" kern="1200">
+                <a:solidFill>
+                  <a:schemeClr val="tx1"/>
+                </a:solidFill>
+                <a:latin typeface="+mn-lt"/>
+                <a:ea typeface="+mn-ea"/>
+                <a:cs typeface="+mn-cs"/>
+              </a:defRPr>
+            </a:lvl5pPr>
+            <a:lvl6pPr marL="2514600" indent="-228600" algn="l" defTabSz="914400" rtl="0" eaLnBrk="1" latinLnBrk="0" hangingPunct="1">
+              <a:lnSpc>
+                <a:spcPct val="90000"/>
+              </a:lnSpc>
+              <a:spcBef>
+                <a:spcPts val="500"/>
+              </a:spcBef>
+              <a:buFont typeface="Arial" panose="020B0604020202020204" pitchFamily="34" charset="0"/>
+              <a:buChar char="•"/>
+              <a:defRPr sz="1800" kern="1200">
+                <a:solidFill>
+                  <a:schemeClr val="tx1"/>
+                </a:solidFill>
+                <a:latin typeface="+mn-lt"/>
+                <a:ea typeface="+mn-ea"/>
+                <a:cs typeface="+mn-cs"/>
+              </a:defRPr>
+            </a:lvl6pPr>
+            <a:lvl7pPr marL="2971800" indent="-228600" algn="l" defTabSz="914400" rtl="0" eaLnBrk="1" latinLnBrk="0" hangingPunct="1">
+              <a:lnSpc>
+                <a:spcPct val="90000"/>
+              </a:lnSpc>
+              <a:spcBef>
+                <a:spcPts val="500"/>
+              </a:spcBef>
+              <a:buFont typeface="Arial" panose="020B0604020202020204" pitchFamily="34" charset="0"/>
+              <a:buChar char="•"/>
+              <a:defRPr sz="1800" kern="1200">
+                <a:solidFill>
+                  <a:schemeClr val="tx1"/>
+                </a:solidFill>
+                <a:latin typeface="+mn-lt"/>
+                <a:ea typeface="+mn-ea"/>
+                <a:cs typeface="+mn-cs"/>
+              </a:defRPr>
+            </a:lvl7pPr>
+            <a:lvl8pPr marL="3429000" indent="-228600" algn="l" defTabSz="914400" rtl="0" eaLnBrk="1" latinLnBrk="0" hangingPunct="1">
+              <a:lnSpc>
+                <a:spcPct val="90000"/>
+              </a:lnSpc>
+              <a:spcBef>
+                <a:spcPts val="500"/>
+              </a:spcBef>
+              <a:buFont typeface="Arial" panose="020B0604020202020204" pitchFamily="34" charset="0"/>
+              <a:buChar char="•"/>
+              <a:defRPr sz="1800" kern="1200">
+                <a:solidFill>
+                  <a:schemeClr val="tx1"/>
+                </a:solidFill>
+                <a:latin typeface="+mn-lt"/>
+                <a:ea typeface="+mn-ea"/>
+                <a:cs typeface="+mn-cs"/>
+              </a:defRPr>
+            </a:lvl8pPr>
+            <a:lvl9pPr marL="3886200" indent="-228600" algn="l" defTabSz="914400" rtl="0" eaLnBrk="1" latinLnBrk="0" hangingPunct="1">
+              <a:lnSpc>
+                <a:spcPct val="90000"/>
+              </a:lnSpc>
+              <a:spcBef>
+                <a:spcPts val="500"/>
+              </a:spcBef>
+              <a:buFont typeface="Arial" panose="020B0604020202020204" pitchFamily="34" charset="0"/>
+              <a:buChar char="•"/>
+              <a:defRPr sz="1800" kern="1200">
+                <a:solidFill>
+                  <a:schemeClr val="tx1"/>
+                </a:solidFill>
+                <a:latin typeface="+mn-lt"/>
+                <a:ea typeface="+mn-ea"/>
+                <a:cs typeface="+mn-cs"/>
+              </a:defRPr>
+            </a:lvl9pPr>
+          </a:lstStyle>
+          <a:p>
+            <a:pPr marL="0" indent="0">
+              <a:lnSpc>
+                <a:spcPct val="120000"/>
+              </a:lnSpc>
+              <a:buFont typeface="Arial" panose="020B0604020202020204" pitchFamily="34" charset="0"/>
+              <a:buNone/>
+            </a:pPr>
+            <a:r>
+              <a:rPr lang="en-US" sz="2400" dirty="0"/>
+              <a:t>As more examples of the flexibility of the MLMC approach, the levels can correspond to different levels of computing precision</a:t>
+            </a:r>
+          </a:p>
+          <a:p>
+            <a:pPr>
+              <a:lnSpc>
+                <a:spcPct val="120000"/>
+              </a:lnSpc>
+            </a:pPr>
+            <a:r>
+              <a:rPr lang="en-US" sz="2400" dirty="0"/>
+              <a:t>2ℓ+2 bits of precision on level ℓ when using FPGAs (Korn, </a:t>
+            </a:r>
+            <a:r>
+              <a:rPr lang="en-US" sz="2400" dirty="0" err="1"/>
+              <a:t>Ritter,Wehn</a:t>
+            </a:r>
+            <a:r>
+              <a:rPr lang="en-US" sz="2400" dirty="0"/>
+              <a:t>, 2014)</a:t>
+            </a:r>
+          </a:p>
+          <a:p>
+            <a:pPr>
+              <a:lnSpc>
+                <a:spcPct val="120000"/>
+              </a:lnSpc>
+            </a:pPr>
+            <a:r>
+              <a:rPr lang="en-US" sz="2400" dirty="0"/>
+              <a:t>IEEE half-precision on level 0, IEEE single precision on level1, etc., when computing on CPUs or GPUs</a:t>
+            </a:r>
+          </a:p>
+          <a:p>
+            <a:pPr marL="0" indent="0">
+              <a:lnSpc>
+                <a:spcPct val="120000"/>
+              </a:lnSpc>
+              <a:buFont typeface="Arial" panose="020B0604020202020204" pitchFamily="34" charset="0"/>
+              <a:buNone/>
+            </a:pPr>
+            <a:r>
+              <a:rPr lang="en-US" sz="2400" dirty="0"/>
+              <a:t>or the different levels can use different random number generators</a:t>
+            </a:r>
+          </a:p>
+          <a:p>
+            <a:pPr>
+              <a:lnSpc>
+                <a:spcPct val="120000"/>
+              </a:lnSpc>
+            </a:pPr>
+            <a:r>
+              <a:rPr lang="en-US" sz="2400" dirty="0"/>
+              <a:t>level 0: 10-bit uniform random numbers, with table lookup to convert to approximate </a:t>
+            </a:r>
+            <a:r>
+              <a:rPr lang="en-US" sz="2400" dirty="0" err="1"/>
+              <a:t>Normals</a:t>
+            </a:r>
+            <a:endParaRPr lang="en-US" sz="2400" dirty="0"/>
+          </a:p>
+          <a:p>
+            <a:pPr>
+              <a:lnSpc>
+                <a:spcPct val="120000"/>
+              </a:lnSpc>
+            </a:pPr>
+            <a:r>
+              <a:rPr lang="en-US" sz="2400" dirty="0"/>
+              <a:t>level 1: 32-bit uniform random numbers, and more complex calculation to obtain </a:t>
+            </a:r>
+            <a:r>
+              <a:rPr lang="en-US" sz="2400" dirty="0" err="1"/>
+              <a:t>Normals</a:t>
+            </a:r>
+            <a:endParaRPr lang="de-DE" sz="2400" dirty="0"/>
+          </a:p>
+        </p:txBody>
+      </p:sp>
+    </p:spTree>
+    <p:extLst>
+      <p:ext uri="{BB962C8B-B14F-4D97-AF65-F5344CB8AC3E}">
+        <p14:creationId xmlns:p14="http://schemas.microsoft.com/office/powerpoint/2010/main" val="1468382734"/>
+      </p:ext>
+    </p:extLst>
+  </p:cSld>
+  <p:clrMapOvr>
+    <a:masterClrMapping/>
+  </p:clrMapOvr>
+</p:sld>
+</file>
+
+<file path=ppt/slides/slide19.xml><?xml version="1.0" encoding="utf-8"?>
+<p:sld xmlns:a="http://schemas.openxmlformats.org/drawingml/2006/main" xmlns:r="http://schemas.openxmlformats.org/officeDocument/2006/relationships" xmlns:p="http://schemas.openxmlformats.org/presentationml/2006/main">
+  <p:cSld>
+    <p:bg>
+      <p:bgPr>
+        <a:solidFill>
+          <a:schemeClr val="bg1"/>
+        </a:solidFill>
+        <a:effectLst/>
+      </p:bgPr>
+    </p:bg>
+    <p:spTree>
+      <p:nvGrpSpPr>
+        <p:cNvPr id="1" name=""/>
+        <p:cNvGrpSpPr/>
+        <p:nvPr/>
+      </p:nvGrpSpPr>
+      <p:grpSpPr>
+        <a:xfrm>
+          <a:off x="0" y="0"/>
+          <a:ext cx="0" cy="0"/>
+          <a:chOff x="0" y="0"/>
+          <a:chExt cx="0" cy="0"/>
+        </a:xfrm>
+      </p:grpSpPr>
+      <p:sp>
+        <p:nvSpPr>
+          <p:cNvPr id="2" name="Title 1">
+            <a:extLst>
+              <a:ext uri="{FF2B5EF4-FFF2-40B4-BE49-F238E27FC236}">
+                <a16:creationId xmlns:a16="http://schemas.microsoft.com/office/drawing/2014/main" id="{ACBA041C-2EB9-B777-28D3-7F1A76CCCEB8}"/>
+              </a:ext>
+            </a:extLst>
+          </p:cNvPr>
+          <p:cNvSpPr>
+            <a:spLocks noGrp="1"/>
+          </p:cNvSpPr>
+          <p:nvPr>
+            <p:ph type="title"/>
+          </p:nvPr>
+        </p:nvSpPr>
+        <p:spPr>
+          <a:xfrm>
+            <a:off x="0" y="-9331"/>
+            <a:ext cx="12192000" cy="1072673"/>
+          </a:xfrm>
+        </p:spPr>
+        <p:txBody>
+          <a:bodyPr>
+            <a:normAutofit/>
+          </a:bodyPr>
+          <a:lstStyle/>
+          <a:p>
+            <a:pPr algn="ctr"/>
+            <a:r>
+              <a:rPr lang="en-US" sz="4000" dirty="0">
+                <a:solidFill>
+                  <a:schemeClr val="accent5">
+                    <a:lumMod val="75000"/>
+                  </a:schemeClr>
+                </a:solidFill>
+              </a:rPr>
+              <a:t>Other MLMC Applications</a:t>
+            </a:r>
+            <a:endParaRPr lang="de-DE" sz="4000" dirty="0">
+              <a:solidFill>
+                <a:schemeClr val="accent5">
+                  <a:lumMod val="75000"/>
+                </a:schemeClr>
+              </a:solidFill>
+            </a:endParaRPr>
+          </a:p>
+        </p:txBody>
+      </p:sp>
+      <p:sp>
+        <p:nvSpPr>
+          <p:cNvPr id="4" name="Footer Placeholder 3">
+            <a:extLst>
+              <a:ext uri="{FF2B5EF4-FFF2-40B4-BE49-F238E27FC236}">
+                <a16:creationId xmlns:a16="http://schemas.microsoft.com/office/drawing/2014/main" id="{91595D0A-ED8F-0880-9FA7-A5B4941FE3B4}"/>
+              </a:ext>
+            </a:extLst>
+          </p:cNvPr>
+          <p:cNvSpPr>
+            <a:spLocks noGrp="1"/>
+          </p:cNvSpPr>
+          <p:nvPr>
+            <p:ph type="ftr" sz="quarter" idx="11"/>
+          </p:nvPr>
+        </p:nvSpPr>
+        <p:spPr/>
+        <p:txBody>
+          <a:bodyPr/>
+          <a:lstStyle/>
+          <a:p>
+            <a:r>
+              <a:rPr lang="de-DE" dirty="0"/>
+              <a:t>Multilevel Monte Carlo Methods</a:t>
+            </a:r>
+          </a:p>
+        </p:txBody>
+      </p:sp>
+      <p:sp>
+        <p:nvSpPr>
+          <p:cNvPr id="5" name="Slide Number Placeholder 4">
+            <a:extLst>
+              <a:ext uri="{FF2B5EF4-FFF2-40B4-BE49-F238E27FC236}">
+                <a16:creationId xmlns:a16="http://schemas.microsoft.com/office/drawing/2014/main" id="{8CBED4E9-7B74-4EE2-953E-75B596F11DEF}"/>
+              </a:ext>
+            </a:extLst>
+          </p:cNvPr>
+          <p:cNvSpPr>
+            <a:spLocks noGrp="1"/>
+          </p:cNvSpPr>
+          <p:nvPr>
+            <p:ph type="sldNum" sz="quarter" idx="12"/>
+          </p:nvPr>
+        </p:nvSpPr>
+        <p:spPr/>
+        <p:txBody>
+          <a:bodyPr/>
+          <a:lstStyle/>
+          <a:p>
+            <a:fld id="{773E478D-9561-4C4E-917C-DA2D35FD197D}" type="slidenum">
+              <a:rPr lang="de-DE" smtClean="0"/>
+              <a:t>19</a:t>
+            </a:fld>
+            <a:endParaRPr lang="de-DE"/>
+          </a:p>
+        </p:txBody>
+      </p:sp>
+      <p:cxnSp>
+        <p:nvCxnSpPr>
+          <p:cNvPr id="10" name="Straight Connector 9">
+            <a:extLst>
+              <a:ext uri="{FF2B5EF4-FFF2-40B4-BE49-F238E27FC236}">
+                <a16:creationId xmlns:a16="http://schemas.microsoft.com/office/drawing/2014/main" id="{AC8FE49A-CB68-387E-C62E-08C6E8447F7D}"/>
+              </a:ext>
+            </a:extLst>
+          </p:cNvPr>
+          <p:cNvCxnSpPr/>
+          <p:nvPr/>
+        </p:nvCxnSpPr>
+        <p:spPr>
+          <a:xfrm>
+            <a:off x="111967" y="6375012"/>
+            <a:ext cx="11980506" cy="0"/>
+          </a:xfrm>
+          <a:prstGeom prst="line">
+            <a:avLst/>
+          </a:prstGeom>
+        </p:spPr>
+        <p:style>
+          <a:lnRef idx="3">
+            <a:schemeClr val="accent3"/>
+          </a:lnRef>
+          <a:fillRef idx="0">
+            <a:schemeClr val="accent3"/>
+          </a:fillRef>
+          <a:effectRef idx="2">
+            <a:schemeClr val="accent3"/>
+          </a:effectRef>
+          <a:fontRef idx="minor">
+            <a:schemeClr val="tx1"/>
+          </a:fontRef>
+        </p:style>
+      </p:cxnSp>
+      <p:cxnSp>
+        <p:nvCxnSpPr>
+          <p:cNvPr id="11" name="Straight Connector 10">
+            <a:extLst>
+              <a:ext uri="{FF2B5EF4-FFF2-40B4-BE49-F238E27FC236}">
+                <a16:creationId xmlns:a16="http://schemas.microsoft.com/office/drawing/2014/main" id="{AF920692-B7E7-2BE6-CF6A-3C184A647828}"/>
+              </a:ext>
+            </a:extLst>
+          </p:cNvPr>
+          <p:cNvCxnSpPr/>
+          <p:nvPr/>
+        </p:nvCxnSpPr>
+        <p:spPr>
+          <a:xfrm>
+            <a:off x="111967" y="901053"/>
+            <a:ext cx="11980506" cy="0"/>
+          </a:xfrm>
+          <a:prstGeom prst="line">
+            <a:avLst/>
+          </a:prstGeom>
+        </p:spPr>
+        <p:style>
+          <a:lnRef idx="3">
+            <a:schemeClr val="dk1"/>
+          </a:lnRef>
+          <a:fillRef idx="0">
+            <a:schemeClr val="dk1"/>
+          </a:fillRef>
+          <a:effectRef idx="2">
+            <a:schemeClr val="dk1"/>
+          </a:effectRef>
+          <a:fontRef idx="minor">
+            <a:schemeClr val="tx1"/>
+          </a:fontRef>
+        </p:style>
+      </p:cxnSp>
+      <p:sp>
+        <p:nvSpPr>
+          <p:cNvPr id="3" name="Content Placeholder 2">
+            <a:extLst>
+              <a:ext uri="{FF2B5EF4-FFF2-40B4-BE49-F238E27FC236}">
+                <a16:creationId xmlns:a16="http://schemas.microsoft.com/office/drawing/2014/main" id="{063684B9-8449-CFB0-699B-6CAC98F8A638}"/>
+              </a:ext>
+            </a:extLst>
+          </p:cNvPr>
+          <p:cNvSpPr txBox="1">
+            <a:spLocks/>
+          </p:cNvSpPr>
+          <p:nvPr/>
+        </p:nvSpPr>
+        <p:spPr>
+          <a:xfrm>
+            <a:off x="597159" y="1003693"/>
+            <a:ext cx="10756642" cy="5733010"/>
+          </a:xfrm>
+          <a:prstGeom prst="rect">
+            <a:avLst/>
+          </a:prstGeom>
+        </p:spPr>
+        <p:txBody>
+          <a:bodyPr vert="horz" lIns="91440" tIns="45720" rIns="91440" bIns="45720" rtlCol="0">
+            <a:normAutofit/>
+          </a:bodyPr>
+          <a:lstStyle>
+            <a:lvl1pPr marL="228600" indent="-228600" algn="l" defTabSz="914400" rtl="0" eaLnBrk="1" latinLnBrk="0" hangingPunct="1">
+              <a:lnSpc>
+                <a:spcPct val="90000"/>
+              </a:lnSpc>
+              <a:spcBef>
+                <a:spcPts val="1000"/>
+              </a:spcBef>
+              <a:buFont typeface="Arial" panose="020B0604020202020204" pitchFamily="34" charset="0"/>
+              <a:buChar char="•"/>
+              <a:defRPr sz="2800" kern="1200">
+                <a:solidFill>
+                  <a:schemeClr val="tx1"/>
+                </a:solidFill>
+                <a:latin typeface="+mn-lt"/>
+                <a:ea typeface="+mn-ea"/>
+                <a:cs typeface="+mn-cs"/>
+              </a:defRPr>
+            </a:lvl1pPr>
+            <a:lvl2pPr marL="685800" indent="-228600" algn="l" defTabSz="914400" rtl="0" eaLnBrk="1" latinLnBrk="0" hangingPunct="1">
+              <a:lnSpc>
+                <a:spcPct val="90000"/>
+              </a:lnSpc>
+              <a:spcBef>
+                <a:spcPts val="500"/>
+              </a:spcBef>
+              <a:buFont typeface="Arial" panose="020B0604020202020204" pitchFamily="34" charset="0"/>
+              <a:buChar char="•"/>
+              <a:defRPr sz="2400" kern="1200">
+                <a:solidFill>
+                  <a:schemeClr val="tx1"/>
+                </a:solidFill>
+                <a:latin typeface="+mn-lt"/>
+                <a:ea typeface="+mn-ea"/>
+                <a:cs typeface="+mn-cs"/>
+              </a:defRPr>
+            </a:lvl2pPr>
+            <a:lvl3pPr marL="1143000" indent="-228600" algn="l" defTabSz="914400" rtl="0" eaLnBrk="1" latinLnBrk="0" hangingPunct="1">
+              <a:lnSpc>
+                <a:spcPct val="90000"/>
+              </a:lnSpc>
+              <a:spcBef>
+                <a:spcPts val="500"/>
+              </a:spcBef>
+              <a:buFont typeface="Arial" panose="020B0604020202020204" pitchFamily="34" charset="0"/>
+              <a:buChar char="•"/>
+              <a:defRPr sz="2000" kern="1200">
+                <a:solidFill>
+                  <a:schemeClr val="tx1"/>
+                </a:solidFill>
+                <a:latin typeface="+mn-lt"/>
+                <a:ea typeface="+mn-ea"/>
+                <a:cs typeface="+mn-cs"/>
+              </a:defRPr>
+            </a:lvl3pPr>
+            <a:lvl4pPr marL="1600200" indent="-228600" algn="l" defTabSz="914400" rtl="0" eaLnBrk="1" latinLnBrk="0" hangingPunct="1">
+              <a:lnSpc>
+                <a:spcPct val="90000"/>
+              </a:lnSpc>
+              <a:spcBef>
+                <a:spcPts val="500"/>
+              </a:spcBef>
+              <a:buFont typeface="Arial" panose="020B0604020202020204" pitchFamily="34" charset="0"/>
+              <a:buChar char="•"/>
+              <a:defRPr sz="1800" kern="1200">
+                <a:solidFill>
+                  <a:schemeClr val="tx1"/>
+                </a:solidFill>
+                <a:latin typeface="+mn-lt"/>
+                <a:ea typeface="+mn-ea"/>
+                <a:cs typeface="+mn-cs"/>
+              </a:defRPr>
+            </a:lvl4pPr>
+            <a:lvl5pPr marL="2057400" indent="-228600" algn="l" defTabSz="914400" rtl="0" eaLnBrk="1" latinLnBrk="0" hangingPunct="1">
+              <a:lnSpc>
+                <a:spcPct val="90000"/>
+              </a:lnSpc>
+              <a:spcBef>
+                <a:spcPts val="500"/>
+              </a:spcBef>
+              <a:buFont typeface="Arial" panose="020B0604020202020204" pitchFamily="34" charset="0"/>
+              <a:buChar char="•"/>
+              <a:defRPr sz="1800" kern="1200">
+                <a:solidFill>
+                  <a:schemeClr val="tx1"/>
+                </a:solidFill>
+                <a:latin typeface="+mn-lt"/>
+                <a:ea typeface="+mn-ea"/>
+                <a:cs typeface="+mn-cs"/>
+              </a:defRPr>
+            </a:lvl5pPr>
+            <a:lvl6pPr marL="2514600" indent="-228600" algn="l" defTabSz="914400" rtl="0" eaLnBrk="1" latinLnBrk="0" hangingPunct="1">
+              <a:lnSpc>
+                <a:spcPct val="90000"/>
+              </a:lnSpc>
+              <a:spcBef>
+                <a:spcPts val="500"/>
+              </a:spcBef>
+              <a:buFont typeface="Arial" panose="020B0604020202020204" pitchFamily="34" charset="0"/>
+              <a:buChar char="•"/>
+              <a:defRPr sz="1800" kern="1200">
+                <a:solidFill>
+                  <a:schemeClr val="tx1"/>
+                </a:solidFill>
+                <a:latin typeface="+mn-lt"/>
+                <a:ea typeface="+mn-ea"/>
+                <a:cs typeface="+mn-cs"/>
+              </a:defRPr>
+            </a:lvl6pPr>
+            <a:lvl7pPr marL="2971800" indent="-228600" algn="l" defTabSz="914400" rtl="0" eaLnBrk="1" latinLnBrk="0" hangingPunct="1">
+              <a:lnSpc>
+                <a:spcPct val="90000"/>
+              </a:lnSpc>
+              <a:spcBef>
+                <a:spcPts val="500"/>
+              </a:spcBef>
+              <a:buFont typeface="Arial" panose="020B0604020202020204" pitchFamily="34" charset="0"/>
+              <a:buChar char="•"/>
+              <a:defRPr sz="1800" kern="1200">
+                <a:solidFill>
+                  <a:schemeClr val="tx1"/>
+                </a:solidFill>
+                <a:latin typeface="+mn-lt"/>
+                <a:ea typeface="+mn-ea"/>
+                <a:cs typeface="+mn-cs"/>
+              </a:defRPr>
+            </a:lvl7pPr>
+            <a:lvl8pPr marL="3429000" indent="-228600" algn="l" defTabSz="914400" rtl="0" eaLnBrk="1" latinLnBrk="0" hangingPunct="1">
+              <a:lnSpc>
+                <a:spcPct val="90000"/>
+              </a:lnSpc>
+              <a:spcBef>
+                <a:spcPts val="500"/>
+              </a:spcBef>
+              <a:buFont typeface="Arial" panose="020B0604020202020204" pitchFamily="34" charset="0"/>
+              <a:buChar char="•"/>
+              <a:defRPr sz="1800" kern="1200">
+                <a:solidFill>
+                  <a:schemeClr val="tx1"/>
+                </a:solidFill>
+                <a:latin typeface="+mn-lt"/>
+                <a:ea typeface="+mn-ea"/>
+                <a:cs typeface="+mn-cs"/>
+              </a:defRPr>
+            </a:lvl8pPr>
+            <a:lvl9pPr marL="3886200" indent="-228600" algn="l" defTabSz="914400" rtl="0" eaLnBrk="1" latinLnBrk="0" hangingPunct="1">
+              <a:lnSpc>
+                <a:spcPct val="90000"/>
+              </a:lnSpc>
+              <a:spcBef>
+                <a:spcPts val="500"/>
+              </a:spcBef>
+              <a:buFont typeface="Arial" panose="020B0604020202020204" pitchFamily="34" charset="0"/>
+              <a:buChar char="•"/>
+              <a:defRPr sz="1800" kern="1200">
+                <a:solidFill>
+                  <a:schemeClr val="tx1"/>
+                </a:solidFill>
+                <a:latin typeface="+mn-lt"/>
+                <a:ea typeface="+mn-ea"/>
+                <a:cs typeface="+mn-cs"/>
+              </a:defRPr>
+            </a:lvl9pPr>
+          </a:lstStyle>
+          <a:p>
+            <a:pPr>
+              <a:lnSpc>
+                <a:spcPct val="120000"/>
+              </a:lnSpc>
+            </a:pPr>
+            <a:endParaRPr lang="de-DE" dirty="0"/>
+          </a:p>
+        </p:txBody>
+      </p:sp>
+      <p:sp>
+        <p:nvSpPr>
+          <p:cNvPr id="12" name="Content Placeholder 2">
+            <a:extLst>
+              <a:ext uri="{FF2B5EF4-FFF2-40B4-BE49-F238E27FC236}">
+                <a16:creationId xmlns:a16="http://schemas.microsoft.com/office/drawing/2014/main" id="{85BBDF68-B396-A898-3A88-FB9D59F61831}"/>
+              </a:ext>
+            </a:extLst>
+          </p:cNvPr>
+          <p:cNvSpPr txBox="1">
+            <a:spLocks/>
+          </p:cNvSpPr>
+          <p:nvPr/>
+        </p:nvSpPr>
+        <p:spPr>
+          <a:xfrm>
+            <a:off x="723898" y="988465"/>
+            <a:ext cx="11010123" cy="5205595"/>
+          </a:xfrm>
+          <a:prstGeom prst="rect">
+            <a:avLst/>
+          </a:prstGeom>
+        </p:spPr>
+        <p:txBody>
+          <a:bodyPr vert="horz" lIns="91440" tIns="45720" rIns="91440" bIns="45720" rtlCol="0">
+            <a:normAutofit/>
+          </a:bodyPr>
+          <a:lstStyle>
+            <a:lvl1pPr marL="228600" indent="-228600" algn="l" defTabSz="914400" rtl="0" eaLnBrk="1" latinLnBrk="0" hangingPunct="1">
+              <a:lnSpc>
+                <a:spcPct val="90000"/>
+              </a:lnSpc>
+              <a:spcBef>
+                <a:spcPts val="1000"/>
+              </a:spcBef>
+              <a:buFont typeface="Arial" panose="020B0604020202020204" pitchFamily="34" charset="0"/>
+              <a:buChar char="•"/>
+              <a:defRPr sz="2800" kern="1200">
+                <a:solidFill>
+                  <a:schemeClr val="tx1"/>
+                </a:solidFill>
+                <a:latin typeface="+mn-lt"/>
+                <a:ea typeface="+mn-ea"/>
+                <a:cs typeface="+mn-cs"/>
+              </a:defRPr>
+            </a:lvl1pPr>
+            <a:lvl2pPr marL="685800" indent="-228600" algn="l" defTabSz="914400" rtl="0" eaLnBrk="1" latinLnBrk="0" hangingPunct="1">
+              <a:lnSpc>
+                <a:spcPct val="90000"/>
+              </a:lnSpc>
+              <a:spcBef>
+                <a:spcPts val="500"/>
+              </a:spcBef>
+              <a:buFont typeface="Arial" panose="020B0604020202020204" pitchFamily="34" charset="0"/>
+              <a:buChar char="•"/>
+              <a:defRPr sz="2400" kern="1200">
+                <a:solidFill>
+                  <a:schemeClr val="tx1"/>
+                </a:solidFill>
+                <a:latin typeface="+mn-lt"/>
+                <a:ea typeface="+mn-ea"/>
+                <a:cs typeface="+mn-cs"/>
+              </a:defRPr>
+            </a:lvl2pPr>
+            <a:lvl3pPr marL="1143000" indent="-228600" algn="l" defTabSz="914400" rtl="0" eaLnBrk="1" latinLnBrk="0" hangingPunct="1">
+              <a:lnSpc>
+                <a:spcPct val="90000"/>
+              </a:lnSpc>
+              <a:spcBef>
+                <a:spcPts val="500"/>
+              </a:spcBef>
+              <a:buFont typeface="Arial" panose="020B0604020202020204" pitchFamily="34" charset="0"/>
+              <a:buChar char="•"/>
+              <a:defRPr sz="2000" kern="1200">
+                <a:solidFill>
+                  <a:schemeClr val="tx1"/>
+                </a:solidFill>
+                <a:latin typeface="+mn-lt"/>
+                <a:ea typeface="+mn-ea"/>
+                <a:cs typeface="+mn-cs"/>
+              </a:defRPr>
+            </a:lvl3pPr>
+            <a:lvl4pPr marL="1600200" indent="-228600" algn="l" defTabSz="914400" rtl="0" eaLnBrk="1" latinLnBrk="0" hangingPunct="1">
+              <a:lnSpc>
+                <a:spcPct val="90000"/>
+              </a:lnSpc>
+              <a:spcBef>
+                <a:spcPts val="500"/>
+              </a:spcBef>
+              <a:buFont typeface="Arial" panose="020B0604020202020204" pitchFamily="34" charset="0"/>
+              <a:buChar char="•"/>
+              <a:defRPr sz="1800" kern="1200">
+                <a:solidFill>
+                  <a:schemeClr val="tx1"/>
+                </a:solidFill>
+                <a:latin typeface="+mn-lt"/>
+                <a:ea typeface="+mn-ea"/>
+                <a:cs typeface="+mn-cs"/>
+              </a:defRPr>
+            </a:lvl4pPr>
+            <a:lvl5pPr marL="2057400" indent="-228600" algn="l" defTabSz="914400" rtl="0" eaLnBrk="1" latinLnBrk="0" hangingPunct="1">
+              <a:lnSpc>
+                <a:spcPct val="90000"/>
+              </a:lnSpc>
+              <a:spcBef>
+                <a:spcPts val="500"/>
+              </a:spcBef>
+              <a:buFont typeface="Arial" panose="020B0604020202020204" pitchFamily="34" charset="0"/>
+              <a:buChar char="•"/>
+              <a:defRPr sz="1800" kern="1200">
+                <a:solidFill>
+                  <a:schemeClr val="tx1"/>
+                </a:solidFill>
+                <a:latin typeface="+mn-lt"/>
+                <a:ea typeface="+mn-ea"/>
+                <a:cs typeface="+mn-cs"/>
+              </a:defRPr>
+            </a:lvl5pPr>
+            <a:lvl6pPr marL="2514600" indent="-228600" algn="l" defTabSz="914400" rtl="0" eaLnBrk="1" latinLnBrk="0" hangingPunct="1">
+              <a:lnSpc>
+                <a:spcPct val="90000"/>
+              </a:lnSpc>
+              <a:spcBef>
+                <a:spcPts val="500"/>
+              </a:spcBef>
+              <a:buFont typeface="Arial" panose="020B0604020202020204" pitchFamily="34" charset="0"/>
+              <a:buChar char="•"/>
+              <a:defRPr sz="1800" kern="1200">
+                <a:solidFill>
+                  <a:schemeClr val="tx1"/>
+                </a:solidFill>
+                <a:latin typeface="+mn-lt"/>
+                <a:ea typeface="+mn-ea"/>
+                <a:cs typeface="+mn-cs"/>
+              </a:defRPr>
+            </a:lvl6pPr>
+            <a:lvl7pPr marL="2971800" indent="-228600" algn="l" defTabSz="914400" rtl="0" eaLnBrk="1" latinLnBrk="0" hangingPunct="1">
+              <a:lnSpc>
+                <a:spcPct val="90000"/>
+              </a:lnSpc>
+              <a:spcBef>
+                <a:spcPts val="500"/>
+              </a:spcBef>
+              <a:buFont typeface="Arial" panose="020B0604020202020204" pitchFamily="34" charset="0"/>
+              <a:buChar char="•"/>
+              <a:defRPr sz="1800" kern="1200">
+                <a:solidFill>
+                  <a:schemeClr val="tx1"/>
+                </a:solidFill>
+                <a:latin typeface="+mn-lt"/>
+                <a:ea typeface="+mn-ea"/>
+                <a:cs typeface="+mn-cs"/>
+              </a:defRPr>
+            </a:lvl7pPr>
+            <a:lvl8pPr marL="3429000" indent="-228600" algn="l" defTabSz="914400" rtl="0" eaLnBrk="1" latinLnBrk="0" hangingPunct="1">
+              <a:lnSpc>
+                <a:spcPct val="90000"/>
+              </a:lnSpc>
+              <a:spcBef>
+                <a:spcPts val="500"/>
+              </a:spcBef>
+              <a:buFont typeface="Arial" panose="020B0604020202020204" pitchFamily="34" charset="0"/>
+              <a:buChar char="•"/>
+              <a:defRPr sz="1800" kern="1200">
+                <a:solidFill>
+                  <a:schemeClr val="tx1"/>
+                </a:solidFill>
+                <a:latin typeface="+mn-lt"/>
+                <a:ea typeface="+mn-ea"/>
+                <a:cs typeface="+mn-cs"/>
+              </a:defRPr>
+            </a:lvl8pPr>
+            <a:lvl9pPr marL="3886200" indent="-228600" algn="l" defTabSz="914400" rtl="0" eaLnBrk="1" latinLnBrk="0" hangingPunct="1">
+              <a:lnSpc>
+                <a:spcPct val="90000"/>
+              </a:lnSpc>
+              <a:spcBef>
+                <a:spcPts val="500"/>
+              </a:spcBef>
+              <a:buFont typeface="Arial" panose="020B0604020202020204" pitchFamily="34" charset="0"/>
+              <a:buChar char="•"/>
+              <a:defRPr sz="1800" kern="1200">
+                <a:solidFill>
+                  <a:schemeClr val="tx1"/>
+                </a:solidFill>
+                <a:latin typeface="+mn-lt"/>
+                <a:ea typeface="+mn-ea"/>
+                <a:cs typeface="+mn-cs"/>
+              </a:defRPr>
+            </a:lvl9pPr>
+          </a:lstStyle>
+          <a:p>
+            <a:pPr algn="l">
+              <a:lnSpc>
+                <a:spcPct val="120000"/>
+              </a:lnSpc>
+            </a:pPr>
+            <a:r>
+              <a:rPr lang="de-DE" b="0" i="0" u="none" strike="noStrike" baseline="0" dirty="0"/>
+              <a:t>Multilevel QMC (G, Waterhouse 2009, Dick, </a:t>
+            </a:r>
+            <a:r>
+              <a:rPr lang="de-DE" b="0" i="0" u="none" strike="noStrike" baseline="0" dirty="0" err="1"/>
+              <a:t>Kuo</a:t>
+            </a:r>
+            <a:r>
+              <a:rPr lang="de-DE" b="0" i="0" u="none" strike="noStrike" baseline="0" dirty="0"/>
+              <a:t>, </a:t>
+            </a:r>
+            <a:r>
+              <a:rPr lang="de-DE" b="0" i="0" u="none" strike="noStrike" baseline="0" dirty="0" err="1"/>
+              <a:t>Scheichl</a:t>
+            </a:r>
+            <a:r>
+              <a:rPr lang="de-DE" b="0" i="0" u="none" strike="noStrike" baseline="0" dirty="0"/>
+              <a:t>, Schwab, Sloan, 2014-18)</a:t>
+            </a:r>
+          </a:p>
+          <a:p>
+            <a:pPr algn="l">
+              <a:lnSpc>
+                <a:spcPct val="120000"/>
+              </a:lnSpc>
+            </a:pPr>
+            <a:r>
+              <a:rPr lang="de-DE" b="0" i="0" u="none" strike="noStrike" baseline="0" dirty="0"/>
+              <a:t>MLMC </a:t>
+            </a:r>
+            <a:r>
+              <a:rPr lang="de-DE" b="0" i="0" u="none" strike="noStrike" baseline="0" dirty="0" err="1"/>
+              <a:t>for</a:t>
+            </a:r>
+            <a:r>
+              <a:rPr lang="de-DE" b="0" i="0" u="none" strike="noStrike" baseline="0" dirty="0"/>
+              <a:t> MCMC (Schwab &amp; Stuart, 2013; </a:t>
+            </a:r>
+            <a:r>
+              <a:rPr lang="de-DE" b="0" i="0" u="none" strike="noStrike" baseline="0" dirty="0" err="1"/>
+              <a:t>Scheichl</a:t>
+            </a:r>
+            <a:r>
+              <a:rPr lang="de-DE" b="0" i="0" u="none" strike="noStrike" baseline="0" dirty="0"/>
+              <a:t> &amp; Teckentrup, 2015)</a:t>
+            </a:r>
+          </a:p>
+          <a:p>
+            <a:pPr algn="l">
+              <a:lnSpc>
+                <a:spcPct val="120000"/>
+              </a:lnSpc>
+            </a:pPr>
+            <a:r>
+              <a:rPr lang="de-DE" dirty="0" err="1"/>
+              <a:t>Stochastic</a:t>
+            </a:r>
+            <a:r>
+              <a:rPr lang="de-DE" dirty="0"/>
+              <a:t> </a:t>
+            </a:r>
+            <a:r>
+              <a:rPr lang="de-DE" dirty="0" err="1"/>
+              <a:t>chemical</a:t>
+            </a:r>
+            <a:r>
+              <a:rPr lang="de-DE" dirty="0"/>
+              <a:t> </a:t>
+            </a:r>
+            <a:r>
+              <a:rPr lang="de-DE" dirty="0" err="1"/>
+              <a:t>reactions</a:t>
+            </a:r>
+            <a:r>
+              <a:rPr lang="de-DE" dirty="0"/>
+              <a:t> (Anderson &amp; </a:t>
+            </a:r>
+            <a:r>
+              <a:rPr lang="de-DE" dirty="0" err="1"/>
+              <a:t>Higham</a:t>
+            </a:r>
+            <a:r>
+              <a:rPr lang="de-DE" dirty="0"/>
+              <a:t>, 2012, 2014)</a:t>
+            </a:r>
+          </a:p>
+          <a:p>
+            <a:pPr algn="l">
+              <a:lnSpc>
+                <a:spcPct val="120000"/>
+              </a:lnSpc>
+            </a:pPr>
+            <a:r>
+              <a:rPr lang="en-US" dirty="0"/>
+              <a:t>Invariant distribution of contractive Markov process (Glynn &amp; Rhee)</a:t>
+            </a:r>
+          </a:p>
+          <a:p>
+            <a:pPr algn="l">
+              <a:lnSpc>
+                <a:spcPct val="120000"/>
+              </a:lnSpc>
+            </a:pPr>
+            <a:r>
+              <a:rPr lang="en-US" dirty="0"/>
+              <a:t>Invariant distribution of contractive SDEs (G, Lester &amp; Whittle)</a:t>
+            </a:r>
+            <a:endParaRPr lang="de-DE" dirty="0"/>
+          </a:p>
+        </p:txBody>
+      </p:sp>
+    </p:spTree>
+    <p:extLst>
+      <p:ext uri="{BB962C8B-B14F-4D97-AF65-F5344CB8AC3E}">
+        <p14:creationId xmlns:p14="http://schemas.microsoft.com/office/powerpoint/2010/main" val="2231782204"/>
+      </p:ext>
+    </p:extLst>
+  </p:cSld>
+  <p:clrMapOvr>
+    <a:masterClrMapping/>
+  </p:clrMapOvr>
+</p:sld>
+</file>
+
+<file path=ppt/slides/slide2.xml><?xml version="1.0" encoding="utf-8"?>
+<p:sld xmlns:a="http://schemas.openxmlformats.org/drawingml/2006/main" xmlns:r="http://schemas.openxmlformats.org/officeDocument/2006/relationships" xmlns:p="http://schemas.openxmlformats.org/presentationml/2006/main">
+  <p:cSld>
+    <p:bg>
+      <p:bgPr>
+        <a:solidFill>
+          <a:schemeClr val="bg1"/>
+        </a:solidFill>
+        <a:effectLst/>
+      </p:bgPr>
+    </p:bg>
+    <p:spTree>
+      <p:nvGrpSpPr>
+        <p:cNvPr id="1" name=""/>
+        <p:cNvGrpSpPr/>
+        <p:nvPr/>
+      </p:nvGrpSpPr>
+      <p:grpSpPr>
+        <a:xfrm>
+          <a:off x="0" y="0"/>
+          <a:ext cx="0" cy="0"/>
+          <a:chOff x="0" y="0"/>
+          <a:chExt cx="0" cy="0"/>
+        </a:xfrm>
+      </p:grpSpPr>
+      <p:sp>
+        <p:nvSpPr>
+          <p:cNvPr id="2" name="Title 1">
+            <a:extLst>
+              <a:ext uri="{FF2B5EF4-FFF2-40B4-BE49-F238E27FC236}">
+                <a16:creationId xmlns:a16="http://schemas.microsoft.com/office/drawing/2014/main" id="{ACBA041C-2EB9-B777-28D3-7F1A76CCCEB8}"/>
+              </a:ext>
+            </a:extLst>
+          </p:cNvPr>
+          <p:cNvSpPr>
+            <a:spLocks noGrp="1"/>
+          </p:cNvSpPr>
+          <p:nvPr>
+            <p:ph type="title"/>
+          </p:nvPr>
+        </p:nvSpPr>
+        <p:spPr>
+          <a:xfrm>
+            <a:off x="0" y="-9331"/>
+            <a:ext cx="12192000" cy="1072673"/>
+          </a:xfrm>
+        </p:spPr>
+        <p:txBody>
+          <a:bodyPr>
+            <a:normAutofit/>
+          </a:bodyPr>
+          <a:lstStyle/>
+          <a:p>
+            <a:pPr algn="ctr"/>
+            <a:r>
+              <a:rPr lang="en-US" sz="4000" dirty="0">
+                <a:solidFill>
+                  <a:schemeClr val="accent5">
+                    <a:lumMod val="75000"/>
+                  </a:schemeClr>
+                </a:solidFill>
+              </a:rPr>
+              <a:t>Objectives</a:t>
+            </a:r>
+            <a:endParaRPr lang="de-DE" sz="4000" dirty="0">
+              <a:solidFill>
+                <a:schemeClr val="accent5">
+                  <a:lumMod val="75000"/>
+                </a:schemeClr>
+              </a:solidFill>
+            </a:endParaRPr>
+          </a:p>
+        </p:txBody>
+      </p:sp>
+      <p:sp>
+        <p:nvSpPr>
+          <p:cNvPr id="4" name="Footer Placeholder 3">
+            <a:extLst>
+              <a:ext uri="{FF2B5EF4-FFF2-40B4-BE49-F238E27FC236}">
+                <a16:creationId xmlns:a16="http://schemas.microsoft.com/office/drawing/2014/main" id="{91595D0A-ED8F-0880-9FA7-A5B4941FE3B4}"/>
+              </a:ext>
+            </a:extLst>
+          </p:cNvPr>
+          <p:cNvSpPr>
+            <a:spLocks noGrp="1"/>
+          </p:cNvSpPr>
+          <p:nvPr>
+            <p:ph type="ftr" sz="quarter" idx="11"/>
+          </p:nvPr>
+        </p:nvSpPr>
+        <p:spPr/>
+        <p:txBody>
+          <a:bodyPr/>
+          <a:lstStyle/>
+          <a:p>
+            <a:r>
+              <a:rPr lang="de-DE" dirty="0"/>
+              <a:t>Multilevel Monte Carlo Methods</a:t>
+            </a:r>
+          </a:p>
+        </p:txBody>
+      </p:sp>
+      <p:sp>
+        <p:nvSpPr>
+          <p:cNvPr id="5" name="Slide Number Placeholder 4">
+            <a:extLst>
+              <a:ext uri="{FF2B5EF4-FFF2-40B4-BE49-F238E27FC236}">
+                <a16:creationId xmlns:a16="http://schemas.microsoft.com/office/drawing/2014/main" id="{8CBED4E9-7B74-4EE2-953E-75B596F11DEF}"/>
+              </a:ext>
+            </a:extLst>
+          </p:cNvPr>
+          <p:cNvSpPr>
+            <a:spLocks noGrp="1"/>
+          </p:cNvSpPr>
+          <p:nvPr>
+            <p:ph type="sldNum" sz="quarter" idx="12"/>
+          </p:nvPr>
+        </p:nvSpPr>
+        <p:spPr/>
+        <p:txBody>
+          <a:bodyPr/>
+          <a:lstStyle/>
+          <a:p>
+            <a:fld id="{773E478D-9561-4C4E-917C-DA2D35FD197D}" type="slidenum">
+              <a:rPr lang="de-DE" smtClean="0"/>
+              <a:t>2</a:t>
+            </a:fld>
+            <a:endParaRPr lang="de-DE"/>
+          </a:p>
+        </p:txBody>
+      </p:sp>
+      <p:cxnSp>
+        <p:nvCxnSpPr>
+          <p:cNvPr id="10" name="Straight Connector 9">
+            <a:extLst>
+              <a:ext uri="{FF2B5EF4-FFF2-40B4-BE49-F238E27FC236}">
+                <a16:creationId xmlns:a16="http://schemas.microsoft.com/office/drawing/2014/main" id="{AC8FE49A-CB68-387E-C62E-08C6E8447F7D}"/>
+              </a:ext>
+            </a:extLst>
+          </p:cNvPr>
+          <p:cNvCxnSpPr/>
+          <p:nvPr/>
+        </p:nvCxnSpPr>
+        <p:spPr>
+          <a:xfrm>
+            <a:off x="111967" y="6375012"/>
+            <a:ext cx="11980506" cy="0"/>
+          </a:xfrm>
+          <a:prstGeom prst="line">
+            <a:avLst/>
+          </a:prstGeom>
+        </p:spPr>
+        <p:style>
+          <a:lnRef idx="3">
+            <a:schemeClr val="accent3"/>
+          </a:lnRef>
+          <a:fillRef idx="0">
+            <a:schemeClr val="accent3"/>
+          </a:fillRef>
+          <a:effectRef idx="2">
+            <a:schemeClr val="accent3"/>
+          </a:effectRef>
+          <a:fontRef idx="minor">
+            <a:schemeClr val="tx1"/>
+          </a:fontRef>
+        </p:style>
+      </p:cxnSp>
+      <p:cxnSp>
+        <p:nvCxnSpPr>
+          <p:cNvPr id="11" name="Straight Connector 10">
+            <a:extLst>
+              <a:ext uri="{FF2B5EF4-FFF2-40B4-BE49-F238E27FC236}">
+                <a16:creationId xmlns:a16="http://schemas.microsoft.com/office/drawing/2014/main" id="{AF920692-B7E7-2BE6-CF6A-3C184A647828}"/>
+              </a:ext>
+            </a:extLst>
+          </p:cNvPr>
+          <p:cNvCxnSpPr/>
+          <p:nvPr/>
+        </p:nvCxnSpPr>
+        <p:spPr>
+          <a:xfrm>
+            <a:off x="111967" y="901053"/>
+            <a:ext cx="11980506" cy="0"/>
+          </a:xfrm>
+          <a:prstGeom prst="line">
+            <a:avLst/>
+          </a:prstGeom>
+        </p:spPr>
+        <p:style>
+          <a:lnRef idx="3">
+            <a:schemeClr val="dk1"/>
+          </a:lnRef>
+          <a:fillRef idx="0">
+            <a:schemeClr val="dk1"/>
+          </a:fillRef>
+          <a:effectRef idx="2">
+            <a:schemeClr val="dk1"/>
+          </a:effectRef>
+          <a:fontRef idx="minor">
+            <a:schemeClr val="tx1"/>
+          </a:fontRef>
+        </p:style>
+      </p:cxnSp>
+      <p:sp>
+        <p:nvSpPr>
+          <p:cNvPr id="9" name="Content Placeholder 2">
+            <a:extLst>
+              <a:ext uri="{FF2B5EF4-FFF2-40B4-BE49-F238E27FC236}">
+                <a16:creationId xmlns:a16="http://schemas.microsoft.com/office/drawing/2014/main" id="{1390DE4D-0854-BE6E-BDD1-5AA7AB426A6B}"/>
+              </a:ext>
+            </a:extLst>
+          </p:cNvPr>
+          <p:cNvSpPr>
+            <a:spLocks noGrp="1"/>
+          </p:cNvSpPr>
+          <p:nvPr>
+            <p:ph idx="1"/>
+          </p:nvPr>
+        </p:nvSpPr>
+        <p:spPr>
+          <a:xfrm>
+            <a:off x="429208" y="938378"/>
+            <a:ext cx="11131421" cy="5733010"/>
+          </a:xfrm>
+        </p:spPr>
+        <p:txBody>
+          <a:bodyPr>
+            <a:normAutofit/>
+          </a:bodyPr>
+          <a:lstStyle/>
+          <a:p>
+            <a:pPr marL="0" indent="0">
+              <a:lnSpc>
+                <a:spcPct val="120000"/>
+              </a:lnSpc>
+              <a:buNone/>
+            </a:pPr>
+            <a:r>
+              <a:rPr lang="en-US" dirty="0"/>
+              <a:t>In presenting the Multi level Monte Carlo methods, we would like to see the emphasis on:</a:t>
+            </a:r>
+          </a:p>
+          <a:p>
+            <a:pPr>
+              <a:lnSpc>
+                <a:spcPct val="120000"/>
+              </a:lnSpc>
+            </a:pPr>
+            <a:r>
+              <a:rPr lang="en-US" dirty="0"/>
+              <a:t>The simplicity of the idea by Mike Gills.</a:t>
+            </a:r>
+          </a:p>
+          <a:p>
+            <a:pPr>
+              <a:lnSpc>
+                <a:spcPct val="120000"/>
+              </a:lnSpc>
+            </a:pPr>
+            <a:r>
+              <a:rPr lang="en-US" dirty="0"/>
+              <a:t>Flexibility of the approach</a:t>
+            </a:r>
+          </a:p>
+          <a:p>
+            <a:pPr>
+              <a:lnSpc>
+                <a:spcPct val="120000"/>
+              </a:lnSpc>
+            </a:pPr>
+            <a:r>
+              <a:rPr lang="en-US" dirty="0"/>
+              <a:t>Variety of applications that people are working on.</a:t>
+            </a:r>
+          </a:p>
+          <a:p>
+            <a:pPr marL="0" indent="0">
+              <a:lnSpc>
+                <a:spcPct val="120000"/>
+              </a:lnSpc>
+              <a:buNone/>
+            </a:pPr>
+            <a:r>
+              <a:rPr lang="en-US" dirty="0"/>
+              <a:t>In doing so, we will see this conceptually as well as numerically.</a:t>
+            </a:r>
+            <a:endParaRPr lang="de-DE" dirty="0"/>
+          </a:p>
+        </p:txBody>
+      </p:sp>
+    </p:spTree>
+    <p:extLst>
+      <p:ext uri="{BB962C8B-B14F-4D97-AF65-F5344CB8AC3E}">
+        <p14:creationId xmlns:p14="http://schemas.microsoft.com/office/powerpoint/2010/main" val="234442473"/>
+      </p:ext>
+    </p:extLst>
+  </p:cSld>
+  <p:clrMapOvr>
+    <a:masterClrMapping/>
+  </p:clrMapOvr>
+</p:sld>
+</file>
+
+<file path=ppt/slides/slide20.xml><?xml version="1.0" encoding="utf-8"?>
 <p:sld xmlns:a="http://schemas.openxmlformats.org/drawingml/2006/main" xmlns:r="http://schemas.openxmlformats.org/officeDocument/2006/relationships" xmlns:p="http://schemas.openxmlformats.org/presentationml/2006/main">
   <p:cSld>
     <p:bg>
@@ -13891,7 +17747,7 @@
           <a:p>
             <a:fld id="{773E478D-9561-4C4E-917C-DA2D35FD197D}" type="slidenum">
               <a:rPr lang="de-DE" smtClean="0"/>
-              <a:t>17</a:t>
+              <a:t>20</a:t>
             </a:fld>
             <a:endParaRPr lang="de-DE"/>
           </a:p>
@@ -15246,24 +19102,7 @@
                             <a:ea typeface="+mn-ea"/>
                             <a:cs typeface="+mn-cs"/>
                           </a:rPr>
-                          <m:t>1</m:t>
-                        </m:r>
-                        <m:r>
-                          <a:rPr kumimoji="0" lang="en-US" sz="2400" b="0" i="1" u="none" strike="noStrike" kern="1200" cap="none" spc="0" normalizeH="0" baseline="0" noProof="0" smtClean="0">
-                            <a:ln>
-                              <a:noFill/>
-                            </a:ln>
-                            <a:solidFill>
-                              <a:prstClr val="black"/>
-                            </a:solidFill>
-                            <a:effectLst/>
-                            <a:uLnTx/>
-                            <a:uFillTx/>
-                            <a:latin typeface="Cambria Math" panose="02040503050406030204" pitchFamily="18" charset="0"/>
-                            <a:ea typeface="+mn-ea"/>
-                            <a:cs typeface="+mn-cs"/>
-                          </a:rPr>
-                          <m:t>=0</m:t>
+                          <m:t>1=0</m:t>
                         </m:r>
                       </m:sub>
                       <m:sup>
@@ -15752,27 +19591,7 @@
                             <a:latin typeface="Cambria Math" panose="02040503050406030204" pitchFamily="18" charset="0"/>
                             <a:ea typeface="Cambria Math" panose="02040503050406030204" pitchFamily="18" charset="0"/>
                           </a:rPr>
-                          <m:t>1</m:t>
-                        </m:r>
-                        <m:r>
-                          <a:rPr lang="en-US" sz="2400" b="0" i="1" smtClean="0">
-                            <a:solidFill>
-                              <a:prstClr val="black"/>
-                            </a:solidFill>
-                            <a:latin typeface="Cambria Math" panose="02040503050406030204" pitchFamily="18" charset="0"/>
-                            <a:ea typeface="Cambria Math" panose="02040503050406030204" pitchFamily="18" charset="0"/>
-                          </a:rPr>
-                          <m:t>−1</m:t>
-                        </m:r>
-                        <m:r>
-                          <a:rPr lang="en-US" sz="2400" b="0" i="1" smtClean="0">
-                            <a:solidFill>
-                              <a:prstClr val="black"/>
-                            </a:solidFill>
-                            <a:latin typeface="Cambria Math" panose="02040503050406030204" pitchFamily="18" charset="0"/>
-                            <a:ea typeface="Cambria Math" panose="02040503050406030204" pitchFamily="18" charset="0"/>
-                          </a:rPr>
-                          <m:t>, </m:t>
+                          <m:t>1−1, </m:t>
                         </m:r>
                         <m:r>
                           <a:rPr lang="en-US" sz="2400" b="0" i="1" smtClean="0">
@@ -16092,7 +19911,7 @@
     </p:spTree>
     <p:extLst>
       <p:ext uri="{BB962C8B-B14F-4D97-AF65-F5344CB8AC3E}">
-        <p14:creationId xmlns:p14="http://schemas.microsoft.com/office/powerpoint/2010/main" val="1468382734"/>
+        <p14:creationId xmlns:p14="http://schemas.microsoft.com/office/powerpoint/2010/main" val="3948119665"/>
       </p:ext>
     </p:extLst>
   </p:cSld>
@@ -16102,7 +19921,7 @@
 </p:sld>
 </file>
 
-<file path=ppt/slides/slide18.xml><?xml version="1.0" encoding="utf-8"?>
+<file path=ppt/slides/slide21.xml><?xml version="1.0" encoding="utf-8"?>
 <p:sld xmlns:a="http://schemas.openxmlformats.org/drawingml/2006/main" xmlns:r="http://schemas.openxmlformats.org/officeDocument/2006/relationships" xmlns:p="http://schemas.openxmlformats.org/presentationml/2006/main">
   <p:cSld>
     <p:bg>
@@ -16227,7 +20046,7 @@
           <a:p>
             <a:fld id="{773E478D-9561-4C4E-917C-DA2D35FD197D}" type="slidenum">
               <a:rPr lang="de-DE" smtClean="0"/>
-              <a:t>18</a:t>
+              <a:t>21</a:t>
             </a:fld>
             <a:endParaRPr lang="de-DE"/>
           </a:p>
@@ -16823,7 +20642,7 @@
 </p:sld>
 </file>
 
-<file path=ppt/slides/slide19.xml><?xml version="1.0" encoding="utf-8"?>
+<file path=ppt/slides/slide22.xml><?xml version="1.0" encoding="utf-8"?>
 <p:sld xmlns:a="http://schemas.openxmlformats.org/drawingml/2006/main" xmlns:r="http://schemas.openxmlformats.org/officeDocument/2006/relationships" xmlns:p="http://schemas.openxmlformats.org/presentationml/2006/main">
   <p:cSld>
     <p:bg>
@@ -16948,7 +20767,7 @@
           <a:p>
             <a:fld id="{773E478D-9561-4C4E-917C-DA2D35FD197D}" type="slidenum">
               <a:rPr lang="de-DE" smtClean="0"/>
-              <a:t>19</a:t>
+              <a:t>22</a:t>
             </a:fld>
             <a:endParaRPr lang="de-DE"/>
           </a:p>
@@ -17597,7 +21416,7 @@
 </p:sld>
 </file>
 
-<file path=ppt/slides/slide2.xml><?xml version="1.0" encoding="utf-8"?>
+<file path=ppt/slides/slide3.xml><?xml version="1.0" encoding="utf-8"?>
 <p:sld xmlns:a="http://schemas.openxmlformats.org/drawingml/2006/main" xmlns:r="http://schemas.openxmlformats.org/officeDocument/2006/relationships" xmlns:p="http://schemas.openxmlformats.org/presentationml/2006/main">
   <p:cSld>
     <p:bg>
@@ -17722,7 +21541,7 @@
           <a:p>
             <a:fld id="{773E478D-9561-4C4E-917C-DA2D35FD197D}" type="slidenum">
               <a:rPr lang="de-DE" smtClean="0"/>
-              <a:t>2</a:t>
+              <a:t>3</a:t>
             </a:fld>
             <a:endParaRPr lang="de-DE"/>
           </a:p>
@@ -18065,7 +21884,7 @@
 </p:sld>
 </file>
 
-<file path=ppt/slides/slide3.xml><?xml version="1.0" encoding="utf-8"?>
+<file path=ppt/slides/slide4.xml><?xml version="1.0" encoding="utf-8"?>
 <p:sld xmlns:a="http://schemas.openxmlformats.org/drawingml/2006/main" xmlns:r="http://schemas.openxmlformats.org/officeDocument/2006/relationships" xmlns:p="http://schemas.openxmlformats.org/presentationml/2006/main">
   <p:cSld>
     <p:bg>
@@ -18190,7 +22009,7 @@
           <a:p>
             <a:fld id="{773E478D-9561-4C4E-917C-DA2D35FD197D}" type="slidenum">
               <a:rPr lang="de-DE" smtClean="0"/>
-              <a:t>3</a:t>
+              <a:t>4</a:t>
             </a:fld>
             <a:endParaRPr lang="de-DE"/>
           </a:p>
@@ -18633,7 +22452,7 @@
 </p:sld>
 </file>
 
-<file path=ppt/slides/slide4.xml><?xml version="1.0" encoding="utf-8"?>
+<file path=ppt/slides/slide5.xml><?xml version="1.0" encoding="utf-8"?>
 <p:sld xmlns:a="http://schemas.openxmlformats.org/drawingml/2006/main" xmlns:r="http://schemas.openxmlformats.org/officeDocument/2006/relationships" xmlns:p="http://schemas.openxmlformats.org/presentationml/2006/main">
   <p:cSld>
     <p:bg>
@@ -18758,7 +22577,7 @@
           <a:p>
             <a:fld id="{773E478D-9561-4C4E-917C-DA2D35FD197D}" type="slidenum">
               <a:rPr lang="de-DE" smtClean="0"/>
-              <a:t>4</a:t>
+              <a:t>5</a:t>
             </a:fld>
             <a:endParaRPr lang="de-DE"/>
           </a:p>
@@ -18878,7 +22697,7 @@
 </p:sld>
 </file>
 
-<file path=ppt/slides/slide5.xml><?xml version="1.0" encoding="utf-8"?>
+<file path=ppt/slides/slide6.xml><?xml version="1.0" encoding="utf-8"?>
 <p:sld xmlns:a="http://schemas.openxmlformats.org/drawingml/2006/main" xmlns:r="http://schemas.openxmlformats.org/officeDocument/2006/relationships" xmlns:p="http://schemas.openxmlformats.org/presentationml/2006/main">
   <p:cSld>
     <p:bg>
@@ -19003,7 +22822,7 @@
           <a:p>
             <a:fld id="{773E478D-9561-4C4E-917C-DA2D35FD197D}" type="slidenum">
               <a:rPr lang="de-DE" smtClean="0"/>
-              <a:t>5</a:t>
+              <a:t>6</a:t>
             </a:fld>
             <a:endParaRPr lang="de-DE"/>
           </a:p>
@@ -19760,7 +23579,7 @@
 </p:sld>
 </file>
 
-<file path=ppt/slides/slide6.xml><?xml version="1.0" encoding="utf-8"?>
+<file path=ppt/slides/slide7.xml><?xml version="1.0" encoding="utf-8"?>
 <p:sld xmlns:a="http://schemas.openxmlformats.org/drawingml/2006/main" xmlns:r="http://schemas.openxmlformats.org/officeDocument/2006/relationships" xmlns:p="http://schemas.openxmlformats.org/presentationml/2006/main">
   <p:cSld>
     <p:bg>
@@ -19885,7 +23704,7 @@
           <a:p>
             <a:fld id="{773E478D-9561-4C4E-917C-DA2D35FD197D}" type="slidenum">
               <a:rPr lang="de-DE" smtClean="0"/>
-              <a:t>6</a:t>
+              <a:t>7</a:t>
             </a:fld>
             <a:endParaRPr lang="de-DE"/>
           </a:p>
@@ -20010,8 +23829,8 @@
           </a:extLst>
         </p:spPr>
       </p:pic>
-      <mc:AlternateContent xmlns:mc="http://schemas.openxmlformats.org/markup-compatibility/2006">
-        <mc:Choice xmlns:a14="http://schemas.microsoft.com/office/drawing/2010/main" Requires="a14">
+      <mc:AlternateContent xmlns:mc="http://schemas.openxmlformats.org/markup-compatibility/2006" xmlns:a14="http://schemas.microsoft.com/office/drawing/2010/main">
+        <mc:Choice Requires="a14">
           <p:sp>
             <p:nvSpPr>
               <p:cNvPr id="9" name="Content Placeholder 2">
@@ -21037,7 +24856,7 @@
             </p:txBody>
           </p:sp>
         </mc:Choice>
-        <mc:Fallback>
+        <mc:Fallback xmlns="">
           <p:sp>
             <p:nvSpPr>
               <p:cNvPr id="9" name="Content Placeholder 2">
@@ -21094,7 +24913,7 @@
 </p:sld>
 </file>
 
-<file path=ppt/slides/slide7.xml><?xml version="1.0" encoding="utf-8"?>
+<file path=ppt/slides/slide8.xml><?xml version="1.0" encoding="utf-8"?>
 <p:sld xmlns:a="http://schemas.openxmlformats.org/drawingml/2006/main" xmlns:r="http://schemas.openxmlformats.org/officeDocument/2006/relationships" xmlns:p="http://schemas.openxmlformats.org/presentationml/2006/main">
   <p:cSld>
     <p:bg>
@@ -21212,7 +25031,7 @@
           <a:p>
             <a:fld id="{773E478D-9561-4C4E-917C-DA2D35FD197D}" type="slidenum">
               <a:rPr lang="de-DE" smtClean="0"/>
-              <a:t>7</a:t>
+              <a:t>8</a:t>
             </a:fld>
             <a:endParaRPr lang="de-DE"/>
           </a:p>
@@ -21290,8 +25109,8 @@
           </a:fontRef>
         </p:style>
       </p:cxnSp>
-      <mc:AlternateContent xmlns:mc="http://schemas.openxmlformats.org/markup-compatibility/2006">
-        <mc:Choice xmlns:a14="http://schemas.microsoft.com/office/drawing/2010/main" Requires="a14">
+      <mc:AlternateContent xmlns:mc="http://schemas.openxmlformats.org/markup-compatibility/2006" xmlns:a14="http://schemas.microsoft.com/office/drawing/2010/main">
+        <mc:Choice Requires="a14">
           <p:sp>
             <p:nvSpPr>
               <p:cNvPr id="9" name="Content Placeholder 2">
@@ -22057,7 +25876,7 @@
             </p:txBody>
           </p:sp>
         </mc:Choice>
-        <mc:Fallback>
+        <mc:Fallback xmlns="">
           <p:sp>
             <p:nvSpPr>
               <p:cNvPr id="9" name="Content Placeholder 2">
@@ -22238,7 +26057,7 @@
 </p:sld>
 </file>
 
-<file path=ppt/slides/slide8.xml><?xml version="1.0" encoding="utf-8"?>
+<file path=ppt/slides/slide9.xml><?xml version="1.0" encoding="utf-8"?>
 <p:sld xmlns:a="http://schemas.openxmlformats.org/drawingml/2006/main" xmlns:r="http://schemas.openxmlformats.org/officeDocument/2006/relationships" xmlns:p="http://schemas.openxmlformats.org/presentationml/2006/main">
   <p:cSld>
     <p:bg>
@@ -22356,7 +26175,7 @@
           <a:p>
             <a:fld id="{773E478D-9561-4C4E-917C-DA2D35FD197D}" type="slidenum">
               <a:rPr lang="de-DE" smtClean="0"/>
-              <a:t>8</a:t>
+              <a:t>9</a:t>
             </a:fld>
             <a:endParaRPr lang="de-DE"/>
           </a:p>
@@ -23085,2029 +26904,6 @@
     <p:extLst>
       <p:ext uri="{BB962C8B-B14F-4D97-AF65-F5344CB8AC3E}">
         <p14:creationId xmlns:p14="http://schemas.microsoft.com/office/powerpoint/2010/main" val="899370383"/>
-      </p:ext>
-    </p:extLst>
-  </p:cSld>
-  <p:clrMapOvr>
-    <a:masterClrMapping/>
-  </p:clrMapOvr>
-</p:sld>
-</file>
-
-<file path=ppt/slides/slide9.xml><?xml version="1.0" encoding="utf-8"?>
-<p:sld xmlns:a="http://schemas.openxmlformats.org/drawingml/2006/main" xmlns:r="http://schemas.openxmlformats.org/officeDocument/2006/relationships" xmlns:p="http://schemas.openxmlformats.org/presentationml/2006/main">
-  <p:cSld>
-    <p:bg>
-      <p:bgPr>
-        <a:solidFill>
-          <a:schemeClr val="bg1"/>
-        </a:solidFill>
-        <a:effectLst/>
-      </p:bgPr>
-    </p:bg>
-    <p:spTree>
-      <p:nvGrpSpPr>
-        <p:cNvPr id="1" name=""/>
-        <p:cNvGrpSpPr/>
-        <p:nvPr/>
-      </p:nvGrpSpPr>
-      <p:grpSpPr>
-        <a:xfrm>
-          <a:off x="0" y="0"/>
-          <a:ext cx="0" cy="0"/>
-          <a:chOff x="0" y="0"/>
-          <a:chExt cx="0" cy="0"/>
-        </a:xfrm>
-      </p:grpSpPr>
-      <p:sp>
-        <p:nvSpPr>
-          <p:cNvPr id="2" name="Title 1">
-            <a:extLst>
-              <a:ext uri="{FF2B5EF4-FFF2-40B4-BE49-F238E27FC236}">
-                <a16:creationId xmlns:a16="http://schemas.microsoft.com/office/drawing/2014/main" id="{ACBA041C-2EB9-B777-28D3-7F1A76CCCEB8}"/>
-              </a:ext>
-            </a:extLst>
-          </p:cNvPr>
-          <p:cNvSpPr>
-            <a:spLocks noGrp="1"/>
-          </p:cNvSpPr>
-          <p:nvPr>
-            <p:ph type="title"/>
-          </p:nvPr>
-        </p:nvSpPr>
-        <p:spPr>
-          <a:xfrm>
-            <a:off x="0" y="-9331"/>
-            <a:ext cx="12192000" cy="1072673"/>
-          </a:xfrm>
-        </p:spPr>
-        <p:txBody>
-          <a:bodyPr>
-            <a:normAutofit/>
-          </a:bodyPr>
-          <a:lstStyle/>
-          <a:p>
-            <a:pPr algn="ctr"/>
-            <a:r>
-              <a:rPr lang="en-US" sz="4000" dirty="0">
-                <a:solidFill>
-                  <a:schemeClr val="accent5">
-                    <a:lumMod val="75000"/>
-                  </a:schemeClr>
-                </a:solidFill>
-              </a:rPr>
-              <a:t>Two-level Monte Carlo</a:t>
-            </a:r>
-            <a:endParaRPr lang="de-DE" sz="4000" dirty="0">
-              <a:solidFill>
-                <a:schemeClr val="accent5">
-                  <a:lumMod val="75000"/>
-                </a:schemeClr>
-              </a:solidFill>
-            </a:endParaRPr>
-          </a:p>
-        </p:txBody>
-      </p:sp>
-      <p:sp>
-        <p:nvSpPr>
-          <p:cNvPr id="4" name="Footer Placeholder 3">
-            <a:extLst>
-              <a:ext uri="{FF2B5EF4-FFF2-40B4-BE49-F238E27FC236}">
-                <a16:creationId xmlns:a16="http://schemas.microsoft.com/office/drawing/2014/main" id="{91595D0A-ED8F-0880-9FA7-A5B4941FE3B4}"/>
-              </a:ext>
-            </a:extLst>
-          </p:cNvPr>
-          <p:cNvSpPr>
-            <a:spLocks noGrp="1"/>
-          </p:cNvSpPr>
-          <p:nvPr>
-            <p:ph type="ftr" sz="quarter" idx="11"/>
-          </p:nvPr>
-        </p:nvSpPr>
-        <p:spPr/>
-        <p:txBody>
-          <a:bodyPr/>
-          <a:lstStyle/>
-          <a:p>
-            <a:r>
-              <a:rPr lang="de-DE" dirty="0"/>
-              <a:t>Multilevel Monte Carlo Methods</a:t>
-            </a:r>
-          </a:p>
-        </p:txBody>
-      </p:sp>
-      <p:sp>
-        <p:nvSpPr>
-          <p:cNvPr id="5" name="Slide Number Placeholder 4">
-            <a:extLst>
-              <a:ext uri="{FF2B5EF4-FFF2-40B4-BE49-F238E27FC236}">
-                <a16:creationId xmlns:a16="http://schemas.microsoft.com/office/drawing/2014/main" id="{8CBED4E9-7B74-4EE2-953E-75B596F11DEF}"/>
-              </a:ext>
-            </a:extLst>
-          </p:cNvPr>
-          <p:cNvSpPr>
-            <a:spLocks noGrp="1"/>
-          </p:cNvSpPr>
-          <p:nvPr>
-            <p:ph type="sldNum" sz="quarter" idx="12"/>
-          </p:nvPr>
-        </p:nvSpPr>
-        <p:spPr/>
-        <p:txBody>
-          <a:bodyPr/>
-          <a:lstStyle/>
-          <a:p>
-            <a:fld id="{773E478D-9561-4C4E-917C-DA2D35FD197D}" type="slidenum">
-              <a:rPr lang="de-DE" smtClean="0"/>
-              <a:t>9</a:t>
-            </a:fld>
-            <a:endParaRPr lang="de-DE"/>
-          </a:p>
-        </p:txBody>
-      </p:sp>
-      <p:cxnSp>
-        <p:nvCxnSpPr>
-          <p:cNvPr id="10" name="Straight Connector 9">
-            <a:extLst>
-              <a:ext uri="{FF2B5EF4-FFF2-40B4-BE49-F238E27FC236}">
-                <a16:creationId xmlns:a16="http://schemas.microsoft.com/office/drawing/2014/main" id="{AC8FE49A-CB68-387E-C62E-08C6E8447F7D}"/>
-              </a:ext>
-            </a:extLst>
-          </p:cNvPr>
-          <p:cNvCxnSpPr/>
-          <p:nvPr/>
-        </p:nvCxnSpPr>
-        <p:spPr>
-          <a:xfrm>
-            <a:off x="111967" y="6375012"/>
-            <a:ext cx="11980506" cy="0"/>
-          </a:xfrm>
-          <a:prstGeom prst="line">
-            <a:avLst/>
-          </a:prstGeom>
-        </p:spPr>
-        <p:style>
-          <a:lnRef idx="3">
-            <a:schemeClr val="accent3"/>
-          </a:lnRef>
-          <a:fillRef idx="0">
-            <a:schemeClr val="accent3"/>
-          </a:fillRef>
-          <a:effectRef idx="2">
-            <a:schemeClr val="accent3"/>
-          </a:effectRef>
-          <a:fontRef idx="minor">
-            <a:schemeClr val="tx1"/>
-          </a:fontRef>
-        </p:style>
-      </p:cxnSp>
-      <p:cxnSp>
-        <p:nvCxnSpPr>
-          <p:cNvPr id="11" name="Straight Connector 10">
-            <a:extLst>
-              <a:ext uri="{FF2B5EF4-FFF2-40B4-BE49-F238E27FC236}">
-                <a16:creationId xmlns:a16="http://schemas.microsoft.com/office/drawing/2014/main" id="{AF920692-B7E7-2BE6-CF6A-3C184A647828}"/>
-              </a:ext>
-            </a:extLst>
-          </p:cNvPr>
-          <p:cNvCxnSpPr/>
-          <p:nvPr/>
-        </p:nvCxnSpPr>
-        <p:spPr>
-          <a:xfrm>
-            <a:off x="111967" y="901053"/>
-            <a:ext cx="11980506" cy="0"/>
-          </a:xfrm>
-          <a:prstGeom prst="line">
-            <a:avLst/>
-          </a:prstGeom>
-        </p:spPr>
-        <p:style>
-          <a:lnRef idx="3">
-            <a:schemeClr val="dk1"/>
-          </a:lnRef>
-          <a:fillRef idx="0">
-            <a:schemeClr val="dk1"/>
-          </a:fillRef>
-          <a:effectRef idx="2">
-            <a:schemeClr val="dk1"/>
-          </a:effectRef>
-          <a:fontRef idx="minor">
-            <a:schemeClr val="tx1"/>
-          </a:fontRef>
-        </p:style>
-      </p:cxnSp>
-      <mc:AlternateContent xmlns:mc="http://schemas.openxmlformats.org/markup-compatibility/2006">
-        <mc:Choice xmlns:a14="http://schemas.microsoft.com/office/drawing/2010/main" Requires="a14">
-          <p:sp>
-            <p:nvSpPr>
-              <p:cNvPr id="9" name="Content Placeholder 2">
-                <a:extLst>
-                  <a:ext uri="{FF2B5EF4-FFF2-40B4-BE49-F238E27FC236}">
-                    <a16:creationId xmlns:a16="http://schemas.microsoft.com/office/drawing/2014/main" id="{1390DE4D-0854-BE6E-BDD1-5AA7AB426A6B}"/>
-                  </a:ext>
-                </a:extLst>
-              </p:cNvPr>
-              <p:cNvSpPr>
-                <a:spLocks noGrp="1"/>
-              </p:cNvSpPr>
-              <p:nvPr>
-                <p:ph idx="1"/>
-              </p:nvPr>
-            </p:nvSpPr>
-            <p:spPr>
-              <a:xfrm>
-                <a:off x="597159" y="1003693"/>
-                <a:ext cx="10756642" cy="5733010"/>
-              </a:xfrm>
-            </p:spPr>
-            <p:txBody>
-              <a:bodyPr>
-                <a:normAutofit/>
-              </a:bodyPr>
-              <a:lstStyle/>
-              <a:p>
-                <a:pPr>
-                  <a:lnSpc>
-                    <a:spcPct val="120000"/>
-                  </a:lnSpc>
-                </a:pPr>
-                <a:r>
-                  <a:rPr lang="en-US" dirty="0"/>
-                  <a:t>If we want to estimate </a:t>
-                </a:r>
-                <a14:m>
-                  <m:oMath xmlns:m="http://schemas.openxmlformats.org/officeDocument/2006/math">
-                    <m:r>
-                      <a:rPr lang="en-US" sz="2400" b="0" i="1" smtClean="0">
-                        <a:solidFill>
-                          <a:prstClr val="black"/>
-                        </a:solidFill>
-                        <a:latin typeface="Cambria Math" panose="02040503050406030204" pitchFamily="18" charset="0"/>
-                      </a:rPr>
-                      <m:t>𝐸</m:t>
-                    </m:r>
-                    <m:d>
-                      <m:dPr>
-                        <m:begChr m:val="["/>
-                        <m:endChr m:val="]"/>
-                        <m:ctrlPr>
-                          <a:rPr lang="en-US" sz="2400" b="0" i="1" smtClean="0">
-                            <a:solidFill>
-                              <a:prstClr val="black"/>
-                            </a:solidFill>
-                            <a:latin typeface="Cambria Math" panose="02040503050406030204" pitchFamily="18" charset="0"/>
-                          </a:rPr>
-                        </m:ctrlPr>
-                      </m:dPr>
-                      <m:e>
-                        <m:sSub>
-                          <m:sSubPr>
-                            <m:ctrlPr>
-                              <a:rPr lang="en-US" sz="2400" b="0" i="1" smtClean="0">
-                                <a:solidFill>
-                                  <a:prstClr val="black"/>
-                                </a:solidFill>
-                                <a:latin typeface="Cambria Math" panose="02040503050406030204" pitchFamily="18" charset="0"/>
-                              </a:rPr>
-                            </m:ctrlPr>
-                          </m:sSubPr>
-                          <m:e>
-                            <m:acc>
-                              <m:accPr>
-                                <m:chr m:val="̂"/>
-                                <m:ctrlPr>
-                                  <a:rPr lang="en-US" sz="2400" b="0" i="1" smtClean="0">
-                                    <a:solidFill>
-                                      <a:prstClr val="black"/>
-                                    </a:solidFill>
-                                    <a:latin typeface="Cambria Math" panose="02040503050406030204" pitchFamily="18" charset="0"/>
-                                  </a:rPr>
-                                </m:ctrlPr>
-                              </m:accPr>
-                              <m:e>
-                                <m:r>
-                                  <a:rPr lang="en-US" sz="2400" b="0" i="1" smtClean="0">
-                                    <a:solidFill>
-                                      <a:prstClr val="black"/>
-                                    </a:solidFill>
-                                    <a:latin typeface="Cambria Math" panose="02040503050406030204" pitchFamily="18" charset="0"/>
-                                  </a:rPr>
-                                  <m:t>𝑃</m:t>
-                                </m:r>
-                              </m:e>
-                            </m:acc>
-                          </m:e>
-                          <m:sub>
-                            <m:r>
-                              <a:rPr lang="en-US" sz="2400" b="0" i="1" smtClean="0">
-                                <a:solidFill>
-                                  <a:prstClr val="black"/>
-                                </a:solidFill>
-                                <a:latin typeface="Cambria Math" panose="02040503050406030204" pitchFamily="18" charset="0"/>
-                              </a:rPr>
-                              <m:t>1</m:t>
-                            </m:r>
-                          </m:sub>
-                        </m:sSub>
-                      </m:e>
-                    </m:d>
-                  </m:oMath>
-                </a14:m>
-                <a:r>
-                  <a:rPr lang="en-US" sz="2400" dirty="0"/>
-                  <a:t> </a:t>
-                </a:r>
-                <a:r>
-                  <a:rPr lang="en-US" dirty="0"/>
-                  <a:t>but it is much cheaper to simulate </a:t>
-                </a:r>
-                <a14:m>
-                  <m:oMath xmlns:m="http://schemas.openxmlformats.org/officeDocument/2006/math">
-                    <m:sSub>
-                      <m:sSubPr>
-                        <m:ctrlPr>
-                          <a:rPr lang="en-US" sz="2400" i="1">
-                            <a:latin typeface="Cambria Math" panose="02040503050406030204" pitchFamily="18" charset="0"/>
-                          </a:rPr>
-                        </m:ctrlPr>
-                      </m:sSubPr>
-                      <m:e>
-                        <m:acc>
-                          <m:accPr>
-                            <m:chr m:val="̂"/>
-                            <m:ctrlPr>
-                              <a:rPr lang="en-US" sz="2400" i="1">
-                                <a:latin typeface="Cambria Math" panose="02040503050406030204" pitchFamily="18" charset="0"/>
-                              </a:rPr>
-                            </m:ctrlPr>
-                          </m:accPr>
-                          <m:e>
-                            <m:r>
-                              <a:rPr lang="en-US" sz="2400" i="1">
-                                <a:latin typeface="Cambria Math" panose="02040503050406030204" pitchFamily="18" charset="0"/>
-                              </a:rPr>
-                              <m:t>𝑃</m:t>
-                            </m:r>
-                          </m:e>
-                        </m:acc>
-                      </m:e>
-                      <m:sub>
-                        <m:r>
-                          <a:rPr lang="en-US" sz="2400" i="1">
-                            <a:latin typeface="Cambria Math" panose="02040503050406030204" pitchFamily="18" charset="0"/>
-                          </a:rPr>
-                          <m:t>0</m:t>
-                        </m:r>
-                      </m:sub>
-                    </m:sSub>
-                    <m:r>
-                      <a:rPr lang="en-US" sz="2400" i="1">
-                        <a:latin typeface="Cambria Math" panose="02040503050406030204" pitchFamily="18" charset="0"/>
-                      </a:rPr>
-                      <m:t>≈</m:t>
-                    </m:r>
-                    <m:sSub>
-                      <m:sSubPr>
-                        <m:ctrlPr>
-                          <a:rPr lang="en-US" sz="2400" i="1">
-                            <a:latin typeface="Cambria Math" panose="02040503050406030204" pitchFamily="18" charset="0"/>
-                          </a:rPr>
-                        </m:ctrlPr>
-                      </m:sSubPr>
-                      <m:e>
-                        <m:acc>
-                          <m:accPr>
-                            <m:chr m:val="̂"/>
-                            <m:ctrlPr>
-                              <a:rPr lang="en-US" sz="2400" i="1">
-                                <a:latin typeface="Cambria Math" panose="02040503050406030204" pitchFamily="18" charset="0"/>
-                              </a:rPr>
-                            </m:ctrlPr>
-                          </m:accPr>
-                          <m:e>
-                            <m:r>
-                              <a:rPr lang="en-US" sz="2400" i="1">
-                                <a:latin typeface="Cambria Math" panose="02040503050406030204" pitchFamily="18" charset="0"/>
-                              </a:rPr>
-                              <m:t>𝑃</m:t>
-                            </m:r>
-                          </m:e>
-                        </m:acc>
-                      </m:e>
-                      <m:sub>
-                        <m:r>
-                          <a:rPr lang="en-US" sz="2400" i="1">
-                            <a:latin typeface="Cambria Math" panose="02040503050406030204" pitchFamily="18" charset="0"/>
-                          </a:rPr>
-                          <m:t>1</m:t>
-                        </m:r>
-                      </m:sub>
-                    </m:sSub>
-                  </m:oMath>
-                </a14:m>
-                <a:r>
-                  <a:rPr lang="en-US" dirty="0"/>
-                  <a:t>, then since</a:t>
-                </a:r>
-              </a:p>
-              <a:p>
-                <a:pPr marL="0" indent="0">
-                  <a:lnSpc>
-                    <a:spcPct val="120000"/>
-                  </a:lnSpc>
-                  <a:buNone/>
-                </a:pPr>
-                <a14:m>
-                  <m:oMathPara xmlns:m="http://schemas.openxmlformats.org/officeDocument/2006/math">
-                    <m:oMathParaPr>
-                      <m:jc m:val="centerGroup"/>
-                    </m:oMathParaPr>
-                    <m:oMath xmlns:m="http://schemas.openxmlformats.org/officeDocument/2006/math">
-                      <m:r>
-                        <a:rPr kumimoji="0" lang="en-US" sz="2400" b="0" i="1" u="none" strike="noStrike" kern="1200" cap="none" spc="0" normalizeH="0" baseline="0" noProof="0" smtClean="0">
-                          <a:ln>
-                            <a:noFill/>
-                          </a:ln>
-                          <a:solidFill>
-                            <a:prstClr val="black"/>
-                          </a:solidFill>
-                          <a:effectLst/>
-                          <a:uLnTx/>
-                          <a:uFillTx/>
-                          <a:latin typeface="Cambria Math" panose="02040503050406030204" pitchFamily="18" charset="0"/>
-                          <a:ea typeface="+mn-ea"/>
-                          <a:cs typeface="+mn-cs"/>
-                        </a:rPr>
-                        <m:t>𝐸</m:t>
-                      </m:r>
-                      <m:d>
-                        <m:dPr>
-                          <m:begChr m:val="["/>
-                          <m:endChr m:val="]"/>
-                          <m:ctrlPr>
-                            <a:rPr kumimoji="0" lang="en-US" sz="2400" b="0" i="1" u="none" strike="noStrike" kern="1200" cap="none" spc="0" normalizeH="0" baseline="0" noProof="0" smtClean="0">
-                              <a:ln>
-                                <a:noFill/>
-                              </a:ln>
-                              <a:solidFill>
-                                <a:prstClr val="black"/>
-                              </a:solidFill>
-                              <a:effectLst/>
-                              <a:uLnTx/>
-                              <a:uFillTx/>
-                              <a:latin typeface="Cambria Math" panose="02040503050406030204" pitchFamily="18" charset="0"/>
-                              <a:ea typeface="+mn-ea"/>
-                              <a:cs typeface="+mn-cs"/>
-                            </a:rPr>
-                          </m:ctrlPr>
-                        </m:dPr>
-                        <m:e>
-                          <m:sSub>
-                            <m:sSubPr>
-                              <m:ctrlPr>
-                                <a:rPr kumimoji="0" lang="en-US" sz="2400" b="0" i="1" u="none" strike="noStrike" kern="1200" cap="none" spc="0" normalizeH="0" baseline="0" noProof="0" smtClean="0">
-                                  <a:ln>
-                                    <a:noFill/>
-                                  </a:ln>
-                                  <a:solidFill>
-                                    <a:prstClr val="black"/>
-                                  </a:solidFill>
-                                  <a:effectLst/>
-                                  <a:uLnTx/>
-                                  <a:uFillTx/>
-                                  <a:latin typeface="Cambria Math" panose="02040503050406030204" pitchFamily="18" charset="0"/>
-                                  <a:ea typeface="+mn-ea"/>
-                                  <a:cs typeface="+mn-cs"/>
-                                </a:rPr>
-                              </m:ctrlPr>
-                            </m:sSubPr>
-                            <m:e>
-                              <m:acc>
-                                <m:accPr>
-                                  <m:chr m:val="̂"/>
-                                  <m:ctrlPr>
-                                    <a:rPr kumimoji="0" lang="en-US" sz="2400" b="0" i="1" u="none" strike="noStrike" kern="1200" cap="none" spc="0" normalizeH="0" baseline="0" noProof="0" smtClean="0">
-                                      <a:ln>
-                                        <a:noFill/>
-                                      </a:ln>
-                                      <a:solidFill>
-                                        <a:prstClr val="black"/>
-                                      </a:solidFill>
-                                      <a:effectLst/>
-                                      <a:uLnTx/>
-                                      <a:uFillTx/>
-                                      <a:latin typeface="Cambria Math" panose="02040503050406030204" pitchFamily="18" charset="0"/>
-                                      <a:ea typeface="+mn-ea"/>
-                                      <a:cs typeface="+mn-cs"/>
-                                    </a:rPr>
-                                  </m:ctrlPr>
-                                </m:accPr>
-                                <m:e>
-                                  <m:r>
-                                    <a:rPr kumimoji="0" lang="en-US" sz="2400" b="0" i="1" u="none" strike="noStrike" kern="1200" cap="none" spc="0" normalizeH="0" baseline="0" noProof="0" smtClean="0">
-                                      <a:ln>
-                                        <a:noFill/>
-                                      </a:ln>
-                                      <a:solidFill>
-                                        <a:prstClr val="black"/>
-                                      </a:solidFill>
-                                      <a:effectLst/>
-                                      <a:uLnTx/>
-                                      <a:uFillTx/>
-                                      <a:latin typeface="Cambria Math" panose="02040503050406030204" pitchFamily="18" charset="0"/>
-                                      <a:ea typeface="+mn-ea"/>
-                                      <a:cs typeface="+mn-cs"/>
-                                    </a:rPr>
-                                    <m:t>𝑃</m:t>
-                                  </m:r>
-                                </m:e>
-                              </m:acc>
-                            </m:e>
-                            <m:sub>
-                              <m:r>
-                                <a:rPr kumimoji="0" lang="en-US" sz="2400" b="0" i="1" u="none" strike="noStrike" kern="1200" cap="none" spc="0" normalizeH="0" baseline="0" noProof="0" smtClean="0">
-                                  <a:ln>
-                                    <a:noFill/>
-                                  </a:ln>
-                                  <a:solidFill>
-                                    <a:prstClr val="black"/>
-                                  </a:solidFill>
-                                  <a:effectLst/>
-                                  <a:uLnTx/>
-                                  <a:uFillTx/>
-                                  <a:latin typeface="Cambria Math" panose="02040503050406030204" pitchFamily="18" charset="0"/>
-                                  <a:ea typeface="+mn-ea"/>
-                                  <a:cs typeface="+mn-cs"/>
-                                </a:rPr>
-                                <m:t>1</m:t>
-                              </m:r>
-                            </m:sub>
-                          </m:sSub>
-                        </m:e>
-                      </m:d>
-                      <m:r>
-                        <a:rPr lang="en-US" sz="2400" i="1">
-                          <a:solidFill>
-                            <a:prstClr val="black"/>
-                          </a:solidFill>
-                          <a:latin typeface="Cambria Math" panose="02040503050406030204" pitchFamily="18" charset="0"/>
-                        </a:rPr>
-                        <m:t>=</m:t>
-                      </m:r>
-                      <m:r>
-                        <a:rPr lang="en-US" sz="2400" i="1">
-                          <a:solidFill>
-                            <a:prstClr val="black"/>
-                          </a:solidFill>
-                          <a:latin typeface="Cambria Math" panose="02040503050406030204" pitchFamily="18" charset="0"/>
-                        </a:rPr>
-                        <m:t>𝐸</m:t>
-                      </m:r>
-                      <m:d>
-                        <m:dPr>
-                          <m:begChr m:val="["/>
-                          <m:endChr m:val="]"/>
-                          <m:ctrlPr>
-                            <a:rPr lang="en-US" sz="2400" i="1">
-                              <a:solidFill>
-                                <a:prstClr val="black"/>
-                              </a:solidFill>
-                              <a:latin typeface="Cambria Math" panose="02040503050406030204" pitchFamily="18" charset="0"/>
-                            </a:rPr>
-                          </m:ctrlPr>
-                        </m:dPr>
-                        <m:e>
-                          <m:sSub>
-                            <m:sSubPr>
-                              <m:ctrlPr>
-                                <a:rPr lang="en-US" sz="2400" i="1">
-                                  <a:solidFill>
-                                    <a:prstClr val="black"/>
-                                  </a:solidFill>
-                                  <a:latin typeface="Cambria Math" panose="02040503050406030204" pitchFamily="18" charset="0"/>
-                                </a:rPr>
-                              </m:ctrlPr>
-                            </m:sSubPr>
-                            <m:e>
-                              <m:acc>
-                                <m:accPr>
-                                  <m:chr m:val="̂"/>
-                                  <m:ctrlPr>
-                                    <a:rPr lang="en-US" sz="2400" i="1">
-                                      <a:solidFill>
-                                        <a:prstClr val="black"/>
-                                      </a:solidFill>
-                                      <a:latin typeface="Cambria Math" panose="02040503050406030204" pitchFamily="18" charset="0"/>
-                                    </a:rPr>
-                                  </m:ctrlPr>
-                                </m:accPr>
-                                <m:e>
-                                  <m:r>
-                                    <a:rPr lang="en-US" sz="2400" i="1">
-                                      <a:solidFill>
-                                        <a:prstClr val="black"/>
-                                      </a:solidFill>
-                                      <a:latin typeface="Cambria Math" panose="02040503050406030204" pitchFamily="18" charset="0"/>
-                                    </a:rPr>
-                                    <m:t>𝑃</m:t>
-                                  </m:r>
-                                </m:e>
-                              </m:acc>
-                            </m:e>
-                            <m:sub>
-                              <m:r>
-                                <a:rPr lang="en-US" sz="2400" b="0" i="1" smtClean="0">
-                                  <a:solidFill>
-                                    <a:prstClr val="black"/>
-                                  </a:solidFill>
-                                  <a:latin typeface="Cambria Math" panose="02040503050406030204" pitchFamily="18" charset="0"/>
-                                </a:rPr>
-                                <m:t>0</m:t>
-                              </m:r>
-                            </m:sub>
-                          </m:sSub>
-                        </m:e>
-                      </m:d>
-                      <m:r>
-                        <a:rPr lang="en-US" sz="2400" b="0" i="1" smtClean="0">
-                          <a:solidFill>
-                            <a:prstClr val="black"/>
-                          </a:solidFill>
-                          <a:latin typeface="Cambria Math" panose="02040503050406030204" pitchFamily="18" charset="0"/>
-                        </a:rPr>
-                        <m:t>+</m:t>
-                      </m:r>
-                      <m:r>
-                        <a:rPr lang="en-US" sz="2400" i="1">
-                          <a:solidFill>
-                            <a:prstClr val="black"/>
-                          </a:solidFill>
-                          <a:latin typeface="Cambria Math" panose="02040503050406030204" pitchFamily="18" charset="0"/>
-                        </a:rPr>
-                        <m:t>𝐸</m:t>
-                      </m:r>
-                      <m:d>
-                        <m:dPr>
-                          <m:begChr m:val="["/>
-                          <m:endChr m:val="]"/>
-                          <m:ctrlPr>
-                            <a:rPr lang="en-US" sz="2400" i="1">
-                              <a:solidFill>
-                                <a:prstClr val="black"/>
-                              </a:solidFill>
-                              <a:latin typeface="Cambria Math" panose="02040503050406030204" pitchFamily="18" charset="0"/>
-                            </a:rPr>
-                          </m:ctrlPr>
-                        </m:dPr>
-                        <m:e>
-                          <m:sSub>
-                            <m:sSubPr>
-                              <m:ctrlPr>
-                                <a:rPr lang="en-US" sz="2400" i="1">
-                                  <a:solidFill>
-                                    <a:prstClr val="black"/>
-                                  </a:solidFill>
-                                  <a:latin typeface="Cambria Math" panose="02040503050406030204" pitchFamily="18" charset="0"/>
-                                </a:rPr>
-                              </m:ctrlPr>
-                            </m:sSubPr>
-                            <m:e>
-                              <m:acc>
-                                <m:accPr>
-                                  <m:chr m:val="̂"/>
-                                  <m:ctrlPr>
-                                    <a:rPr lang="en-US" sz="2400" i="1">
-                                      <a:solidFill>
-                                        <a:prstClr val="black"/>
-                                      </a:solidFill>
-                                      <a:latin typeface="Cambria Math" panose="02040503050406030204" pitchFamily="18" charset="0"/>
-                                    </a:rPr>
-                                  </m:ctrlPr>
-                                </m:accPr>
-                                <m:e>
-                                  <m:r>
-                                    <a:rPr lang="en-US" sz="2400" i="1">
-                                      <a:solidFill>
-                                        <a:prstClr val="black"/>
-                                      </a:solidFill>
-                                      <a:latin typeface="Cambria Math" panose="02040503050406030204" pitchFamily="18" charset="0"/>
-                                    </a:rPr>
-                                    <m:t>𝑃</m:t>
-                                  </m:r>
-                                </m:e>
-                              </m:acc>
-                            </m:e>
-                            <m:sub>
-                              <m:r>
-                                <a:rPr lang="en-US" sz="2400" i="1">
-                                  <a:solidFill>
-                                    <a:prstClr val="black"/>
-                                  </a:solidFill>
-                                  <a:latin typeface="Cambria Math" panose="02040503050406030204" pitchFamily="18" charset="0"/>
-                                </a:rPr>
-                                <m:t>1</m:t>
-                              </m:r>
-                            </m:sub>
-                          </m:sSub>
-                          <m:r>
-                            <a:rPr lang="en-US" sz="2400" b="0" i="1" smtClean="0">
-                              <a:solidFill>
-                                <a:prstClr val="black"/>
-                              </a:solidFill>
-                              <a:latin typeface="Cambria Math" panose="02040503050406030204" pitchFamily="18" charset="0"/>
-                            </a:rPr>
-                            <m:t>−</m:t>
-                          </m:r>
-                          <m:sSub>
-                            <m:sSubPr>
-                              <m:ctrlPr>
-                                <a:rPr lang="en-US" sz="2400" i="1">
-                                  <a:solidFill>
-                                    <a:prstClr val="black"/>
-                                  </a:solidFill>
-                                  <a:latin typeface="Cambria Math" panose="02040503050406030204" pitchFamily="18" charset="0"/>
-                                </a:rPr>
-                              </m:ctrlPr>
-                            </m:sSubPr>
-                            <m:e>
-                              <m:acc>
-                                <m:accPr>
-                                  <m:chr m:val="̂"/>
-                                  <m:ctrlPr>
-                                    <a:rPr lang="en-US" sz="2400" i="1">
-                                      <a:solidFill>
-                                        <a:prstClr val="black"/>
-                                      </a:solidFill>
-                                      <a:latin typeface="Cambria Math" panose="02040503050406030204" pitchFamily="18" charset="0"/>
-                                    </a:rPr>
-                                  </m:ctrlPr>
-                                </m:accPr>
-                                <m:e>
-                                  <m:r>
-                                    <a:rPr lang="en-US" sz="2400" i="1">
-                                      <a:solidFill>
-                                        <a:prstClr val="black"/>
-                                      </a:solidFill>
-                                      <a:latin typeface="Cambria Math" panose="02040503050406030204" pitchFamily="18" charset="0"/>
-                                    </a:rPr>
-                                    <m:t>𝑃</m:t>
-                                  </m:r>
-                                </m:e>
-                              </m:acc>
-                            </m:e>
-                            <m:sub>
-                              <m:r>
-                                <a:rPr lang="en-US" sz="2400" b="0" i="1" smtClean="0">
-                                  <a:solidFill>
-                                    <a:prstClr val="black"/>
-                                  </a:solidFill>
-                                  <a:latin typeface="Cambria Math" panose="02040503050406030204" pitchFamily="18" charset="0"/>
-                                </a:rPr>
-                                <m:t>0</m:t>
-                              </m:r>
-                            </m:sub>
-                          </m:sSub>
-                        </m:e>
-                      </m:d>
-                    </m:oMath>
-                  </m:oMathPara>
-                </a14:m>
-                <a:endParaRPr lang="en-US" dirty="0"/>
-              </a:p>
-              <a:p>
-                <a:pPr marL="0" indent="0">
-                  <a:lnSpc>
-                    <a:spcPct val="120000"/>
-                  </a:lnSpc>
-                  <a:buNone/>
-                </a:pPr>
-                <a:r>
-                  <a:rPr lang="en-US" dirty="0"/>
-                  <a:t>  we can use the estimator</a:t>
-                </a:r>
-              </a:p>
-              <a:p>
-                <a:pPr marL="0" indent="0">
-                  <a:lnSpc>
-                    <a:spcPct val="120000"/>
-                  </a:lnSpc>
-                  <a:buNone/>
-                </a:pPr>
-                <a14:m>
-                  <m:oMathPara xmlns:m="http://schemas.openxmlformats.org/officeDocument/2006/math">
-                    <m:oMathParaPr>
-                      <m:jc m:val="centerGroup"/>
-                    </m:oMathParaPr>
-                    <m:oMath xmlns:m="http://schemas.openxmlformats.org/officeDocument/2006/math">
-                      <m:f>
-                        <m:fPr>
-                          <m:ctrlPr>
-                            <a:rPr kumimoji="0" lang="en-US" sz="2200" b="0" i="1" u="none" strike="noStrike" kern="1200" cap="none" spc="0" normalizeH="0" baseline="0" noProof="0" smtClean="0">
-                              <a:ln>
-                                <a:noFill/>
-                              </a:ln>
-                              <a:solidFill>
-                                <a:prstClr val="black"/>
-                              </a:solidFill>
-                              <a:effectLst/>
-                              <a:uLnTx/>
-                              <a:uFillTx/>
-                              <a:latin typeface="Cambria Math" panose="02040503050406030204" pitchFamily="18" charset="0"/>
-                              <a:ea typeface="+mn-ea"/>
-                              <a:cs typeface="+mn-cs"/>
-                            </a:rPr>
-                          </m:ctrlPr>
-                        </m:fPr>
-                        <m:num>
-                          <m:r>
-                            <a:rPr kumimoji="0" lang="en-US" sz="2200" b="0" i="1" u="none" strike="noStrike" kern="1200" cap="none" spc="0" normalizeH="0" baseline="0" noProof="0" smtClean="0">
-                              <a:ln>
-                                <a:noFill/>
-                              </a:ln>
-                              <a:solidFill>
-                                <a:prstClr val="black"/>
-                              </a:solidFill>
-                              <a:effectLst/>
-                              <a:uLnTx/>
-                              <a:uFillTx/>
-                              <a:latin typeface="Cambria Math" panose="02040503050406030204" pitchFamily="18" charset="0"/>
-                              <a:ea typeface="+mn-ea"/>
-                              <a:cs typeface="+mn-cs"/>
-                            </a:rPr>
-                            <m:t>1</m:t>
-                          </m:r>
-                        </m:num>
-                        <m:den>
-                          <m:sSub>
-                            <m:sSubPr>
-                              <m:ctrlPr>
-                                <a:rPr kumimoji="0" lang="en-US" sz="2200" b="0" i="1" u="none" strike="noStrike" kern="1200" cap="none" spc="0" normalizeH="0" baseline="0" noProof="0" smtClean="0">
-                                  <a:ln>
-                                    <a:noFill/>
-                                  </a:ln>
-                                  <a:solidFill>
-                                    <a:prstClr val="black"/>
-                                  </a:solidFill>
-                                  <a:effectLst/>
-                                  <a:uLnTx/>
-                                  <a:uFillTx/>
-                                  <a:latin typeface="Cambria Math" panose="02040503050406030204" pitchFamily="18" charset="0"/>
-                                  <a:ea typeface="+mn-ea"/>
-                                  <a:cs typeface="+mn-cs"/>
-                                </a:rPr>
-                              </m:ctrlPr>
-                            </m:sSubPr>
-                            <m:e>
-                              <m:r>
-                                <a:rPr kumimoji="0" lang="en-US" sz="2200" b="0" i="1" u="none" strike="noStrike" kern="1200" cap="none" spc="0" normalizeH="0" baseline="0" noProof="0" smtClean="0">
-                                  <a:ln>
-                                    <a:noFill/>
-                                  </a:ln>
-                                  <a:solidFill>
-                                    <a:prstClr val="black"/>
-                                  </a:solidFill>
-                                  <a:effectLst/>
-                                  <a:uLnTx/>
-                                  <a:uFillTx/>
-                                  <a:latin typeface="Cambria Math" panose="02040503050406030204" pitchFamily="18" charset="0"/>
-                                  <a:ea typeface="+mn-ea"/>
-                                  <a:cs typeface="+mn-cs"/>
-                                </a:rPr>
-                                <m:t>𝑁</m:t>
-                              </m:r>
-                            </m:e>
-                            <m:sub>
-                              <m:r>
-                                <a:rPr kumimoji="0" lang="en-US" sz="2200" b="0" i="1" u="none" strike="noStrike" kern="1200" cap="none" spc="0" normalizeH="0" baseline="0" noProof="0" smtClean="0">
-                                  <a:ln>
-                                    <a:noFill/>
-                                  </a:ln>
-                                  <a:solidFill>
-                                    <a:prstClr val="black"/>
-                                  </a:solidFill>
-                                  <a:effectLst/>
-                                  <a:uLnTx/>
-                                  <a:uFillTx/>
-                                  <a:latin typeface="Cambria Math" panose="02040503050406030204" pitchFamily="18" charset="0"/>
-                                  <a:ea typeface="+mn-ea"/>
-                                  <a:cs typeface="+mn-cs"/>
-                                </a:rPr>
-                                <m:t>0</m:t>
-                              </m:r>
-                            </m:sub>
-                          </m:sSub>
-                        </m:den>
-                      </m:f>
-                      <m:nary>
-                        <m:naryPr>
-                          <m:chr m:val="∑"/>
-                          <m:ctrlPr>
-                            <a:rPr kumimoji="0" lang="en-US" sz="2200" b="0" i="1" u="none" strike="noStrike" kern="1200" cap="none" spc="0" normalizeH="0" baseline="0" noProof="0" smtClean="0">
-                              <a:ln>
-                                <a:noFill/>
-                              </a:ln>
-                              <a:solidFill>
-                                <a:prstClr val="black"/>
-                              </a:solidFill>
-                              <a:effectLst/>
-                              <a:uLnTx/>
-                              <a:uFillTx/>
-                              <a:latin typeface="Cambria Math" panose="02040503050406030204" pitchFamily="18" charset="0"/>
-                              <a:ea typeface="+mn-ea"/>
-                              <a:cs typeface="+mn-cs"/>
-                            </a:rPr>
-                          </m:ctrlPr>
-                        </m:naryPr>
-                        <m:sub>
-                          <m:r>
-                            <m:rPr>
-                              <m:brk m:alnAt="23"/>
-                            </m:rPr>
-                            <a:rPr kumimoji="0" lang="en-US" sz="2200" b="0" i="1" u="none" strike="noStrike" kern="1200" cap="none" spc="0" normalizeH="0" baseline="0" noProof="0" smtClean="0">
-                              <a:ln>
-                                <a:noFill/>
-                              </a:ln>
-                              <a:solidFill>
-                                <a:prstClr val="black"/>
-                              </a:solidFill>
-                              <a:effectLst/>
-                              <a:uLnTx/>
-                              <a:uFillTx/>
-                              <a:latin typeface="Cambria Math" panose="02040503050406030204" pitchFamily="18" charset="0"/>
-                              <a:ea typeface="+mn-ea"/>
-                              <a:cs typeface="+mn-cs"/>
-                            </a:rPr>
-                            <m:t>𝑛</m:t>
-                          </m:r>
-                          <m:r>
-                            <a:rPr kumimoji="0" lang="en-US" sz="2200" b="0" i="1" u="none" strike="noStrike" kern="1200" cap="none" spc="0" normalizeH="0" baseline="0" noProof="0" smtClean="0">
-                              <a:ln>
-                                <a:noFill/>
-                              </a:ln>
-                              <a:solidFill>
-                                <a:prstClr val="black"/>
-                              </a:solidFill>
-                              <a:effectLst/>
-                              <a:uLnTx/>
-                              <a:uFillTx/>
-                              <a:latin typeface="Cambria Math" panose="02040503050406030204" pitchFamily="18" charset="0"/>
-                              <a:ea typeface="+mn-ea"/>
-                              <a:cs typeface="+mn-cs"/>
-                            </a:rPr>
-                            <m:t>=</m:t>
-                          </m:r>
-                          <m:r>
-                            <m:rPr>
-                              <m:brk m:alnAt="23"/>
-                            </m:rPr>
-                            <a:rPr kumimoji="0" lang="en-US" sz="2200" b="0" i="1" u="none" strike="noStrike" kern="1200" cap="none" spc="0" normalizeH="0" baseline="0" noProof="0" smtClean="0">
-                              <a:ln>
-                                <a:noFill/>
-                              </a:ln>
-                              <a:solidFill>
-                                <a:prstClr val="black"/>
-                              </a:solidFill>
-                              <a:effectLst/>
-                              <a:uLnTx/>
-                              <a:uFillTx/>
-                              <a:latin typeface="Cambria Math" panose="02040503050406030204" pitchFamily="18" charset="0"/>
-                              <a:ea typeface="+mn-ea"/>
-                              <a:cs typeface="+mn-cs"/>
-                            </a:rPr>
-                            <m:t>1</m:t>
-                          </m:r>
-                        </m:sub>
-                        <m:sup>
-                          <m:sSub>
-                            <m:sSubPr>
-                              <m:ctrlPr>
-                                <a:rPr lang="en-US" sz="2200" i="1">
-                                  <a:solidFill>
-                                    <a:prstClr val="black"/>
-                                  </a:solidFill>
-                                  <a:latin typeface="Cambria Math" panose="02040503050406030204" pitchFamily="18" charset="0"/>
-                                </a:rPr>
-                              </m:ctrlPr>
-                            </m:sSubPr>
-                            <m:e>
-                              <m:r>
-                                <a:rPr lang="en-US" sz="2200" i="1">
-                                  <a:solidFill>
-                                    <a:prstClr val="black"/>
-                                  </a:solidFill>
-                                  <a:latin typeface="Cambria Math" panose="02040503050406030204" pitchFamily="18" charset="0"/>
-                                </a:rPr>
-                                <m:t>𝑁</m:t>
-                              </m:r>
-                            </m:e>
-                            <m:sub>
-                              <m:r>
-                                <a:rPr lang="en-US" sz="2200" i="1">
-                                  <a:solidFill>
-                                    <a:prstClr val="black"/>
-                                  </a:solidFill>
-                                  <a:latin typeface="Cambria Math" panose="02040503050406030204" pitchFamily="18" charset="0"/>
-                                </a:rPr>
-                                <m:t>0</m:t>
-                              </m:r>
-                            </m:sub>
-                          </m:sSub>
-                        </m:sup>
-                        <m:e>
-                          <m:sSubSup>
-                            <m:sSubSupPr>
-                              <m:ctrlPr>
-                                <a:rPr kumimoji="0" lang="en-US" sz="2200" b="0" i="1" u="none" strike="noStrike" kern="1200" cap="none" spc="0" normalizeH="0" baseline="0" noProof="0" smtClean="0">
-                                  <a:ln>
-                                    <a:noFill/>
-                                  </a:ln>
-                                  <a:solidFill>
-                                    <a:prstClr val="black"/>
-                                  </a:solidFill>
-                                  <a:effectLst/>
-                                  <a:uLnTx/>
-                                  <a:uFillTx/>
-                                  <a:latin typeface="Cambria Math" panose="02040503050406030204" pitchFamily="18" charset="0"/>
-                                  <a:ea typeface="+mn-ea"/>
-                                  <a:cs typeface="+mn-cs"/>
-                                </a:rPr>
-                              </m:ctrlPr>
-                            </m:sSubSupPr>
-                            <m:e>
-                              <m:acc>
-                                <m:accPr>
-                                  <m:chr m:val="̂"/>
-                                  <m:ctrlPr>
-                                    <a:rPr lang="en-US" sz="2400" i="1">
-                                      <a:solidFill>
-                                        <a:prstClr val="black"/>
-                                      </a:solidFill>
-                                      <a:latin typeface="Cambria Math" panose="02040503050406030204" pitchFamily="18" charset="0"/>
-                                    </a:rPr>
-                                  </m:ctrlPr>
-                                </m:accPr>
-                                <m:e>
-                                  <m:r>
-                                    <a:rPr lang="en-US" sz="2400" i="1">
-                                      <a:solidFill>
-                                        <a:prstClr val="black"/>
-                                      </a:solidFill>
-                                      <a:latin typeface="Cambria Math" panose="02040503050406030204" pitchFamily="18" charset="0"/>
-                                    </a:rPr>
-                                    <m:t>𝑃</m:t>
-                                  </m:r>
-                                </m:e>
-                              </m:acc>
-                            </m:e>
-                            <m:sub>
-                              <m:r>
-                                <a:rPr kumimoji="0" lang="en-US" sz="2200" b="0" i="1" u="none" strike="noStrike" kern="1200" cap="none" spc="0" normalizeH="0" baseline="0" noProof="0" smtClean="0">
-                                  <a:ln>
-                                    <a:noFill/>
-                                  </a:ln>
-                                  <a:solidFill>
-                                    <a:prstClr val="black"/>
-                                  </a:solidFill>
-                                  <a:effectLst/>
-                                  <a:uLnTx/>
-                                  <a:uFillTx/>
-                                  <a:latin typeface="Cambria Math" panose="02040503050406030204" pitchFamily="18" charset="0"/>
-                                  <a:ea typeface="+mn-ea"/>
-                                  <a:cs typeface="+mn-cs"/>
-                                </a:rPr>
-                                <m:t>0</m:t>
-                              </m:r>
-                            </m:sub>
-                            <m:sup>
-                              <m:r>
-                                <a:rPr kumimoji="0" lang="en-US" sz="2200" b="0" i="1" u="none" strike="noStrike" kern="1200" cap="none" spc="0" normalizeH="0" baseline="0" noProof="0" smtClean="0">
-                                  <a:ln>
-                                    <a:noFill/>
-                                  </a:ln>
-                                  <a:solidFill>
-                                    <a:prstClr val="black"/>
-                                  </a:solidFill>
-                                  <a:effectLst/>
-                                  <a:uLnTx/>
-                                  <a:uFillTx/>
-                                  <a:latin typeface="Cambria Math" panose="02040503050406030204" pitchFamily="18" charset="0"/>
-                                  <a:ea typeface="+mn-ea"/>
-                                  <a:cs typeface="+mn-cs"/>
-                                </a:rPr>
-                                <m:t>(0,</m:t>
-                              </m:r>
-                              <m:r>
-                                <a:rPr kumimoji="0" lang="en-US" sz="2200" b="0" i="1" u="none" strike="noStrike" kern="1200" cap="none" spc="0" normalizeH="0" baseline="0" noProof="0" smtClean="0">
-                                  <a:ln>
-                                    <a:noFill/>
-                                  </a:ln>
-                                  <a:solidFill>
-                                    <a:prstClr val="black"/>
-                                  </a:solidFill>
-                                  <a:effectLst/>
-                                  <a:uLnTx/>
-                                  <a:uFillTx/>
-                                  <a:latin typeface="Cambria Math" panose="02040503050406030204" pitchFamily="18" charset="0"/>
-                                  <a:ea typeface="+mn-ea"/>
-                                  <a:cs typeface="+mn-cs"/>
-                                </a:rPr>
-                                <m:t>𝑛</m:t>
-                              </m:r>
-                              <m:r>
-                                <a:rPr kumimoji="0" lang="en-US" sz="2200" b="0" i="1" u="none" strike="noStrike" kern="1200" cap="none" spc="0" normalizeH="0" baseline="0" noProof="0" smtClean="0">
-                                  <a:ln>
-                                    <a:noFill/>
-                                  </a:ln>
-                                  <a:solidFill>
-                                    <a:prstClr val="black"/>
-                                  </a:solidFill>
-                                  <a:effectLst/>
-                                  <a:uLnTx/>
-                                  <a:uFillTx/>
-                                  <a:latin typeface="Cambria Math" panose="02040503050406030204" pitchFamily="18" charset="0"/>
-                                  <a:ea typeface="+mn-ea"/>
-                                  <a:cs typeface="+mn-cs"/>
-                                </a:rPr>
-                                <m:t>)</m:t>
-                              </m:r>
-                            </m:sup>
-                          </m:sSubSup>
-                        </m:e>
-                      </m:nary>
-                      <m:r>
-                        <a:rPr kumimoji="0" lang="en-US" sz="2200" b="0" i="1" u="none" strike="noStrike" kern="1200" cap="none" spc="0" normalizeH="0" baseline="0" noProof="0" smtClean="0">
-                          <a:ln>
-                            <a:noFill/>
-                          </a:ln>
-                          <a:solidFill>
-                            <a:prstClr val="black"/>
-                          </a:solidFill>
-                          <a:effectLst/>
-                          <a:uLnTx/>
-                          <a:uFillTx/>
-                          <a:latin typeface="Cambria Math" panose="02040503050406030204" pitchFamily="18" charset="0"/>
-                          <a:ea typeface="+mn-ea"/>
-                          <a:cs typeface="+mn-cs"/>
-                        </a:rPr>
-                        <m:t>+</m:t>
-                      </m:r>
-                      <m:f>
-                        <m:fPr>
-                          <m:ctrlPr>
-                            <a:rPr lang="en-US" sz="2200" i="1">
-                              <a:solidFill>
-                                <a:prstClr val="black"/>
-                              </a:solidFill>
-                              <a:latin typeface="Cambria Math" panose="02040503050406030204" pitchFamily="18" charset="0"/>
-                            </a:rPr>
-                          </m:ctrlPr>
-                        </m:fPr>
-                        <m:num>
-                          <m:r>
-                            <a:rPr lang="en-US" sz="2200" i="1">
-                              <a:solidFill>
-                                <a:prstClr val="black"/>
-                              </a:solidFill>
-                              <a:latin typeface="Cambria Math" panose="02040503050406030204" pitchFamily="18" charset="0"/>
-                            </a:rPr>
-                            <m:t>1</m:t>
-                          </m:r>
-                        </m:num>
-                        <m:den>
-                          <m:sSub>
-                            <m:sSubPr>
-                              <m:ctrlPr>
-                                <a:rPr lang="en-US" sz="2200" i="1">
-                                  <a:solidFill>
-                                    <a:prstClr val="black"/>
-                                  </a:solidFill>
-                                  <a:latin typeface="Cambria Math" panose="02040503050406030204" pitchFamily="18" charset="0"/>
-                                </a:rPr>
-                              </m:ctrlPr>
-                            </m:sSubPr>
-                            <m:e>
-                              <m:r>
-                                <a:rPr lang="en-US" sz="2200" i="1">
-                                  <a:solidFill>
-                                    <a:prstClr val="black"/>
-                                  </a:solidFill>
-                                  <a:latin typeface="Cambria Math" panose="02040503050406030204" pitchFamily="18" charset="0"/>
-                                </a:rPr>
-                                <m:t>𝑁</m:t>
-                              </m:r>
-                            </m:e>
-                            <m:sub>
-                              <m:r>
-                                <a:rPr lang="en-US" sz="2200" b="0" i="1" smtClean="0">
-                                  <a:solidFill>
-                                    <a:prstClr val="black"/>
-                                  </a:solidFill>
-                                  <a:latin typeface="Cambria Math" panose="02040503050406030204" pitchFamily="18" charset="0"/>
-                                </a:rPr>
-                                <m:t>1</m:t>
-                              </m:r>
-                            </m:sub>
-                          </m:sSub>
-                        </m:den>
-                      </m:f>
-                      <m:nary>
-                        <m:naryPr>
-                          <m:chr m:val="∑"/>
-                          <m:ctrlPr>
-                            <a:rPr lang="en-US" sz="2200" i="1">
-                              <a:solidFill>
-                                <a:prstClr val="black"/>
-                              </a:solidFill>
-                              <a:latin typeface="Cambria Math" panose="02040503050406030204" pitchFamily="18" charset="0"/>
-                            </a:rPr>
-                          </m:ctrlPr>
-                        </m:naryPr>
-                        <m:sub>
-                          <m:r>
-                            <m:rPr>
-                              <m:brk m:alnAt="23"/>
-                            </m:rPr>
-                            <a:rPr lang="en-US" sz="2200" i="1">
-                              <a:solidFill>
-                                <a:prstClr val="black"/>
-                              </a:solidFill>
-                              <a:latin typeface="Cambria Math" panose="02040503050406030204" pitchFamily="18" charset="0"/>
-                            </a:rPr>
-                            <m:t>𝑛</m:t>
-                          </m:r>
-                          <m:r>
-                            <a:rPr lang="en-US" sz="2200" i="1">
-                              <a:solidFill>
-                                <a:prstClr val="black"/>
-                              </a:solidFill>
-                              <a:latin typeface="Cambria Math" panose="02040503050406030204" pitchFamily="18" charset="0"/>
-                            </a:rPr>
-                            <m:t>=</m:t>
-                          </m:r>
-                          <m:r>
-                            <m:rPr>
-                              <m:brk m:alnAt="23"/>
-                            </m:rPr>
-                            <a:rPr lang="en-US" sz="2200" i="1">
-                              <a:solidFill>
-                                <a:prstClr val="black"/>
-                              </a:solidFill>
-                              <a:latin typeface="Cambria Math" panose="02040503050406030204" pitchFamily="18" charset="0"/>
-                            </a:rPr>
-                            <m:t>1</m:t>
-                          </m:r>
-                        </m:sub>
-                        <m:sup>
-                          <m:sSub>
-                            <m:sSubPr>
-                              <m:ctrlPr>
-                                <a:rPr lang="en-US" sz="2200" i="1">
-                                  <a:solidFill>
-                                    <a:prstClr val="black"/>
-                                  </a:solidFill>
-                                  <a:latin typeface="Cambria Math" panose="02040503050406030204" pitchFamily="18" charset="0"/>
-                                </a:rPr>
-                              </m:ctrlPr>
-                            </m:sSubPr>
-                            <m:e>
-                              <m:r>
-                                <a:rPr lang="en-US" sz="2200" i="1">
-                                  <a:solidFill>
-                                    <a:prstClr val="black"/>
-                                  </a:solidFill>
-                                  <a:latin typeface="Cambria Math" panose="02040503050406030204" pitchFamily="18" charset="0"/>
-                                </a:rPr>
-                                <m:t>𝑁</m:t>
-                              </m:r>
-                            </m:e>
-                            <m:sub>
-                              <m:r>
-                                <a:rPr lang="en-US" sz="2200" b="0" i="1" smtClean="0">
-                                  <a:solidFill>
-                                    <a:prstClr val="black"/>
-                                  </a:solidFill>
-                                  <a:latin typeface="Cambria Math" panose="02040503050406030204" pitchFamily="18" charset="0"/>
-                                </a:rPr>
-                                <m:t>1</m:t>
-                              </m:r>
-                            </m:sub>
-                          </m:sSub>
-                        </m:sup>
-                        <m:e>
-                          <m:sSubSup>
-                            <m:sSubSupPr>
-                              <m:ctrlPr>
-                                <a:rPr lang="en-US" sz="2200" i="1" smtClean="0">
-                                  <a:solidFill>
-                                    <a:prstClr val="black"/>
-                                  </a:solidFill>
-                                  <a:latin typeface="Cambria Math" panose="02040503050406030204" pitchFamily="18" charset="0"/>
-                                </a:rPr>
-                              </m:ctrlPr>
-                            </m:sSubSupPr>
-                            <m:e>
-                              <m:r>
-                                <a:rPr lang="en-US" sz="2200" b="0" i="1" smtClean="0">
-                                  <a:solidFill>
-                                    <a:prstClr val="black"/>
-                                  </a:solidFill>
-                                  <a:latin typeface="Cambria Math" panose="02040503050406030204" pitchFamily="18" charset="0"/>
-                                </a:rPr>
-                                <m:t>( </m:t>
-                              </m:r>
-                              <m:acc>
-                                <m:accPr>
-                                  <m:chr m:val="̂"/>
-                                  <m:ctrlPr>
-                                    <a:rPr lang="en-US" sz="2400" i="1">
-                                      <a:solidFill>
-                                        <a:prstClr val="black"/>
-                                      </a:solidFill>
-                                      <a:latin typeface="Cambria Math" panose="02040503050406030204" pitchFamily="18" charset="0"/>
-                                    </a:rPr>
-                                  </m:ctrlPr>
-                                </m:accPr>
-                                <m:e>
-                                  <m:r>
-                                    <a:rPr lang="en-US" sz="2400" i="1">
-                                      <a:solidFill>
-                                        <a:prstClr val="black"/>
-                                      </a:solidFill>
-                                      <a:latin typeface="Cambria Math" panose="02040503050406030204" pitchFamily="18" charset="0"/>
-                                    </a:rPr>
-                                    <m:t>𝑃</m:t>
-                                  </m:r>
-                                </m:e>
-                              </m:acc>
-                            </m:e>
-                            <m:sub>
-                              <m:r>
-                                <a:rPr lang="en-US" sz="2400" b="0" i="1" smtClean="0">
-                                  <a:solidFill>
-                                    <a:prstClr val="black"/>
-                                  </a:solidFill>
-                                  <a:latin typeface="Cambria Math" panose="02040503050406030204" pitchFamily="18" charset="0"/>
-                                </a:rPr>
-                                <m:t>1</m:t>
-                              </m:r>
-                            </m:sub>
-                            <m:sup>
-                              <m:r>
-                                <a:rPr lang="en-US" sz="2200" i="1">
-                                  <a:solidFill>
-                                    <a:prstClr val="black"/>
-                                  </a:solidFill>
-                                  <a:latin typeface="Cambria Math" panose="02040503050406030204" pitchFamily="18" charset="0"/>
-                                </a:rPr>
-                                <m:t>(</m:t>
-                              </m:r>
-                              <m:r>
-                                <a:rPr lang="en-US" sz="2200" b="0" i="1" smtClean="0">
-                                  <a:solidFill>
-                                    <a:prstClr val="black"/>
-                                  </a:solidFill>
-                                  <a:latin typeface="Cambria Math" panose="02040503050406030204" pitchFamily="18" charset="0"/>
-                                </a:rPr>
-                                <m:t>1</m:t>
-                              </m:r>
-                              <m:r>
-                                <a:rPr lang="en-US" sz="2200" i="1">
-                                  <a:solidFill>
-                                    <a:prstClr val="black"/>
-                                  </a:solidFill>
-                                  <a:latin typeface="Cambria Math" panose="02040503050406030204" pitchFamily="18" charset="0"/>
-                                </a:rPr>
-                                <m:t>,</m:t>
-                              </m:r>
-                              <m:r>
-                                <a:rPr lang="en-US" sz="2200" i="1">
-                                  <a:solidFill>
-                                    <a:prstClr val="black"/>
-                                  </a:solidFill>
-                                  <a:latin typeface="Cambria Math" panose="02040503050406030204" pitchFamily="18" charset="0"/>
-                                </a:rPr>
-                                <m:t>𝑛</m:t>
-                              </m:r>
-                              <m:r>
-                                <a:rPr lang="en-US" sz="2200" i="1">
-                                  <a:solidFill>
-                                    <a:prstClr val="black"/>
-                                  </a:solidFill>
-                                  <a:latin typeface="Cambria Math" panose="02040503050406030204" pitchFamily="18" charset="0"/>
-                                </a:rPr>
-                                <m:t>)</m:t>
-                              </m:r>
-                            </m:sup>
-                          </m:sSubSup>
-                          <m:r>
-                            <a:rPr lang="en-US" sz="2200" b="0" i="1" smtClean="0">
-                              <a:solidFill>
-                                <a:prstClr val="black"/>
-                              </a:solidFill>
-                              <a:latin typeface="Cambria Math" panose="02040503050406030204" pitchFamily="18" charset="0"/>
-                            </a:rPr>
-                            <m:t> −</m:t>
-                          </m:r>
-                          <m:sSubSup>
-                            <m:sSubSupPr>
-                              <m:ctrlPr>
-                                <a:rPr lang="en-US" sz="2200" i="1">
-                                  <a:solidFill>
-                                    <a:prstClr val="black"/>
-                                  </a:solidFill>
-                                  <a:latin typeface="Cambria Math" panose="02040503050406030204" pitchFamily="18" charset="0"/>
-                                </a:rPr>
-                              </m:ctrlPr>
-                            </m:sSubSupPr>
-                            <m:e>
-                              <m:r>
-                                <a:rPr lang="en-US" sz="2200" i="1">
-                                  <a:solidFill>
-                                    <a:prstClr val="black"/>
-                                  </a:solidFill>
-                                  <a:latin typeface="Cambria Math" panose="02040503050406030204" pitchFamily="18" charset="0"/>
-                                </a:rPr>
-                                <m:t> </m:t>
-                              </m:r>
-                              <m:acc>
-                                <m:accPr>
-                                  <m:chr m:val="̂"/>
-                                  <m:ctrlPr>
-                                    <a:rPr lang="en-US" sz="2400" i="1">
-                                      <a:solidFill>
-                                        <a:prstClr val="black"/>
-                                      </a:solidFill>
-                                      <a:latin typeface="Cambria Math" panose="02040503050406030204" pitchFamily="18" charset="0"/>
-                                    </a:rPr>
-                                  </m:ctrlPr>
-                                </m:accPr>
-                                <m:e>
-                                  <m:r>
-                                    <a:rPr lang="en-US" sz="2400" i="1">
-                                      <a:solidFill>
-                                        <a:prstClr val="black"/>
-                                      </a:solidFill>
-                                      <a:latin typeface="Cambria Math" panose="02040503050406030204" pitchFamily="18" charset="0"/>
-                                    </a:rPr>
-                                    <m:t>𝑃</m:t>
-                                  </m:r>
-                                </m:e>
-                              </m:acc>
-                            </m:e>
-                            <m:sub>
-                              <m:r>
-                                <a:rPr lang="en-US" sz="2200" i="1">
-                                  <a:solidFill>
-                                    <a:prstClr val="black"/>
-                                  </a:solidFill>
-                                  <a:latin typeface="Cambria Math" panose="02040503050406030204" pitchFamily="18" charset="0"/>
-                                </a:rPr>
-                                <m:t>0</m:t>
-                              </m:r>
-                            </m:sub>
-                            <m:sup>
-                              <m:d>
-                                <m:dPr>
-                                  <m:ctrlPr>
-                                    <a:rPr lang="en-US" sz="2200" b="0" i="1">
-                                      <a:solidFill>
-                                        <a:prstClr val="black"/>
-                                      </a:solidFill>
-                                      <a:latin typeface="Cambria Math" panose="02040503050406030204" pitchFamily="18" charset="0"/>
-                                    </a:rPr>
-                                  </m:ctrlPr>
-                                </m:dPr>
-                                <m:e>
-                                  <m:r>
-                                    <a:rPr lang="en-US" sz="2200" b="0" i="1" smtClean="0">
-                                      <a:solidFill>
-                                        <a:prstClr val="black"/>
-                                      </a:solidFill>
-                                      <a:latin typeface="Cambria Math" panose="02040503050406030204" pitchFamily="18" charset="0"/>
-                                    </a:rPr>
-                                    <m:t>1</m:t>
-                                  </m:r>
-                                  <m:r>
-                                    <a:rPr lang="en-US" sz="2200" i="1">
-                                      <a:solidFill>
-                                        <a:prstClr val="black"/>
-                                      </a:solidFill>
-                                      <a:latin typeface="Cambria Math" panose="02040503050406030204" pitchFamily="18" charset="0"/>
-                                    </a:rPr>
-                                    <m:t>,</m:t>
-                                  </m:r>
-                                  <m:r>
-                                    <a:rPr lang="en-US" sz="2200" i="1">
-                                      <a:solidFill>
-                                        <a:prstClr val="black"/>
-                                      </a:solidFill>
-                                      <a:latin typeface="Cambria Math" panose="02040503050406030204" pitchFamily="18" charset="0"/>
-                                    </a:rPr>
-                                    <m:t>𝑛</m:t>
-                                  </m:r>
-                                </m:e>
-                              </m:d>
-                            </m:sup>
-                          </m:sSubSup>
-                          <m:r>
-                            <a:rPr lang="en-US" sz="2200" b="0" i="1" smtClean="0">
-                              <a:solidFill>
-                                <a:prstClr val="black"/>
-                              </a:solidFill>
-                              <a:latin typeface="Cambria Math" panose="02040503050406030204" pitchFamily="18" charset="0"/>
-                            </a:rPr>
-                            <m:t> )</m:t>
-                          </m:r>
-                        </m:e>
-                      </m:nary>
-                    </m:oMath>
-                  </m:oMathPara>
-                </a14:m>
-                <a:endParaRPr lang="de-DE" dirty="0"/>
-              </a:p>
-              <a:p>
-                <a:pPr>
-                  <a:lnSpc>
-                    <a:spcPct val="120000"/>
-                  </a:lnSpc>
-                </a:pPr>
-                <a:r>
-                  <a:rPr lang="de-DE" dirty="0"/>
-                  <a:t>Benefit: </a:t>
-                </a:r>
-                <a:r>
-                  <a:rPr lang="de-DE" dirty="0" err="1"/>
-                  <a:t>If</a:t>
-                </a:r>
-                <a14:m>
-                  <m:oMath xmlns:m="http://schemas.openxmlformats.org/officeDocument/2006/math">
-                    <m:sSub>
-                      <m:sSubPr>
-                        <m:ctrlPr>
-                          <a:rPr lang="en-US" i="1" smtClean="0">
-                            <a:solidFill>
-                              <a:prstClr val="black"/>
-                            </a:solidFill>
-                            <a:latin typeface="Cambria Math" panose="02040503050406030204" pitchFamily="18" charset="0"/>
-                          </a:rPr>
-                        </m:ctrlPr>
-                      </m:sSubPr>
-                      <m:e>
-                        <m:r>
-                          <a:rPr lang="en-US" b="0" i="1" smtClean="0">
-                            <a:solidFill>
-                              <a:prstClr val="black"/>
-                            </a:solidFill>
-                            <a:latin typeface="Cambria Math" panose="02040503050406030204" pitchFamily="18" charset="0"/>
-                          </a:rPr>
-                          <m:t>  </m:t>
-                        </m:r>
-                        <m:acc>
-                          <m:accPr>
-                            <m:chr m:val="̂"/>
-                            <m:ctrlPr>
-                              <a:rPr lang="en-US" i="1">
-                                <a:solidFill>
-                                  <a:prstClr val="black"/>
-                                </a:solidFill>
-                                <a:latin typeface="Cambria Math" panose="02040503050406030204" pitchFamily="18" charset="0"/>
-                              </a:rPr>
-                            </m:ctrlPr>
-                          </m:accPr>
-                          <m:e>
-                            <m:r>
-                              <a:rPr lang="en-US" i="1">
-                                <a:solidFill>
-                                  <a:prstClr val="black"/>
-                                </a:solidFill>
-                                <a:latin typeface="Cambria Math" panose="02040503050406030204" pitchFamily="18" charset="0"/>
-                              </a:rPr>
-                              <m:t>𝑃</m:t>
-                            </m:r>
-                          </m:e>
-                        </m:acc>
-                      </m:e>
-                      <m:sub>
-                        <m:r>
-                          <a:rPr lang="en-US" i="1">
-                            <a:solidFill>
-                              <a:prstClr val="black"/>
-                            </a:solidFill>
-                            <a:latin typeface="Cambria Math" panose="02040503050406030204" pitchFamily="18" charset="0"/>
-                          </a:rPr>
-                          <m:t>1</m:t>
-                        </m:r>
-                      </m:sub>
-                    </m:sSub>
-                    <m:r>
-                      <a:rPr lang="en-US" i="1">
-                        <a:solidFill>
-                          <a:prstClr val="black"/>
-                        </a:solidFill>
-                        <a:latin typeface="Cambria Math" panose="02040503050406030204" pitchFamily="18" charset="0"/>
-                      </a:rPr>
-                      <m:t>−</m:t>
-                    </m:r>
-                    <m:sSub>
-                      <m:sSubPr>
-                        <m:ctrlPr>
-                          <a:rPr lang="en-US" i="1">
-                            <a:solidFill>
-                              <a:prstClr val="black"/>
-                            </a:solidFill>
-                            <a:latin typeface="Cambria Math" panose="02040503050406030204" pitchFamily="18" charset="0"/>
-                          </a:rPr>
-                        </m:ctrlPr>
-                      </m:sSubPr>
-                      <m:e>
-                        <m:acc>
-                          <m:accPr>
-                            <m:chr m:val="̂"/>
-                            <m:ctrlPr>
-                              <a:rPr lang="en-US" i="1">
-                                <a:solidFill>
-                                  <a:prstClr val="black"/>
-                                </a:solidFill>
-                                <a:latin typeface="Cambria Math" panose="02040503050406030204" pitchFamily="18" charset="0"/>
-                              </a:rPr>
-                            </m:ctrlPr>
-                          </m:accPr>
-                          <m:e>
-                            <m:r>
-                              <a:rPr lang="en-US" i="1">
-                                <a:solidFill>
-                                  <a:prstClr val="black"/>
-                                </a:solidFill>
-                                <a:latin typeface="Cambria Math" panose="02040503050406030204" pitchFamily="18" charset="0"/>
-                              </a:rPr>
-                              <m:t>𝑃</m:t>
-                            </m:r>
-                          </m:e>
-                        </m:acc>
-                      </m:e>
-                      <m:sub>
-                        <m:r>
-                          <a:rPr lang="en-US" i="1">
-                            <a:solidFill>
-                              <a:prstClr val="black"/>
-                            </a:solidFill>
-                            <a:latin typeface="Cambria Math" panose="02040503050406030204" pitchFamily="18" charset="0"/>
-                          </a:rPr>
-                          <m:t>0</m:t>
-                        </m:r>
-                      </m:sub>
-                    </m:sSub>
-                  </m:oMath>
-                </a14:m>
-                <a:r>
-                  <a:rPr lang="de-DE" dirty="0"/>
-                  <a:t> </a:t>
-                </a:r>
-                <a:r>
-                  <a:rPr lang="de-DE" dirty="0" err="1"/>
-                  <a:t>is</a:t>
-                </a:r>
-                <a:r>
-                  <a:rPr lang="de-DE" dirty="0"/>
-                  <a:t> </a:t>
-                </a:r>
-                <a:r>
-                  <a:rPr lang="de-DE" dirty="0" err="1"/>
-                  <a:t>small</a:t>
-                </a:r>
-                <a:r>
-                  <a:rPr lang="de-DE" dirty="0"/>
-                  <a:t>, </a:t>
-                </a:r>
-                <a:r>
-                  <a:rPr lang="de-DE" dirty="0" err="1"/>
-                  <a:t>its</a:t>
-                </a:r>
-                <a:r>
-                  <a:rPr lang="de-DE" dirty="0"/>
-                  <a:t> </a:t>
-                </a:r>
-                <a:r>
-                  <a:rPr lang="de-DE" dirty="0" err="1"/>
-                  <a:t>variance</a:t>
-                </a:r>
-                <a:r>
-                  <a:rPr lang="de-DE" dirty="0"/>
-                  <a:t> will </a:t>
-                </a:r>
-                <a:r>
-                  <a:rPr lang="de-DE" dirty="0" err="1"/>
-                  <a:t>be</a:t>
-                </a:r>
-                <a:r>
-                  <a:rPr lang="de-DE" dirty="0"/>
-                  <a:t> </a:t>
-                </a:r>
-                <a:r>
-                  <a:rPr lang="de-DE" dirty="0" err="1"/>
-                  <a:t>small</a:t>
-                </a:r>
-                <a:r>
-                  <a:rPr lang="de-DE" dirty="0"/>
-                  <a:t>, so </a:t>
-                </a:r>
-                <a:r>
-                  <a:rPr lang="de-DE" dirty="0" err="1"/>
-                  <a:t>we</a:t>
-                </a:r>
-                <a:r>
-                  <a:rPr lang="de-DE" dirty="0"/>
-                  <a:t> </a:t>
-                </a:r>
-                <a:r>
-                  <a:rPr lang="de-DE" dirty="0" err="1"/>
-                  <a:t>won‘t</a:t>
-                </a:r>
-                <a:r>
-                  <a:rPr lang="de-DE" dirty="0"/>
-                  <a:t> </a:t>
-                </a:r>
-                <a:r>
-                  <a:rPr lang="de-DE" dirty="0" err="1"/>
-                  <a:t>need</a:t>
-                </a:r>
-                <a:r>
-                  <a:rPr lang="de-DE" dirty="0"/>
-                  <a:t> </a:t>
-                </a:r>
-                <a:r>
-                  <a:rPr lang="de-DE" dirty="0" err="1"/>
-                  <a:t>many</a:t>
-                </a:r>
-                <a:r>
-                  <a:rPr lang="de-DE" dirty="0"/>
-                  <a:t> </a:t>
-                </a:r>
-                <a:r>
-                  <a:rPr lang="de-DE" dirty="0" err="1"/>
-                  <a:t>samples</a:t>
-                </a:r>
-                <a:r>
-                  <a:rPr lang="de-DE" dirty="0"/>
-                  <a:t> </a:t>
-                </a:r>
-                <a:r>
-                  <a:rPr lang="de-DE" dirty="0" err="1"/>
-                  <a:t>to</a:t>
-                </a:r>
-                <a:r>
-                  <a:rPr lang="de-DE" dirty="0"/>
-                  <a:t> </a:t>
-                </a:r>
-                <a:r>
-                  <a:rPr lang="de-DE" dirty="0" err="1"/>
-                  <a:t>accurately</a:t>
-                </a:r>
-                <a:r>
-                  <a:rPr lang="de-DE" dirty="0"/>
-                  <a:t> </a:t>
-                </a:r>
-                <a:r>
-                  <a:rPr lang="de-DE" dirty="0" err="1"/>
-                  <a:t>estimate</a:t>
-                </a:r>
-                <a:r>
-                  <a:rPr lang="de-DE" dirty="0"/>
-                  <a:t> </a:t>
-                </a:r>
-                <a14:m>
-                  <m:oMath xmlns:m="http://schemas.openxmlformats.org/officeDocument/2006/math">
-                    <m:r>
-                      <a:rPr lang="en-US" sz="2400" i="1">
-                        <a:solidFill>
-                          <a:prstClr val="black"/>
-                        </a:solidFill>
-                        <a:latin typeface="Cambria Math" panose="02040503050406030204" pitchFamily="18" charset="0"/>
-                      </a:rPr>
-                      <m:t>𝐸</m:t>
-                    </m:r>
-                    <m:d>
-                      <m:dPr>
-                        <m:begChr m:val="["/>
-                        <m:endChr m:val="]"/>
-                        <m:ctrlPr>
-                          <a:rPr lang="en-US" sz="2400" i="1">
-                            <a:solidFill>
-                              <a:prstClr val="black"/>
-                            </a:solidFill>
-                            <a:latin typeface="Cambria Math" panose="02040503050406030204" pitchFamily="18" charset="0"/>
-                          </a:rPr>
-                        </m:ctrlPr>
-                      </m:dPr>
-                      <m:e>
-                        <m:sSub>
-                          <m:sSubPr>
-                            <m:ctrlPr>
-                              <a:rPr lang="en-US" sz="2400" i="1">
-                                <a:solidFill>
-                                  <a:prstClr val="black"/>
-                                </a:solidFill>
-                                <a:latin typeface="Cambria Math" panose="02040503050406030204" pitchFamily="18" charset="0"/>
-                              </a:rPr>
-                            </m:ctrlPr>
-                          </m:sSubPr>
-                          <m:e>
-                            <m:acc>
-                              <m:accPr>
-                                <m:chr m:val="̂"/>
-                                <m:ctrlPr>
-                                  <a:rPr lang="en-US" sz="2400" i="1">
-                                    <a:solidFill>
-                                      <a:prstClr val="black"/>
-                                    </a:solidFill>
-                                    <a:latin typeface="Cambria Math" panose="02040503050406030204" pitchFamily="18" charset="0"/>
-                                  </a:rPr>
-                                </m:ctrlPr>
-                              </m:accPr>
-                              <m:e>
-                                <m:r>
-                                  <a:rPr lang="en-US" sz="2400" i="1">
-                                    <a:solidFill>
-                                      <a:prstClr val="black"/>
-                                    </a:solidFill>
-                                    <a:latin typeface="Cambria Math" panose="02040503050406030204" pitchFamily="18" charset="0"/>
-                                  </a:rPr>
-                                  <m:t>𝑃</m:t>
-                                </m:r>
-                              </m:e>
-                            </m:acc>
-                          </m:e>
-                          <m:sub>
-                            <m:r>
-                              <a:rPr lang="en-US" sz="2400" i="1">
-                                <a:solidFill>
-                                  <a:prstClr val="black"/>
-                                </a:solidFill>
-                                <a:latin typeface="Cambria Math" panose="02040503050406030204" pitchFamily="18" charset="0"/>
-                              </a:rPr>
-                              <m:t>1</m:t>
-                            </m:r>
-                          </m:sub>
-                        </m:sSub>
-                        <m:r>
-                          <a:rPr lang="en-US" sz="2400" i="1">
-                            <a:solidFill>
-                              <a:prstClr val="black"/>
-                            </a:solidFill>
-                            <a:latin typeface="Cambria Math" panose="02040503050406030204" pitchFamily="18" charset="0"/>
-                          </a:rPr>
-                          <m:t>−</m:t>
-                        </m:r>
-                        <m:sSub>
-                          <m:sSubPr>
-                            <m:ctrlPr>
-                              <a:rPr lang="en-US" sz="2400" i="1">
-                                <a:solidFill>
-                                  <a:prstClr val="black"/>
-                                </a:solidFill>
-                                <a:latin typeface="Cambria Math" panose="02040503050406030204" pitchFamily="18" charset="0"/>
-                              </a:rPr>
-                            </m:ctrlPr>
-                          </m:sSubPr>
-                          <m:e>
-                            <m:acc>
-                              <m:accPr>
-                                <m:chr m:val="̂"/>
-                                <m:ctrlPr>
-                                  <a:rPr lang="en-US" sz="2400" i="1">
-                                    <a:solidFill>
-                                      <a:prstClr val="black"/>
-                                    </a:solidFill>
-                                    <a:latin typeface="Cambria Math" panose="02040503050406030204" pitchFamily="18" charset="0"/>
-                                  </a:rPr>
-                                </m:ctrlPr>
-                              </m:accPr>
-                              <m:e>
-                                <m:r>
-                                  <a:rPr lang="en-US" sz="2400" i="1">
-                                    <a:solidFill>
-                                      <a:prstClr val="black"/>
-                                    </a:solidFill>
-                                    <a:latin typeface="Cambria Math" panose="02040503050406030204" pitchFamily="18" charset="0"/>
-                                  </a:rPr>
-                                  <m:t>𝑃</m:t>
-                                </m:r>
-                              </m:e>
-                            </m:acc>
-                          </m:e>
-                          <m:sub>
-                            <m:r>
-                              <a:rPr lang="en-US" sz="2400" i="1">
-                                <a:solidFill>
-                                  <a:prstClr val="black"/>
-                                </a:solidFill>
-                                <a:latin typeface="Cambria Math" panose="02040503050406030204" pitchFamily="18" charset="0"/>
-                              </a:rPr>
-                              <m:t>0</m:t>
-                            </m:r>
-                          </m:sub>
-                        </m:sSub>
-                      </m:e>
-                    </m:d>
-                  </m:oMath>
-                </a14:m>
-                <a:r>
-                  <a:rPr lang="de-DE" dirty="0"/>
-                  <a:t>, so </a:t>
-                </a:r>
-                <a:r>
-                  <a:rPr lang="de-DE" dirty="0" err="1"/>
-                  <a:t>cost</a:t>
-                </a:r>
-                <a:r>
-                  <a:rPr lang="de-DE" dirty="0"/>
-                  <a:t> </a:t>
-                </a:r>
-                <a:r>
-                  <a:rPr lang="de-DE" dirty="0" err="1"/>
-                  <a:t>would</a:t>
-                </a:r>
-                <a:r>
-                  <a:rPr lang="de-DE" dirty="0"/>
-                  <a:t> </a:t>
-                </a:r>
-                <a:r>
-                  <a:rPr lang="de-DE" dirty="0" err="1"/>
-                  <a:t>be</a:t>
-                </a:r>
-                <a:r>
-                  <a:rPr lang="de-DE" dirty="0"/>
-                  <a:t> </a:t>
-                </a:r>
-                <a:r>
-                  <a:rPr lang="de-DE" dirty="0" err="1"/>
-                  <a:t>reduced</a:t>
-                </a:r>
-                <a:r>
-                  <a:rPr lang="de-DE" dirty="0"/>
-                  <a:t> </a:t>
-                </a:r>
-                <a:r>
-                  <a:rPr lang="de-DE" dirty="0" err="1"/>
-                  <a:t>greatly</a:t>
-                </a:r>
-                <a:r>
-                  <a:rPr lang="de-DE" dirty="0"/>
-                  <a:t>.</a:t>
-                </a:r>
-              </a:p>
-            </p:txBody>
-          </p:sp>
-        </mc:Choice>
-        <mc:Fallback>
-          <p:sp>
-            <p:nvSpPr>
-              <p:cNvPr id="9" name="Content Placeholder 2">
-                <a:extLst>
-                  <a:ext uri="{FF2B5EF4-FFF2-40B4-BE49-F238E27FC236}">
-                    <a16:creationId xmlns:a16="http://schemas.microsoft.com/office/drawing/2014/main" id="{1390DE4D-0854-BE6E-BDD1-5AA7AB426A6B}"/>
-                  </a:ext>
-                </a:extLst>
-              </p:cNvPr>
-              <p:cNvSpPr>
-                <a:spLocks noGrp="1" noRot="1" noChangeAspect="1" noMove="1" noResize="1" noEditPoints="1" noAdjustHandles="1" noChangeArrowheads="1" noChangeShapeType="1" noTextEdit="1"/>
-              </p:cNvSpPr>
-              <p:nvPr>
-                <p:ph idx="1"/>
-              </p:nvPr>
-            </p:nvSpPr>
-            <p:spPr>
-              <a:xfrm>
-                <a:off x="597159" y="1003693"/>
-                <a:ext cx="10756642" cy="5733010"/>
-              </a:xfrm>
-              <a:blipFill>
-                <a:blip r:embed="rId2"/>
-                <a:stretch>
-                  <a:fillRect l="-1020" t="-213" r="-57"/>
-                </a:stretch>
-              </a:blipFill>
-            </p:spPr>
-            <p:txBody>
-              <a:bodyPr/>
-              <a:lstStyle/>
-              <a:p>
-                <a:r>
-                  <a:rPr lang="de-DE">
-                    <a:noFill/>
-                  </a:rPr>
-                  <a:t> </a:t>
-                </a:r>
-              </a:p>
-            </p:txBody>
-          </p:sp>
-        </mc:Fallback>
-      </mc:AlternateContent>
-    </p:spTree>
-    <p:extLst>
-      <p:ext uri="{BB962C8B-B14F-4D97-AF65-F5344CB8AC3E}">
-        <p14:creationId xmlns:p14="http://schemas.microsoft.com/office/powerpoint/2010/main" val="3155670444"/>
       </p:ext>
     </p:extLst>
   </p:cSld>

--- a/Multi-level Monte Carlo.pptx
+++ b/Multi-level Monte Carlo.pptx
@@ -53,8 +53,8 @@
     <p:sldId id="305" r:id="rId44"/>
     <p:sldId id="306" r:id="rId45"/>
     <p:sldId id="307" r:id="rId46"/>
-    <p:sldId id="273" r:id="rId47"/>
-    <p:sldId id="279" r:id="rId48"/>
+    <p:sldId id="308" r:id="rId47"/>
+    <p:sldId id="273" r:id="rId48"/>
     <p:sldId id="278" r:id="rId49"/>
     <p:sldId id="277" r:id="rId50"/>
     <p:sldId id="274" r:id="rId51"/>
@@ -247,7 +247,7 @@
           <a:p>
             <a:fld id="{7C50E55A-97EB-4F80-A849-C41770BD2C14}" type="datetimeFigureOut">
               <a:rPr lang="de-DE" smtClean="0"/>
-              <a:t>12.11.2022</a:t>
+              <a:t>13.11.2022</a:t>
             </a:fld>
             <a:endParaRPr lang="de-DE"/>
           </a:p>
@@ -664,7 +664,7 @@
           <a:p>
             <a:fld id="{42DC160E-E8F3-4A7B-B560-3F7DDCB8DCCB}" type="datetime1">
               <a:rPr lang="de-DE" smtClean="0"/>
-              <a:t>12.11.2022</a:t>
+              <a:t>13.11.2022</a:t>
             </a:fld>
             <a:endParaRPr lang="de-DE"/>
           </a:p>
@@ -867,7 +867,7 @@
           <a:p>
             <a:fld id="{4A6BE53A-91CE-4980-AA36-90EC57DDF9C5}" type="datetime1">
               <a:rPr lang="de-DE" smtClean="0"/>
-              <a:t>12.11.2022</a:t>
+              <a:t>13.11.2022</a:t>
             </a:fld>
             <a:endParaRPr lang="de-DE"/>
           </a:p>
@@ -1080,7 +1080,7 @@
           <a:p>
             <a:fld id="{17CFFA08-DAA5-4F18-B5D1-AB31B1B0E859}" type="datetime1">
               <a:rPr lang="de-DE" smtClean="0"/>
-              <a:t>12.11.2022</a:t>
+              <a:t>13.11.2022</a:t>
             </a:fld>
             <a:endParaRPr lang="de-DE"/>
           </a:p>
@@ -1283,7 +1283,7 @@
           <a:p>
             <a:fld id="{F71301FD-471F-47BA-8255-218BED4D95B7}" type="datetime1">
               <a:rPr lang="de-DE" smtClean="0"/>
-              <a:t>12.11.2022</a:t>
+              <a:t>13.11.2022</a:t>
             </a:fld>
             <a:endParaRPr lang="de-DE"/>
           </a:p>
@@ -1562,7 +1562,7 @@
           <a:p>
             <a:fld id="{C392B4E1-5916-4497-8B8B-D395964DE0B1}" type="datetime1">
               <a:rPr lang="de-DE" smtClean="0"/>
-              <a:t>12.11.2022</a:t>
+              <a:t>13.11.2022</a:t>
             </a:fld>
             <a:endParaRPr lang="de-DE"/>
           </a:p>
@@ -1833,7 +1833,7 @@
           <a:p>
             <a:fld id="{1067EDDB-7321-4FC9-8F82-4E0F031BCDC8}" type="datetime1">
               <a:rPr lang="de-DE" smtClean="0"/>
-              <a:t>12.11.2022</a:t>
+              <a:t>13.11.2022</a:t>
             </a:fld>
             <a:endParaRPr lang="de-DE"/>
           </a:p>
@@ -2251,7 +2251,7 @@
           <a:p>
             <a:fld id="{5F043441-D25A-4199-BAEE-7813CFDA2B80}" type="datetime1">
               <a:rPr lang="de-DE" smtClean="0"/>
-              <a:t>12.11.2022</a:t>
+              <a:t>13.11.2022</a:t>
             </a:fld>
             <a:endParaRPr lang="de-DE"/>
           </a:p>
@@ -2396,7 +2396,7 @@
           <a:p>
             <a:fld id="{12EB2EA3-B2BF-44E2-98FF-4120D71A9154}" type="datetime1">
               <a:rPr lang="de-DE" smtClean="0"/>
-              <a:t>12.11.2022</a:t>
+              <a:t>13.11.2022</a:t>
             </a:fld>
             <a:endParaRPr lang="de-DE"/>
           </a:p>
@@ -2512,7 +2512,7 @@
           <a:p>
             <a:fld id="{DC0C6797-1792-4813-81C9-F4233BFC3146}" type="datetime1">
               <a:rPr lang="de-DE" smtClean="0"/>
-              <a:t>12.11.2022</a:t>
+              <a:t>13.11.2022</a:t>
             </a:fld>
             <a:endParaRPr lang="de-DE"/>
           </a:p>
@@ -2828,7 +2828,7 @@
           <a:p>
             <a:fld id="{657F5487-6AAE-4510-BFE1-E06DD81B194F}" type="datetime1">
               <a:rPr lang="de-DE" smtClean="0"/>
-              <a:t>12.11.2022</a:t>
+              <a:t>13.11.2022</a:t>
             </a:fld>
             <a:endParaRPr lang="de-DE"/>
           </a:p>
@@ -3120,7 +3120,7 @@
           <a:p>
             <a:fld id="{EF7B6145-38F1-44E8-8BB0-2692C88871BC}" type="datetime1">
               <a:rPr lang="de-DE" smtClean="0"/>
-              <a:t>12.11.2022</a:t>
+              <a:t>13.11.2022</a:t>
             </a:fld>
             <a:endParaRPr lang="de-DE"/>
           </a:p>
@@ -3366,7 +3366,7 @@
           <a:p>
             <a:fld id="{75555391-0F19-4A9B-852A-374D38A6EE36}" type="datetime1">
               <a:rPr lang="de-DE" smtClean="0"/>
-              <a:t>12.11.2022</a:t>
+              <a:t>13.11.2022</a:t>
             </a:fld>
             <a:endParaRPr lang="de-DE"/>
           </a:p>
@@ -25622,42 +25622,6 @@
           </a:fontRef>
         </p:style>
       </p:cxnSp>
-      <p:cxnSp>
-        <p:nvCxnSpPr>
-          <p:cNvPr id="11" name="Straight Connector 10">
-            <a:extLst>
-              <a:ext uri="{FF2B5EF4-FFF2-40B4-BE49-F238E27FC236}">
-                <a16:creationId xmlns:a16="http://schemas.microsoft.com/office/drawing/2014/main" id="{AF920692-B7E7-2BE6-CF6A-3C184A647828}"/>
-              </a:ext>
-            </a:extLst>
-          </p:cNvPr>
-          <p:cNvCxnSpPr/>
-          <p:nvPr/>
-        </p:nvCxnSpPr>
-        <p:spPr>
-          <a:xfrm>
-            <a:off x="111967" y="901053"/>
-            <a:ext cx="11980506" cy="0"/>
-          </a:xfrm>
-          <a:prstGeom prst="line">
-            <a:avLst/>
-          </a:prstGeom>
-        </p:spPr>
-        <p:style>
-          <a:lnRef idx="3">
-            <a:schemeClr val="dk1"/>
-          </a:lnRef>
-          <a:fillRef idx="0">
-            <a:schemeClr val="dk1"/>
-          </a:fillRef>
-          <a:effectRef idx="2">
-            <a:schemeClr val="dk1"/>
-          </a:effectRef>
-          <a:fontRef idx="minor">
-            <a:schemeClr val="tx1"/>
-          </a:fontRef>
-        </p:style>
-      </p:cxnSp>
       <p:sp>
         <p:nvSpPr>
           <p:cNvPr id="3" name="Content Placeholder 2">
@@ -26058,92 +26022,144 @@
               <a:buFont typeface="Arial" panose="020B0604020202020204" pitchFamily="34" charset="0"/>
               <a:buNone/>
             </a:pPr>
-            <a:r>
-              <a:rPr lang="en-US" sz="2400" dirty="0"/>
-              <a:t>As more examples of the flexibility of the MLMC approach, the levels can correspond to different levels of computing precision</a:t>
-            </a:r>
-          </a:p>
-          <a:p>
-            <a:pPr>
-              <a:lnSpc>
-                <a:spcPct val="120000"/>
-              </a:lnSpc>
-            </a:pPr>
-            <a:r>
-              <a:rPr lang="en-US" sz="2400" dirty="0"/>
-              <a:t>2ℓ+2 bits of precision on level ℓ when using FPGAs (Korn, </a:t>
-            </a:r>
-            <a:r>
-              <a:rPr lang="en-US" sz="2400" dirty="0" err="1"/>
-              <a:t>Ritter,Wehn</a:t>
-            </a:r>
-            <a:r>
-              <a:rPr lang="en-US" sz="2400" dirty="0"/>
-              <a:t>, 2014)</a:t>
-            </a:r>
-          </a:p>
-          <a:p>
-            <a:pPr>
-              <a:lnSpc>
-                <a:spcPct val="120000"/>
-              </a:lnSpc>
-            </a:pPr>
-            <a:r>
-              <a:rPr lang="en-US" sz="2400" dirty="0"/>
-              <a:t>IEEE half-precision on level 0, IEEE single precision on level1, etc., when computing on CPUs or GPUs</a:t>
-            </a:r>
-          </a:p>
-          <a:p>
-            <a:pPr marL="0" indent="0">
-              <a:lnSpc>
-                <a:spcPct val="120000"/>
-              </a:lnSpc>
-              <a:buFont typeface="Arial" panose="020B0604020202020204" pitchFamily="34" charset="0"/>
-              <a:buNone/>
-            </a:pPr>
-            <a:r>
-              <a:rPr lang="en-US" sz="2400" dirty="0"/>
-              <a:t>or the different levels can use different random number generators</a:t>
-            </a:r>
-          </a:p>
-          <a:p>
-            <a:pPr>
-              <a:lnSpc>
-                <a:spcPct val="120000"/>
-              </a:lnSpc>
-            </a:pPr>
-            <a:r>
-              <a:rPr lang="en-US" sz="2400" dirty="0"/>
-              <a:t>level 0: 10-bit uniform random numbers, with table lookup to convert to approximate </a:t>
-            </a:r>
-            <a:r>
-              <a:rPr lang="en-US" sz="2400" dirty="0" err="1"/>
-              <a:t>Normals</a:t>
-            </a:r>
-            <a:endParaRPr lang="en-US" sz="2400" dirty="0"/>
-          </a:p>
-          <a:p>
-            <a:pPr>
-              <a:lnSpc>
-                <a:spcPct val="120000"/>
-              </a:lnSpc>
-            </a:pPr>
-            <a:r>
-              <a:rPr lang="en-US" sz="2400" dirty="0"/>
-              <a:t>level 1: 32-bit uniform random numbers, and more complex calculation to obtain </a:t>
-            </a:r>
-            <a:r>
-              <a:rPr lang="en-US" sz="2400" dirty="0" err="1"/>
-              <a:t>Normals</a:t>
-            </a:r>
             <a:endParaRPr lang="de-DE" sz="2400" dirty="0"/>
           </a:p>
         </p:txBody>
       </p:sp>
+      <p:pic>
+        <p:nvPicPr>
+          <p:cNvPr id="1026" name="Picture 2">
+            <a:extLst>
+              <a:ext uri="{FF2B5EF4-FFF2-40B4-BE49-F238E27FC236}">
+                <a16:creationId xmlns:a16="http://schemas.microsoft.com/office/drawing/2014/main" id="{FC9A29BA-A7DC-B387-EA42-7AAED930B800}"/>
+              </a:ext>
+            </a:extLst>
+          </p:cNvPr>
+          <p:cNvPicPr>
+            <a:picLocks noChangeAspect="1" noChangeArrowheads="1"/>
+          </p:cNvPicPr>
+          <p:nvPr/>
+        </p:nvPicPr>
+        <p:blipFill>
+          <a:blip r:embed="rId2">
+            <a:extLst>
+              <a:ext uri="{28A0092B-C50C-407E-A947-70E740481C1C}">
+                <a14:useLocalDpi xmlns:a14="http://schemas.microsoft.com/office/drawing/2010/main" val="0"/>
+              </a:ext>
+            </a:extLst>
+          </a:blip>
+          <a:srcRect/>
+          <a:stretch>
+            <a:fillRect/>
+          </a:stretch>
+        </p:blipFill>
+        <p:spPr bwMode="auto">
+          <a:xfrm>
+            <a:off x="3057524" y="817830"/>
+            <a:ext cx="6076950" cy="4562475"/>
+          </a:xfrm>
+          <a:prstGeom prst="rect">
+            <a:avLst/>
+          </a:prstGeom>
+          <a:noFill/>
+          <a:extLst>
+            <a:ext uri="{909E8E84-426E-40DD-AFC4-6F175D3DCCD1}">
+              <a14:hiddenFill xmlns:a14="http://schemas.microsoft.com/office/drawing/2010/main">
+                <a:solidFill>
+                  <a:srgbClr val="FFFFFF"/>
+                </a:solidFill>
+              </a14:hiddenFill>
+            </a:ext>
+          </a:extLst>
+        </p:spPr>
+      </p:pic>
+      <p:pic>
+        <p:nvPicPr>
+          <p:cNvPr id="1028" name="Picture 4">
+            <a:extLst>
+              <a:ext uri="{FF2B5EF4-FFF2-40B4-BE49-F238E27FC236}">
+                <a16:creationId xmlns:a16="http://schemas.microsoft.com/office/drawing/2014/main" id="{80B18196-0957-63FF-03CE-C8A810A5A6A2}"/>
+              </a:ext>
+            </a:extLst>
+          </p:cNvPr>
+          <p:cNvPicPr>
+            <a:picLocks noChangeAspect="1" noChangeArrowheads="1"/>
+          </p:cNvPicPr>
+          <p:nvPr/>
+        </p:nvPicPr>
+        <p:blipFill>
+          <a:blip r:embed="rId3">
+            <a:extLst>
+              <a:ext uri="{28A0092B-C50C-407E-A947-70E740481C1C}">
+                <a14:useLocalDpi xmlns:a14="http://schemas.microsoft.com/office/drawing/2010/main" val="0"/>
+              </a:ext>
+            </a:extLst>
+          </a:blip>
+          <a:srcRect/>
+          <a:stretch>
+            <a:fillRect/>
+          </a:stretch>
+        </p:blipFill>
+        <p:spPr bwMode="auto">
+          <a:xfrm>
+            <a:off x="2538412" y="5125124"/>
+            <a:ext cx="7115175" cy="1171575"/>
+          </a:xfrm>
+          <a:prstGeom prst="rect">
+            <a:avLst/>
+          </a:prstGeom>
+          <a:noFill/>
+          <a:extLst>
+            <a:ext uri="{909E8E84-426E-40DD-AFC4-6F175D3DCCD1}">
+              <a14:hiddenFill xmlns:a14="http://schemas.microsoft.com/office/drawing/2010/main">
+                <a:solidFill>
+                  <a:srgbClr val="FFFFFF"/>
+                </a:solidFill>
+              </a14:hiddenFill>
+            </a:ext>
+          </a:extLst>
+        </p:spPr>
+      </p:pic>
+      <p:cxnSp>
+        <p:nvCxnSpPr>
+          <p:cNvPr id="11" name="Straight Connector 10">
+            <a:extLst>
+              <a:ext uri="{FF2B5EF4-FFF2-40B4-BE49-F238E27FC236}">
+                <a16:creationId xmlns:a16="http://schemas.microsoft.com/office/drawing/2014/main" id="{AF920692-B7E7-2BE6-CF6A-3C184A647828}"/>
+              </a:ext>
+            </a:extLst>
+          </p:cNvPr>
+          <p:cNvCxnSpPr/>
+          <p:nvPr/>
+        </p:nvCxnSpPr>
+        <p:spPr>
+          <a:xfrm>
+            <a:off x="111967" y="901053"/>
+            <a:ext cx="11980506" cy="0"/>
+          </a:xfrm>
+          <a:prstGeom prst="line">
+            <a:avLst/>
+          </a:prstGeom>
+        </p:spPr>
+        <p:style>
+          <a:lnRef idx="3">
+            <a:schemeClr val="dk1"/>
+          </a:lnRef>
+          <a:fillRef idx="0">
+            <a:schemeClr val="dk1"/>
+          </a:fillRef>
+          <a:effectRef idx="2">
+            <a:schemeClr val="dk1"/>
+          </a:effectRef>
+          <a:fontRef idx="minor">
+            <a:schemeClr val="tx1"/>
+          </a:fontRef>
+        </p:style>
+      </p:cxnSp>
     </p:spTree>
     <p:extLst>
       <p:ext uri="{BB962C8B-B14F-4D97-AF65-F5344CB8AC3E}">
-        <p14:creationId xmlns:p14="http://schemas.microsoft.com/office/powerpoint/2010/main" val="1468382734"/>
+        <p14:creationId xmlns:p14="http://schemas.microsoft.com/office/powerpoint/2010/main" val="3025172791"/>
       </p:ext>
     </p:extLst>
   </p:cSld>
@@ -26215,7 +26231,7 @@
                   </a:schemeClr>
                 </a:solidFill>
               </a:rPr>
-              <a:t>Random Diffusion Problem</a:t>
+              <a:t>Mixed precision computing</a:t>
             </a:r>
             <a:endParaRPr lang="de-DE" sz="4000" dirty="0">
               <a:solidFill>
@@ -26756,44 +26772,92 @@
               <a:buFont typeface="Arial" panose="020B0604020202020204" pitchFamily="34" charset="0"/>
               <a:buNone/>
             </a:pPr>
+            <a:r>
+              <a:rPr lang="en-US" sz="2400" dirty="0"/>
+              <a:t>As more examples of the flexibility of the MLMC approach, the levels can correspond to different levels of computing precision</a:t>
+            </a:r>
+          </a:p>
+          <a:p>
+            <a:pPr>
+              <a:lnSpc>
+                <a:spcPct val="120000"/>
+              </a:lnSpc>
+            </a:pPr>
+            <a:r>
+              <a:rPr lang="en-US" sz="2400" dirty="0"/>
+              <a:t>2ℓ+2 bits of precision on level ℓ when using FPGAs (Korn, Ritter, </a:t>
+            </a:r>
+            <a:r>
+              <a:rPr lang="en-US" sz="2400" dirty="0" err="1"/>
+              <a:t>Wehn</a:t>
+            </a:r>
+            <a:r>
+              <a:rPr lang="en-US" sz="2400" dirty="0"/>
+              <a:t>, 2014)</a:t>
+            </a:r>
+          </a:p>
+          <a:p>
+            <a:pPr>
+              <a:lnSpc>
+                <a:spcPct val="120000"/>
+              </a:lnSpc>
+            </a:pPr>
+            <a:r>
+              <a:rPr lang="en-US" sz="2400" dirty="0"/>
+              <a:t>IEEE half-precision on level 0, IEEE single precision on level1, etc., when computing on CPUs or GPUs</a:t>
+            </a:r>
+          </a:p>
+          <a:p>
+            <a:pPr marL="0" indent="0">
+              <a:lnSpc>
+                <a:spcPct val="120000"/>
+              </a:lnSpc>
+              <a:buFont typeface="Arial" panose="020B0604020202020204" pitchFamily="34" charset="0"/>
+              <a:buNone/>
+            </a:pPr>
+            <a:r>
+              <a:rPr lang="en-US" sz="2400" dirty="0"/>
+              <a:t>or the different levels can use different random number generators</a:t>
+            </a:r>
+          </a:p>
+          <a:p>
+            <a:pPr>
+              <a:lnSpc>
+                <a:spcPct val="120000"/>
+              </a:lnSpc>
+            </a:pPr>
+            <a:r>
+              <a:rPr lang="en-US" sz="2400" dirty="0"/>
+              <a:t>level 0: 10-bit uniform random numbers, with table lookup to convert to approximate </a:t>
+            </a:r>
+            <a:r>
+              <a:rPr lang="en-US" sz="2400" dirty="0" err="1"/>
+              <a:t>Normals</a:t>
+            </a:r>
+            <a:endParaRPr lang="en-US" sz="2400" dirty="0"/>
+          </a:p>
+          <a:p>
+            <a:pPr>
+              <a:lnSpc>
+                <a:spcPct val="120000"/>
+              </a:lnSpc>
+            </a:pPr>
+            <a:r>
+              <a:rPr lang="en-US" sz="2400" dirty="0"/>
+              <a:t>level 1: 32-bit uniform random numbers, and more complex calculation to obtain </a:t>
+            </a:r>
+            <a:r>
+              <a:rPr lang="en-US" sz="2400" dirty="0" err="1"/>
+              <a:t>Normals</a:t>
+            </a:r>
             <a:endParaRPr lang="de-DE" sz="2400" dirty="0"/>
           </a:p>
         </p:txBody>
       </p:sp>
-      <p:pic>
-        <p:nvPicPr>
-          <p:cNvPr id="7" name="Picture 6">
-            <a:extLst>
-              <a:ext uri="{FF2B5EF4-FFF2-40B4-BE49-F238E27FC236}">
-                <a16:creationId xmlns:a16="http://schemas.microsoft.com/office/drawing/2014/main" id="{D89A6879-08ED-40E8-081B-B97D5215EB34}"/>
-              </a:ext>
-            </a:extLst>
-          </p:cNvPr>
-          <p:cNvPicPr>
-            <a:picLocks noChangeAspect="1"/>
-          </p:cNvPicPr>
-          <p:nvPr/>
-        </p:nvPicPr>
-        <p:blipFill>
-          <a:blip r:embed="rId2"/>
-          <a:stretch>
-            <a:fillRect/>
-          </a:stretch>
-        </p:blipFill>
-        <p:spPr>
-          <a:xfrm>
-            <a:off x="962279" y="1019775"/>
-            <a:ext cx="10195580" cy="5217853"/>
-          </a:xfrm>
-          <a:prstGeom prst="rect">
-            <a:avLst/>
-          </a:prstGeom>
-        </p:spPr>
-      </p:pic>
     </p:spTree>
     <p:extLst>
       <p:ext uri="{BB962C8B-B14F-4D97-AF65-F5344CB8AC3E}">
-        <p14:creationId xmlns:p14="http://schemas.microsoft.com/office/powerpoint/2010/main" val="844914538"/>
+        <p14:creationId xmlns:p14="http://schemas.microsoft.com/office/powerpoint/2010/main" val="1468382734"/>
       </p:ext>
     </p:extLst>
   </p:cSld>
@@ -27933,8 +27997,8 @@
           </a:p>
         </p:txBody>
       </p:sp>
-      <mc:AlternateContent xmlns:mc="http://schemas.openxmlformats.org/markup-compatibility/2006">
-        <mc:Choice xmlns:a14="http://schemas.microsoft.com/office/drawing/2010/main" Requires="a14">
+      <mc:AlternateContent xmlns:mc="http://schemas.openxmlformats.org/markup-compatibility/2006" xmlns:a14="http://schemas.microsoft.com/office/drawing/2010/main">
+        <mc:Choice Requires="a14">
           <p:sp>
             <p:nvSpPr>
               <p:cNvPr id="12" name="Content Placeholder 2">
@@ -29764,7 +29828,7 @@
             </p:txBody>
           </p:sp>
         </mc:Choice>
-        <mc:Fallback>
+        <mc:Fallback xmlns="">
           <p:sp>
             <p:nvSpPr>
               <p:cNvPr id="12" name="Content Placeholder 2">
@@ -31262,7 +31326,7 @@
         </p:spPr>
         <p:txBody>
           <a:bodyPr vert="horz" lIns="91440" tIns="45720" rIns="91440" bIns="45720" rtlCol="0">
-            <a:normAutofit/>
+            <a:normAutofit fontScale="92500" lnSpcReduction="20000"/>
           </a:bodyPr>
           <a:lstStyle>
             <a:lvl1pPr marL="228600" indent="-228600" algn="l" defTabSz="914400" rtl="0" eaLnBrk="1" latinLnBrk="0" hangingPunct="1">
@@ -31525,6 +31589,20 @@
               <a:t>https://eta.impa.br/dl/135.pdf</a:t>
             </a:r>
             <a:endParaRPr lang="de-DE" sz="2400" dirty="0"/>
+          </a:p>
+          <a:p>
+            <a:pPr>
+              <a:lnSpc>
+                <a:spcPct val="120000"/>
+              </a:lnSpc>
+            </a:pPr>
+            <a:r>
+              <a:rPr lang="de-DE" dirty="0">
+                <a:hlinkClick r:id="rId9"/>
+              </a:rPr>
+              <a:t>https://blogs.nvidia.com/blog/2019/11/15/whats-the-difference-between-single-double-multi-and-mixed-precision-computing/</a:t>
+            </a:r>
+            <a:endParaRPr lang="de-DE" dirty="0"/>
           </a:p>
           <a:p>
             <a:pPr>
